--- a/Testing Application Gherca Darius.pptx
+++ b/Testing Application Gherca Darius.pptx
@@ -5,15 +5,19 @@
     <p:sldMasterId id="2147483648" r:id="rId1"/>
   </p:sldMasterIdLst>
   <p:notesMasterIdLst>
-    <p:notesMasterId r:id="rId8"/>
+    <p:notesMasterId r:id="rId12"/>
   </p:notesMasterIdLst>
   <p:sldIdLst>
     <p:sldId id="2147470251" r:id="rId2"/>
     <p:sldId id="2147470279" r:id="rId3"/>
     <p:sldId id="2147468688" r:id="rId4"/>
     <p:sldId id="2147470252" r:id="rId5"/>
-    <p:sldId id="2147470257" r:id="rId6"/>
-    <p:sldId id="2147470280" r:id="rId7"/>
+    <p:sldId id="2147470281" r:id="rId6"/>
+    <p:sldId id="2147470257" r:id="rId7"/>
+    <p:sldId id="2147470282" r:id="rId8"/>
+    <p:sldId id="2147470285" r:id="rId9"/>
+    <p:sldId id="2147470283" r:id="rId10"/>
+    <p:sldId id="2147470284" r:id="rId11"/>
   </p:sldIdLst>
   <p:sldSz cx="12192000" cy="6858000"/>
   <p:notesSz cx="6858000" cy="9144000"/>
@@ -2140,6 +2144,114 @@
 </p:notes>
 </file>
 
+<file path=ppt/notesSlides/notesSlide10.xml><?xml version="1.0" encoding="utf-8"?>
+<p:notes xmlns:a="http://schemas.openxmlformats.org/drawingml/2006/main" xmlns:r="http://schemas.openxmlformats.org/officeDocument/2006/relationships" xmlns:p="http://schemas.openxmlformats.org/presentationml/2006/main">
+  <p:cSld>
+    <p:spTree>
+      <p:nvGrpSpPr>
+        <p:cNvPr id="1" name="">
+          <a:extLst>
+            <a:ext uri="{FF2B5EF4-FFF2-40B4-BE49-F238E27FC236}">
+              <a16:creationId xmlns:a16="http://schemas.microsoft.com/office/drawing/2014/main" id="{86C3D8BF-7F71-86BA-3C33-7899A729E301}"/>
+            </a:ext>
+          </a:extLst>
+        </p:cNvPr>
+        <p:cNvGrpSpPr/>
+        <p:nvPr/>
+      </p:nvGrpSpPr>
+      <p:grpSpPr>
+        <a:xfrm>
+          <a:off x="0" y="0"/>
+          <a:ext cx="0" cy="0"/>
+          <a:chOff x="0" y="0"/>
+          <a:chExt cx="0" cy="0"/>
+        </a:xfrm>
+      </p:grpSpPr>
+      <p:sp>
+        <p:nvSpPr>
+          <p:cNvPr id="2" name="Slide Image Placeholder 1">
+            <a:extLst>
+              <a:ext uri="{FF2B5EF4-FFF2-40B4-BE49-F238E27FC236}">
+                <a16:creationId xmlns:a16="http://schemas.microsoft.com/office/drawing/2014/main" id="{D89733A0-0E61-25FD-2F3E-90C541448DCE}"/>
+              </a:ext>
+            </a:extLst>
+          </p:cNvPr>
+          <p:cNvSpPr>
+            <a:spLocks noGrp="1" noRot="1" noChangeAspect="1"/>
+          </p:cNvSpPr>
+          <p:nvPr>
+            <p:ph type="sldImg"/>
+          </p:nvPr>
+        </p:nvSpPr>
+        <p:spPr/>
+      </p:sp>
+      <p:sp>
+        <p:nvSpPr>
+          <p:cNvPr id="3" name="Notes Placeholder 2">
+            <a:extLst>
+              <a:ext uri="{FF2B5EF4-FFF2-40B4-BE49-F238E27FC236}">
+                <a16:creationId xmlns:a16="http://schemas.microsoft.com/office/drawing/2014/main" id="{5A13955D-D8B8-52B1-CFEC-38D9B8E1F8FA}"/>
+              </a:ext>
+            </a:extLst>
+          </p:cNvPr>
+          <p:cNvSpPr>
+            <a:spLocks noGrp="1"/>
+          </p:cNvSpPr>
+          <p:nvPr>
+            <p:ph type="body" idx="1"/>
+          </p:nvPr>
+        </p:nvSpPr>
+        <p:spPr/>
+        <p:txBody>
+          <a:bodyPr/>
+          <a:lstStyle/>
+          <a:p>
+            <a:endParaRPr lang="en-US" dirty="0"/>
+          </a:p>
+        </p:txBody>
+      </p:sp>
+      <p:sp>
+        <p:nvSpPr>
+          <p:cNvPr id="4" name="Slide Number Placeholder 3">
+            <a:extLst>
+              <a:ext uri="{FF2B5EF4-FFF2-40B4-BE49-F238E27FC236}">
+                <a16:creationId xmlns:a16="http://schemas.microsoft.com/office/drawing/2014/main" id="{9B68D59A-F71E-EE2B-BF73-74D829E4E693}"/>
+              </a:ext>
+            </a:extLst>
+          </p:cNvPr>
+          <p:cNvSpPr>
+            <a:spLocks noGrp="1"/>
+          </p:cNvSpPr>
+          <p:nvPr>
+            <p:ph type="sldNum" sz="quarter" idx="5"/>
+          </p:nvPr>
+        </p:nvSpPr>
+        <p:spPr/>
+        <p:txBody>
+          <a:bodyPr/>
+          <a:lstStyle/>
+          <a:p>
+            <a:fld id="{56DD7514-6FF3-4CC4-9164-55D6984DF7DC}" type="slidenum">
+              <a:rPr lang="en-US" smtClean="0"/>
+              <a:t>10</a:t>
+            </a:fld>
+            <a:endParaRPr lang="en-US"/>
+          </a:p>
+        </p:txBody>
+      </p:sp>
+    </p:spTree>
+    <p:extLst>
+      <p:ext uri="{BB962C8B-B14F-4D97-AF65-F5344CB8AC3E}">
+        <p14:creationId xmlns:p14="http://schemas.microsoft.com/office/powerpoint/2010/main" val="2088193074"/>
+      </p:ext>
+    </p:extLst>
+  </p:cSld>
+  <p:clrMapOvr>
+    <a:masterClrMapping/>
+  </p:clrMapOvr>
+</p:notes>
+</file>
+
 <file path=ppt/notesSlides/notesSlide2.xml><?xml version="1.0" encoding="utf-8"?>
 <p:notes xmlns:a="http://schemas.openxmlformats.org/drawingml/2006/main" xmlns:r="http://schemas.openxmlformats.org/officeDocument/2006/relationships" xmlns:p="http://schemas.openxmlformats.org/presentationml/2006/main">
   <p:cSld>
@@ -2292,591 +2404,7 @@
           <a:bodyPr/>
           <a:lstStyle/>
           <a:p>
-            <a:r>
-              <a:rPr lang="en-US" sz="2800" dirty="0"/>
-              <a:t>Azure Cosmos DB </a:t>
-            </a:r>
-            <a:r>
-              <a:rPr lang="en-US" sz="2800" dirty="0" err="1"/>
-              <a:t>este</a:t>
-            </a:r>
-            <a:r>
-              <a:rPr lang="en-US" sz="2800" dirty="0"/>
-              <a:t> o </a:t>
-            </a:r>
-            <a:r>
-              <a:rPr lang="en-US" sz="2800" dirty="0" err="1"/>
-              <a:t>bază</a:t>
-            </a:r>
-            <a:r>
-              <a:rPr lang="en-US" sz="2800" dirty="0"/>
-              <a:t> de date NoSQL </a:t>
-            </a:r>
-            <a:r>
-              <a:rPr lang="en-US" sz="2800" dirty="0" err="1"/>
-              <a:t>complet</a:t>
-            </a:r>
-            <a:r>
-              <a:rPr lang="en-US" sz="2800" dirty="0"/>
-              <a:t> </a:t>
-            </a:r>
-            <a:r>
-              <a:rPr lang="en-US" sz="2800" dirty="0" err="1"/>
-              <a:t>gestionată</a:t>
-            </a:r>
-            <a:r>
-              <a:rPr lang="en-US" sz="2800" dirty="0"/>
-              <a:t>, </a:t>
-            </a:r>
-            <a:r>
-              <a:rPr lang="en-US" sz="2800" dirty="0" err="1"/>
-              <a:t>distribuită</a:t>
-            </a:r>
-            <a:r>
-              <a:rPr lang="en-US" sz="2800" dirty="0"/>
-              <a:t> global, </a:t>
-            </a:r>
-            <a:r>
-              <a:rPr lang="en-US" sz="2800" dirty="0" err="1"/>
-              <a:t>oferită</a:t>
-            </a:r>
-            <a:r>
-              <a:rPr lang="en-US" sz="2800" dirty="0"/>
-              <a:t> de Microsoft Azure. </a:t>
-            </a:r>
-            <a:r>
-              <a:rPr lang="en-US" sz="2800" dirty="0" err="1"/>
-              <a:t>Beneficiile</a:t>
-            </a:r>
-            <a:r>
-              <a:rPr lang="en-US" sz="2800" dirty="0"/>
-              <a:t> </a:t>
-            </a:r>
-            <a:r>
-              <a:rPr lang="en-US" sz="2800" dirty="0" err="1"/>
-              <a:t>folosirii</a:t>
-            </a:r>
-            <a:r>
-              <a:rPr lang="en-US" sz="2800" dirty="0"/>
-              <a:t> Azure Cosmos DB </a:t>
-            </a:r>
-            <a:r>
-              <a:rPr lang="en-US" sz="2800" dirty="0" err="1"/>
-              <a:t>includ</a:t>
-            </a:r>
-            <a:r>
-              <a:rPr lang="en-US" sz="2800" dirty="0"/>
-              <a:t>:</a:t>
-            </a:r>
-          </a:p>
-          <a:p>
-            <a:r>
-              <a:rPr lang="en-US" sz="2800" b="1" dirty="0"/>
-              <a:t>1. </a:t>
-            </a:r>
-            <a:r>
-              <a:rPr lang="en-US" sz="2800" b="1" dirty="0" err="1"/>
-              <a:t>Distribuție</a:t>
-            </a:r>
-            <a:r>
-              <a:rPr lang="en-US" sz="2800" b="1" dirty="0"/>
-              <a:t> </a:t>
-            </a:r>
-            <a:r>
-              <a:rPr lang="en-US" sz="2800" b="1" dirty="0" err="1"/>
-              <a:t>Globală</a:t>
-            </a:r>
-            <a:r>
-              <a:rPr lang="en-US" sz="2800" b="1" dirty="0"/>
-              <a:t> </a:t>
-            </a:r>
-            <a:r>
-              <a:rPr lang="en-US" sz="2800" b="1" dirty="0" err="1"/>
-              <a:t>Automată</a:t>
-            </a:r>
-            <a:endParaRPr lang="en-US" sz="2800" b="1" dirty="0"/>
-          </a:p>
-          <a:p>
-            <a:pPr>
-              <a:buFont typeface="Arial" panose="020B0604020202020204" pitchFamily="34" charset="0"/>
-              <a:buChar char="•"/>
-            </a:pPr>
-            <a:r>
-              <a:rPr lang="en-US" sz="2800" dirty="0" err="1"/>
-              <a:t>Permite</a:t>
-            </a:r>
-            <a:r>
-              <a:rPr lang="en-US" sz="2800" dirty="0"/>
-              <a:t> </a:t>
-            </a:r>
-            <a:r>
-              <a:rPr lang="en-US" sz="2800" dirty="0" err="1"/>
-              <a:t>replicarea</a:t>
-            </a:r>
-            <a:r>
-              <a:rPr lang="en-US" sz="2800" dirty="0"/>
-              <a:t> </a:t>
-            </a:r>
-            <a:r>
-              <a:rPr lang="en-US" sz="2800" dirty="0" err="1"/>
-              <a:t>datelor</a:t>
-            </a:r>
-            <a:r>
-              <a:rPr lang="en-US" sz="2800" dirty="0"/>
-              <a:t> </a:t>
-            </a:r>
-            <a:r>
-              <a:rPr lang="en-US" sz="2800" dirty="0" err="1"/>
-              <a:t>în</a:t>
-            </a:r>
-            <a:r>
-              <a:rPr lang="en-US" sz="2800" dirty="0"/>
-              <a:t> </a:t>
-            </a:r>
-            <a:r>
-              <a:rPr lang="en-US" sz="2800" dirty="0" err="1"/>
-              <a:t>mai</a:t>
-            </a:r>
-            <a:r>
-              <a:rPr lang="en-US" sz="2800" dirty="0"/>
-              <a:t> </a:t>
-            </a:r>
-            <a:r>
-              <a:rPr lang="en-US" sz="2800" dirty="0" err="1"/>
-              <a:t>multe</a:t>
-            </a:r>
-            <a:r>
-              <a:rPr lang="en-US" sz="2800" dirty="0"/>
-              <a:t> </a:t>
-            </a:r>
-            <a:r>
-              <a:rPr lang="en-US" sz="2800" dirty="0" err="1"/>
-              <a:t>regiuni</a:t>
-            </a:r>
-            <a:r>
-              <a:rPr lang="en-US" sz="2800" dirty="0"/>
-              <a:t> Azure la </a:t>
-            </a:r>
-            <a:r>
-              <a:rPr lang="en-US" sz="2800" dirty="0" err="1"/>
-              <a:t>nivel</a:t>
-            </a:r>
-            <a:r>
-              <a:rPr lang="en-US" sz="2800" dirty="0"/>
-              <a:t> global cu un </a:t>
-            </a:r>
-            <a:r>
-              <a:rPr lang="en-US" sz="2800" dirty="0" err="1"/>
-              <a:t>singur</a:t>
-            </a:r>
-            <a:r>
-              <a:rPr lang="en-US" sz="2800" dirty="0"/>
-              <a:t> </a:t>
-            </a:r>
-            <a:r>
-              <a:rPr lang="en-US" sz="2800" dirty="0" err="1"/>
-              <a:t>clic</a:t>
-            </a:r>
-            <a:r>
-              <a:rPr lang="en-US" sz="2800" dirty="0"/>
-              <a:t>.</a:t>
-            </a:r>
-          </a:p>
-          <a:p>
-            <a:pPr>
-              <a:buFont typeface="Arial" panose="020B0604020202020204" pitchFamily="34" charset="0"/>
-              <a:buChar char="•"/>
-            </a:pPr>
-            <a:r>
-              <a:rPr lang="en-US" sz="2800" dirty="0" err="1"/>
-              <a:t>Oferă</a:t>
-            </a:r>
-            <a:r>
-              <a:rPr lang="en-US" sz="2800" dirty="0"/>
-              <a:t> </a:t>
-            </a:r>
-            <a:r>
-              <a:rPr lang="en-US" sz="2800" dirty="0" err="1"/>
-              <a:t>latență</a:t>
-            </a:r>
-            <a:r>
-              <a:rPr lang="en-US" sz="2800" dirty="0"/>
-              <a:t> </a:t>
-            </a:r>
-            <a:r>
-              <a:rPr lang="en-US" sz="2800" dirty="0" err="1"/>
-              <a:t>scăzută</a:t>
-            </a:r>
-            <a:r>
-              <a:rPr lang="en-US" sz="2800" dirty="0"/>
-              <a:t> </a:t>
-            </a:r>
-            <a:r>
-              <a:rPr lang="en-US" sz="2800" dirty="0" err="1"/>
-              <a:t>și</a:t>
-            </a:r>
-            <a:r>
-              <a:rPr lang="en-US" sz="2800" dirty="0"/>
-              <a:t> </a:t>
-            </a:r>
-            <a:r>
-              <a:rPr lang="en-US" sz="2800" dirty="0" err="1"/>
-              <a:t>disponibilitate</a:t>
-            </a:r>
-            <a:r>
-              <a:rPr lang="en-US" sz="2800" dirty="0"/>
-              <a:t> </a:t>
-            </a:r>
-            <a:r>
-              <a:rPr lang="en-US" sz="2800" dirty="0" err="1"/>
-              <a:t>ridicată</a:t>
-            </a:r>
-            <a:r>
-              <a:rPr lang="en-US" sz="2800" dirty="0"/>
-              <a:t> </a:t>
-            </a:r>
-            <a:r>
-              <a:rPr lang="en-US" sz="2800" dirty="0" err="1"/>
-              <a:t>oriunde</a:t>
-            </a:r>
-            <a:r>
-              <a:rPr lang="en-US" sz="2800" dirty="0"/>
-              <a:t> </a:t>
-            </a:r>
-            <a:r>
-              <a:rPr lang="en-US" sz="2800" dirty="0" err="1"/>
-              <a:t>în</a:t>
-            </a:r>
-            <a:r>
-              <a:rPr lang="en-US" sz="2800" dirty="0"/>
-              <a:t> </a:t>
-            </a:r>
-            <a:r>
-              <a:rPr lang="en-US" sz="2800" dirty="0" err="1"/>
-              <a:t>lume</a:t>
-            </a:r>
-            <a:r>
-              <a:rPr lang="en-US" sz="2800" dirty="0"/>
-              <a:t>.</a:t>
-            </a:r>
-          </a:p>
-          <a:p>
-            <a:r>
-              <a:rPr lang="en-US" sz="2800" b="1" dirty="0"/>
-              <a:t>2. </a:t>
-            </a:r>
-            <a:r>
-              <a:rPr lang="en-US" sz="2800" b="1" dirty="0" err="1"/>
-              <a:t>Latență</a:t>
-            </a:r>
-            <a:r>
-              <a:rPr lang="en-US" sz="2800" b="1" dirty="0"/>
-              <a:t> </a:t>
-            </a:r>
-            <a:r>
-              <a:rPr lang="en-US" sz="2800" b="1" dirty="0" err="1"/>
-              <a:t>Mică</a:t>
-            </a:r>
-            <a:r>
-              <a:rPr lang="en-US" sz="2800" b="1" dirty="0"/>
-              <a:t> </a:t>
-            </a:r>
-            <a:r>
-              <a:rPr lang="en-US" sz="2800" b="1" dirty="0" err="1"/>
-              <a:t>și</a:t>
-            </a:r>
-            <a:r>
-              <a:rPr lang="en-US" sz="2800" b="1" dirty="0"/>
-              <a:t> </a:t>
-            </a:r>
-            <a:r>
-              <a:rPr lang="en-US" sz="2800" b="1" dirty="0" err="1"/>
-              <a:t>Performanță</a:t>
-            </a:r>
-            <a:r>
-              <a:rPr lang="en-US" sz="2800" b="1" dirty="0"/>
-              <a:t> </a:t>
-            </a:r>
-            <a:r>
-              <a:rPr lang="en-US" sz="2800" b="1" dirty="0" err="1"/>
-              <a:t>Ridicată</a:t>
-            </a:r>
-            <a:endParaRPr lang="en-US" sz="2800" b="1" dirty="0"/>
-          </a:p>
-          <a:p>
-            <a:pPr>
-              <a:buFont typeface="Arial" panose="020B0604020202020204" pitchFamily="34" charset="0"/>
-              <a:buChar char="•"/>
-            </a:pPr>
-            <a:r>
-              <a:rPr lang="en-US" sz="2800" dirty="0" err="1"/>
-              <a:t>Garanții</a:t>
-            </a:r>
-            <a:r>
-              <a:rPr lang="en-US" sz="2800" dirty="0"/>
-              <a:t> de </a:t>
-            </a:r>
-            <a:r>
-              <a:rPr lang="en-US" sz="2800" dirty="0" err="1"/>
-              <a:t>latență</a:t>
-            </a:r>
-            <a:r>
-              <a:rPr lang="en-US" sz="2800" dirty="0"/>
-              <a:t> sub 10 </a:t>
-            </a:r>
-            <a:r>
-              <a:rPr lang="en-US" sz="2800" dirty="0" err="1"/>
-              <a:t>ms</a:t>
-            </a:r>
-            <a:r>
-              <a:rPr lang="en-US" sz="2800" dirty="0"/>
-              <a:t> </a:t>
-            </a:r>
-            <a:r>
-              <a:rPr lang="en-US" sz="2800" dirty="0" err="1"/>
-              <a:t>pentru</a:t>
-            </a:r>
-            <a:r>
-              <a:rPr lang="en-US" sz="2800" dirty="0"/>
-              <a:t> </a:t>
-            </a:r>
-            <a:r>
-              <a:rPr lang="en-US" sz="2800" dirty="0" err="1"/>
-              <a:t>citiri</a:t>
-            </a:r>
-            <a:r>
-              <a:rPr lang="en-US" sz="2800" dirty="0"/>
-              <a:t> </a:t>
-            </a:r>
-            <a:r>
-              <a:rPr lang="en-US" sz="2800" dirty="0" err="1"/>
-              <a:t>și</a:t>
-            </a:r>
-            <a:r>
-              <a:rPr lang="en-US" sz="2800" dirty="0"/>
-              <a:t> sub 15 </a:t>
-            </a:r>
-            <a:r>
-              <a:rPr lang="en-US" sz="2800" dirty="0" err="1"/>
-              <a:t>ms</a:t>
-            </a:r>
-            <a:r>
-              <a:rPr lang="en-US" sz="2800" dirty="0"/>
-              <a:t> </a:t>
-            </a:r>
-            <a:r>
-              <a:rPr lang="en-US" sz="2800" dirty="0" err="1"/>
-              <a:t>pentru</a:t>
-            </a:r>
-            <a:r>
-              <a:rPr lang="en-US" sz="2800" dirty="0"/>
-              <a:t> </a:t>
-            </a:r>
-            <a:r>
-              <a:rPr lang="en-US" sz="2800" dirty="0" err="1"/>
-              <a:t>scrieri</a:t>
-            </a:r>
-            <a:r>
-              <a:rPr lang="en-US" sz="2800" dirty="0"/>
-              <a:t>.</a:t>
-            </a:r>
-          </a:p>
-          <a:p>
-            <a:pPr>
-              <a:buFont typeface="Arial" panose="020B0604020202020204" pitchFamily="34" charset="0"/>
-              <a:buChar char="•"/>
-            </a:pPr>
-            <a:r>
-              <a:rPr lang="en-US" sz="2800" dirty="0" err="1"/>
-              <a:t>Suportă</a:t>
-            </a:r>
-            <a:r>
-              <a:rPr lang="en-US" sz="2800" dirty="0"/>
-              <a:t> </a:t>
-            </a:r>
-            <a:r>
-              <a:rPr lang="en-US" sz="2800" dirty="0" err="1"/>
-              <a:t>stocarea</a:t>
-            </a:r>
-            <a:r>
-              <a:rPr lang="en-US" sz="2800" dirty="0"/>
-              <a:t> SSD </a:t>
-            </a:r>
-            <a:r>
-              <a:rPr lang="en-US" sz="2800" dirty="0" err="1"/>
-              <a:t>și</a:t>
-            </a:r>
-            <a:r>
-              <a:rPr lang="en-US" sz="2800" dirty="0"/>
-              <a:t> </a:t>
-            </a:r>
-            <a:r>
-              <a:rPr lang="en-US" sz="2800" dirty="0" err="1"/>
-              <a:t>arhitectura</a:t>
-            </a:r>
-            <a:r>
-              <a:rPr lang="en-US" sz="2800" dirty="0"/>
-              <a:t> </a:t>
-            </a:r>
-            <a:r>
-              <a:rPr lang="en-US" sz="2800" dirty="0" err="1"/>
-              <a:t>optimizată</a:t>
-            </a:r>
-            <a:r>
-              <a:rPr lang="en-US" sz="2800" dirty="0"/>
-              <a:t> </a:t>
-            </a:r>
-            <a:r>
-              <a:rPr lang="en-US" sz="2800" dirty="0" err="1"/>
-              <a:t>pentru</a:t>
-            </a:r>
-            <a:r>
-              <a:rPr lang="en-US" sz="2800" dirty="0"/>
-              <a:t> </a:t>
-            </a:r>
-            <a:r>
-              <a:rPr lang="en-US" sz="2800" dirty="0" err="1"/>
-              <a:t>performanță</a:t>
-            </a:r>
-            <a:r>
-              <a:rPr lang="en-US" sz="2800" dirty="0"/>
-              <a:t>.</a:t>
-            </a:r>
-          </a:p>
-          <a:p>
-            <a:r>
-              <a:rPr lang="en-US" sz="2800" b="1" dirty="0"/>
-              <a:t>3. </a:t>
-            </a:r>
-            <a:r>
-              <a:rPr lang="en-US" sz="2800" b="1" dirty="0" err="1"/>
-              <a:t>Scalare</a:t>
-            </a:r>
-            <a:r>
-              <a:rPr lang="en-US" sz="2800" b="1" dirty="0"/>
-              <a:t> </a:t>
-            </a:r>
-            <a:r>
-              <a:rPr lang="en-US" sz="2800" b="1" dirty="0" err="1"/>
-              <a:t>Elastică</a:t>
-            </a:r>
-            <a:endParaRPr lang="en-US" sz="2800" b="1" dirty="0"/>
-          </a:p>
-          <a:p>
-            <a:pPr>
-              <a:buFont typeface="Arial" panose="020B0604020202020204" pitchFamily="34" charset="0"/>
-              <a:buChar char="•"/>
-            </a:pPr>
-            <a:r>
-              <a:rPr lang="en-US" sz="2800" dirty="0" err="1"/>
-              <a:t>Scalare</a:t>
-            </a:r>
-            <a:r>
-              <a:rPr lang="en-US" sz="2800" dirty="0"/>
-              <a:t> </a:t>
-            </a:r>
-            <a:r>
-              <a:rPr lang="en-US" sz="2800" dirty="0" err="1"/>
-              <a:t>automată</a:t>
-            </a:r>
-            <a:r>
-              <a:rPr lang="en-US" sz="2800" dirty="0"/>
-              <a:t> a </a:t>
-            </a:r>
-            <a:r>
-              <a:rPr lang="en-US" sz="2800" dirty="0" err="1"/>
-              <a:t>resurselor</a:t>
-            </a:r>
-            <a:r>
-              <a:rPr lang="en-US" sz="2800" dirty="0"/>
-              <a:t> </a:t>
-            </a:r>
-            <a:r>
-              <a:rPr lang="en-US" sz="2800" dirty="0" err="1"/>
-              <a:t>în</a:t>
-            </a:r>
-            <a:r>
-              <a:rPr lang="en-US" sz="2800" dirty="0"/>
-              <a:t> </a:t>
-            </a:r>
-            <a:r>
-              <a:rPr lang="en-US" sz="2800" dirty="0" err="1"/>
-              <a:t>funcție</a:t>
-            </a:r>
-            <a:r>
-              <a:rPr lang="en-US" sz="2800" dirty="0"/>
-              <a:t> de </a:t>
-            </a:r>
-            <a:r>
-              <a:rPr lang="en-US" sz="2800" dirty="0" err="1"/>
-              <a:t>cerințe</a:t>
-            </a:r>
-            <a:r>
-              <a:rPr lang="en-US" sz="2800" dirty="0"/>
-              <a:t> (Throughput, Storage).</a:t>
-            </a:r>
-          </a:p>
-          <a:p>
-            <a:pPr>
-              <a:buFont typeface="Arial" panose="020B0604020202020204" pitchFamily="34" charset="0"/>
-              <a:buChar char="•"/>
-            </a:pPr>
-            <a:r>
-              <a:rPr lang="en-US" sz="2800" dirty="0" err="1"/>
-              <a:t>Permite</a:t>
-            </a:r>
-            <a:r>
-              <a:rPr lang="en-US" sz="2800" dirty="0"/>
-              <a:t> </a:t>
-            </a:r>
-            <a:r>
-              <a:rPr lang="en-US" sz="2800" dirty="0" err="1"/>
-              <a:t>configurarea</a:t>
-            </a:r>
-            <a:r>
-              <a:rPr lang="en-US" sz="2800" dirty="0"/>
-              <a:t> </a:t>
-            </a:r>
-            <a:r>
-              <a:rPr lang="en-US" sz="2800" dirty="0" err="1"/>
-              <a:t>manuală</a:t>
-            </a:r>
-            <a:r>
-              <a:rPr lang="en-US" sz="2800" dirty="0"/>
-              <a:t> </a:t>
-            </a:r>
-            <a:r>
-              <a:rPr lang="en-US" sz="2800" dirty="0" err="1"/>
-              <a:t>sau</a:t>
-            </a:r>
-            <a:r>
-              <a:rPr lang="en-US" sz="2800" dirty="0"/>
-              <a:t> </a:t>
-            </a:r>
-            <a:r>
-              <a:rPr lang="en-US" sz="2800" dirty="0" err="1"/>
-              <a:t>automată</a:t>
-            </a:r>
-            <a:r>
-              <a:rPr lang="en-US" sz="2800" dirty="0"/>
-              <a:t> a </a:t>
-            </a:r>
-            <a:r>
-              <a:rPr lang="en-US" sz="2800" dirty="0" err="1"/>
-              <a:t>unităților</a:t>
-            </a:r>
-            <a:r>
-              <a:rPr lang="en-US" sz="2800" dirty="0"/>
-              <a:t> de </a:t>
-            </a:r>
-            <a:r>
-              <a:rPr lang="en-US" sz="2800" dirty="0" err="1"/>
-              <a:t>cerere</a:t>
-            </a:r>
-            <a:r>
-              <a:rPr lang="en-US" sz="2800" dirty="0"/>
-              <a:t> (Request Units - RUs).</a:t>
-            </a:r>
+            <a:endParaRPr lang="en-US" sz="2800" dirty="0"/>
           </a:p>
         </p:txBody>
       </p:sp>
@@ -3005,6 +2533,114 @@
   <p:cSld>
     <p:spTree>
       <p:nvGrpSpPr>
+        <p:cNvPr id="1" name="">
+          <a:extLst>
+            <a:ext uri="{FF2B5EF4-FFF2-40B4-BE49-F238E27FC236}">
+              <a16:creationId xmlns:a16="http://schemas.microsoft.com/office/drawing/2014/main" id="{98CB5D82-6375-D671-49DF-F2212FA18F10}"/>
+            </a:ext>
+          </a:extLst>
+        </p:cNvPr>
+        <p:cNvGrpSpPr/>
+        <p:nvPr/>
+      </p:nvGrpSpPr>
+      <p:grpSpPr>
+        <a:xfrm>
+          <a:off x="0" y="0"/>
+          <a:ext cx="0" cy="0"/>
+          <a:chOff x="0" y="0"/>
+          <a:chExt cx="0" cy="0"/>
+        </a:xfrm>
+      </p:grpSpPr>
+      <p:sp>
+        <p:nvSpPr>
+          <p:cNvPr id="2" name="Slide Image Placeholder 1">
+            <a:extLst>
+              <a:ext uri="{FF2B5EF4-FFF2-40B4-BE49-F238E27FC236}">
+                <a16:creationId xmlns:a16="http://schemas.microsoft.com/office/drawing/2014/main" id="{B5B6C263-0523-0828-B246-9429F4C8EF43}"/>
+              </a:ext>
+            </a:extLst>
+          </p:cNvPr>
+          <p:cNvSpPr>
+            <a:spLocks noGrp="1" noRot="1" noChangeAspect="1"/>
+          </p:cNvSpPr>
+          <p:nvPr>
+            <p:ph type="sldImg"/>
+          </p:nvPr>
+        </p:nvSpPr>
+        <p:spPr/>
+      </p:sp>
+      <p:sp>
+        <p:nvSpPr>
+          <p:cNvPr id="3" name="Notes Placeholder 2">
+            <a:extLst>
+              <a:ext uri="{FF2B5EF4-FFF2-40B4-BE49-F238E27FC236}">
+                <a16:creationId xmlns:a16="http://schemas.microsoft.com/office/drawing/2014/main" id="{E4307DDA-B138-3C06-C831-6CC18F7302B2}"/>
+              </a:ext>
+            </a:extLst>
+          </p:cNvPr>
+          <p:cNvSpPr>
+            <a:spLocks noGrp="1"/>
+          </p:cNvSpPr>
+          <p:nvPr>
+            <p:ph type="body" idx="1"/>
+          </p:nvPr>
+        </p:nvSpPr>
+        <p:spPr/>
+        <p:txBody>
+          <a:bodyPr/>
+          <a:lstStyle/>
+          <a:p>
+            <a:endParaRPr lang="en-US" dirty="0"/>
+          </a:p>
+        </p:txBody>
+      </p:sp>
+      <p:sp>
+        <p:nvSpPr>
+          <p:cNvPr id="4" name="Slide Number Placeholder 3">
+            <a:extLst>
+              <a:ext uri="{FF2B5EF4-FFF2-40B4-BE49-F238E27FC236}">
+                <a16:creationId xmlns:a16="http://schemas.microsoft.com/office/drawing/2014/main" id="{73DBB0F9-1355-0D5E-1493-F9EA8BAED322}"/>
+              </a:ext>
+            </a:extLst>
+          </p:cNvPr>
+          <p:cNvSpPr>
+            <a:spLocks noGrp="1"/>
+          </p:cNvSpPr>
+          <p:nvPr>
+            <p:ph type="sldNum" sz="quarter" idx="5"/>
+          </p:nvPr>
+        </p:nvSpPr>
+        <p:spPr/>
+        <p:txBody>
+          <a:bodyPr/>
+          <a:lstStyle/>
+          <a:p>
+            <a:fld id="{56DD7514-6FF3-4CC4-9164-55D6984DF7DC}" type="slidenum">
+              <a:rPr lang="en-US" smtClean="0"/>
+              <a:t>5</a:t>
+            </a:fld>
+            <a:endParaRPr lang="en-US"/>
+          </a:p>
+        </p:txBody>
+      </p:sp>
+    </p:spTree>
+    <p:extLst>
+      <p:ext uri="{BB962C8B-B14F-4D97-AF65-F5344CB8AC3E}">
+        <p14:creationId xmlns:p14="http://schemas.microsoft.com/office/powerpoint/2010/main" val="2553317415"/>
+      </p:ext>
+    </p:extLst>
+  </p:cSld>
+  <p:clrMapOvr>
+    <a:masterClrMapping/>
+  </p:clrMapOvr>
+</p:notes>
+</file>
+
+<file path=ppt/notesSlides/notesSlide6.xml><?xml version="1.0" encoding="utf-8"?>
+<p:notes xmlns:a="http://schemas.openxmlformats.org/drawingml/2006/main" xmlns:r="http://schemas.openxmlformats.org/officeDocument/2006/relationships" xmlns:p="http://schemas.openxmlformats.org/presentationml/2006/main">
+  <p:cSld>
+    <p:spTree>
+      <p:nvGrpSpPr>
         <p:cNvPr id="1" name=""/>
         <p:cNvGrpSpPr/>
         <p:nvPr/>
@@ -3083,7 +2719,7 @@
           <a:p>
             <a:fld id="{56DD7514-6FF3-4CC4-9164-55D6984DF7DC}" type="slidenum">
               <a:rPr lang="en-US" smtClean="0"/>
-              <a:t>5</a:t>
+              <a:t>6</a:t>
             </a:fld>
             <a:endParaRPr lang="en-US"/>
           </a:p>
@@ -3102,7 +2738,7 @@
 </p:notes>
 </file>
 
-<file path=ppt/notesSlides/notesSlide6.xml><?xml version="1.0" encoding="utf-8"?>
+<file path=ppt/notesSlides/notesSlide7.xml><?xml version="1.0" encoding="utf-8"?>
 <p:notes xmlns:a="http://schemas.openxmlformats.org/drawingml/2006/main" xmlns:r="http://schemas.openxmlformats.org/officeDocument/2006/relationships" xmlns:p="http://schemas.openxmlformats.org/presentationml/2006/main">
   <p:cSld>
     <p:spTree>
@@ -3110,7 +2746,7 @@
         <p:cNvPr id="1" name="">
           <a:extLst>
             <a:ext uri="{FF2B5EF4-FFF2-40B4-BE49-F238E27FC236}">
-              <a16:creationId xmlns:a16="http://schemas.microsoft.com/office/drawing/2014/main" id="{9B0C89F4-5E1A-5D12-5C84-28D2C0EC198F}"/>
+              <a16:creationId xmlns:a16="http://schemas.microsoft.com/office/drawing/2014/main" id="{7761B548-89A7-FA08-4C92-C59CDA59CE9E}"/>
             </a:ext>
           </a:extLst>
         </p:cNvPr>
@@ -3130,7 +2766,7 @@
           <p:cNvPr id="2" name="Slide Image Placeholder 1">
             <a:extLst>
               <a:ext uri="{FF2B5EF4-FFF2-40B4-BE49-F238E27FC236}">
-                <a16:creationId xmlns:a16="http://schemas.microsoft.com/office/drawing/2014/main" id="{DB75079A-90C8-EC78-B28C-FFD6E8AC8211}"/>
+                <a16:creationId xmlns:a16="http://schemas.microsoft.com/office/drawing/2014/main" id="{48424C89-3584-FEAA-7C87-D28550F53B78}"/>
               </a:ext>
             </a:extLst>
           </p:cNvPr>
@@ -3148,7 +2784,7 @@
           <p:cNvPr id="3" name="Notes Placeholder 2">
             <a:extLst>
               <a:ext uri="{FF2B5EF4-FFF2-40B4-BE49-F238E27FC236}">
-                <a16:creationId xmlns:a16="http://schemas.microsoft.com/office/drawing/2014/main" id="{2FF290B7-8858-CDE7-B2B3-F16908E0E2F9}"/>
+                <a16:creationId xmlns:a16="http://schemas.microsoft.com/office/drawing/2014/main" id="{44CFD474-85BE-D3B2-6C18-EE2F846EEA0E}"/>
               </a:ext>
             </a:extLst>
           </p:cNvPr>
@@ -3191,7 +2827,7 @@
           <p:cNvPr id="4" name="Slide Number Placeholder 3">
             <a:extLst>
               <a:ext uri="{FF2B5EF4-FFF2-40B4-BE49-F238E27FC236}">
-                <a16:creationId xmlns:a16="http://schemas.microsoft.com/office/drawing/2014/main" id="{C1BA3CB7-B1DE-F827-9438-50BABC8918DD}"/>
+                <a16:creationId xmlns:a16="http://schemas.microsoft.com/office/drawing/2014/main" id="{84ECAF78-77D0-5FA9-BAEE-CF4992302737}"/>
               </a:ext>
             </a:extLst>
           </p:cNvPr>
@@ -3209,7 +2845,7 @@
           <a:p>
             <a:fld id="{56DD7514-6FF3-4CC4-9164-55D6984DF7DC}" type="slidenum">
               <a:rPr lang="en-US" smtClean="0"/>
-              <a:t>6</a:t>
+              <a:t>7</a:t>
             </a:fld>
             <a:endParaRPr lang="en-US"/>
           </a:p>
@@ -3218,7 +2854,241 @@
     </p:spTree>
     <p:extLst>
       <p:ext uri="{BB962C8B-B14F-4D97-AF65-F5344CB8AC3E}">
-        <p14:creationId xmlns:p14="http://schemas.microsoft.com/office/powerpoint/2010/main" val="837329857"/>
+        <p14:creationId xmlns:p14="http://schemas.microsoft.com/office/powerpoint/2010/main" val="282393717"/>
+      </p:ext>
+    </p:extLst>
+  </p:cSld>
+  <p:clrMapOvr>
+    <a:masterClrMapping/>
+  </p:clrMapOvr>
+</p:notes>
+</file>
+
+<file path=ppt/notesSlides/notesSlide8.xml><?xml version="1.0" encoding="utf-8"?>
+<p:notes xmlns:a="http://schemas.openxmlformats.org/drawingml/2006/main" xmlns:r="http://schemas.openxmlformats.org/officeDocument/2006/relationships" xmlns:p="http://schemas.openxmlformats.org/presentationml/2006/main">
+  <p:cSld>
+    <p:spTree>
+      <p:nvGrpSpPr>
+        <p:cNvPr id="1" name="">
+          <a:extLst>
+            <a:ext uri="{FF2B5EF4-FFF2-40B4-BE49-F238E27FC236}">
+              <a16:creationId xmlns:a16="http://schemas.microsoft.com/office/drawing/2014/main" id="{F014E4E4-C660-3596-C4D7-D870AA95CFD7}"/>
+            </a:ext>
+          </a:extLst>
+        </p:cNvPr>
+        <p:cNvGrpSpPr/>
+        <p:nvPr/>
+      </p:nvGrpSpPr>
+      <p:grpSpPr>
+        <a:xfrm>
+          <a:off x="0" y="0"/>
+          <a:ext cx="0" cy="0"/>
+          <a:chOff x="0" y="0"/>
+          <a:chExt cx="0" cy="0"/>
+        </a:xfrm>
+      </p:grpSpPr>
+      <p:sp>
+        <p:nvSpPr>
+          <p:cNvPr id="2" name="Slide Image Placeholder 1">
+            <a:extLst>
+              <a:ext uri="{FF2B5EF4-FFF2-40B4-BE49-F238E27FC236}">
+                <a16:creationId xmlns:a16="http://schemas.microsoft.com/office/drawing/2014/main" id="{D1374370-4910-F1F1-F7E5-25E6C2B5DAF1}"/>
+              </a:ext>
+            </a:extLst>
+          </p:cNvPr>
+          <p:cNvSpPr>
+            <a:spLocks noGrp="1" noRot="1" noChangeAspect="1"/>
+          </p:cNvSpPr>
+          <p:nvPr>
+            <p:ph type="sldImg"/>
+          </p:nvPr>
+        </p:nvSpPr>
+        <p:spPr/>
+      </p:sp>
+      <p:sp>
+        <p:nvSpPr>
+          <p:cNvPr id="3" name="Notes Placeholder 2">
+            <a:extLst>
+              <a:ext uri="{FF2B5EF4-FFF2-40B4-BE49-F238E27FC236}">
+                <a16:creationId xmlns:a16="http://schemas.microsoft.com/office/drawing/2014/main" id="{3FD3CE65-2E31-B11A-C9E6-AE3B779FDEFD}"/>
+              </a:ext>
+            </a:extLst>
+          </p:cNvPr>
+          <p:cNvSpPr>
+            <a:spLocks noGrp="1"/>
+          </p:cNvSpPr>
+          <p:nvPr>
+            <p:ph type="body" idx="1"/>
+          </p:nvPr>
+        </p:nvSpPr>
+        <p:spPr/>
+        <p:txBody>
+          <a:bodyPr/>
+          <a:lstStyle/>
+          <a:p>
+            <a:pPr marL="342900" marR="0" lvl="0" indent="-342900">
+              <a:lnSpc>
+                <a:spcPct val="115000"/>
+              </a:lnSpc>
+              <a:spcBef>
+                <a:spcPts val="0"/>
+              </a:spcBef>
+              <a:spcAft>
+                <a:spcPts val="0"/>
+              </a:spcAft>
+              <a:buFont typeface="Aptos" panose="020B0004020202020204" pitchFamily="34" charset="0"/>
+              <a:buChar char="-"/>
+            </a:pPr>
+            <a:endParaRPr lang="en-US" sz="1800" kern="100" dirty="0">
+              <a:effectLst/>
+              <a:latin typeface="Aptos" panose="020B0004020202020204" pitchFamily="34" charset="0"/>
+              <a:ea typeface="Aptos" panose="020B0004020202020204" pitchFamily="34" charset="0"/>
+              <a:cs typeface="Times New Roman" panose="02020603050405020304" pitchFamily="18" charset="0"/>
+            </a:endParaRPr>
+          </a:p>
+        </p:txBody>
+      </p:sp>
+      <p:sp>
+        <p:nvSpPr>
+          <p:cNvPr id="4" name="Slide Number Placeholder 3">
+            <a:extLst>
+              <a:ext uri="{FF2B5EF4-FFF2-40B4-BE49-F238E27FC236}">
+                <a16:creationId xmlns:a16="http://schemas.microsoft.com/office/drawing/2014/main" id="{DF63226F-0A3A-0EE7-6547-F9D553F17839}"/>
+              </a:ext>
+            </a:extLst>
+          </p:cNvPr>
+          <p:cNvSpPr>
+            <a:spLocks noGrp="1"/>
+          </p:cNvSpPr>
+          <p:nvPr>
+            <p:ph type="sldNum" sz="quarter" idx="5"/>
+          </p:nvPr>
+        </p:nvSpPr>
+        <p:spPr/>
+        <p:txBody>
+          <a:bodyPr/>
+          <a:lstStyle/>
+          <a:p>
+            <a:fld id="{56DD7514-6FF3-4CC4-9164-55D6984DF7DC}" type="slidenum">
+              <a:rPr lang="en-US" smtClean="0"/>
+              <a:t>8</a:t>
+            </a:fld>
+            <a:endParaRPr lang="en-US"/>
+          </a:p>
+        </p:txBody>
+      </p:sp>
+    </p:spTree>
+    <p:extLst>
+      <p:ext uri="{BB962C8B-B14F-4D97-AF65-F5344CB8AC3E}">
+        <p14:creationId xmlns:p14="http://schemas.microsoft.com/office/powerpoint/2010/main" val="2271526022"/>
+      </p:ext>
+    </p:extLst>
+  </p:cSld>
+  <p:clrMapOvr>
+    <a:masterClrMapping/>
+  </p:clrMapOvr>
+</p:notes>
+</file>
+
+<file path=ppt/notesSlides/notesSlide9.xml><?xml version="1.0" encoding="utf-8"?>
+<p:notes xmlns:a="http://schemas.openxmlformats.org/drawingml/2006/main" xmlns:r="http://schemas.openxmlformats.org/officeDocument/2006/relationships" xmlns:p="http://schemas.openxmlformats.org/presentationml/2006/main">
+  <p:cSld>
+    <p:spTree>
+      <p:nvGrpSpPr>
+        <p:cNvPr id="1" name="">
+          <a:extLst>
+            <a:ext uri="{FF2B5EF4-FFF2-40B4-BE49-F238E27FC236}">
+              <a16:creationId xmlns:a16="http://schemas.microsoft.com/office/drawing/2014/main" id="{839386EC-F681-2FE4-E585-90B2F02BC043}"/>
+            </a:ext>
+          </a:extLst>
+        </p:cNvPr>
+        <p:cNvGrpSpPr/>
+        <p:nvPr/>
+      </p:nvGrpSpPr>
+      <p:grpSpPr>
+        <a:xfrm>
+          <a:off x="0" y="0"/>
+          <a:ext cx="0" cy="0"/>
+          <a:chOff x="0" y="0"/>
+          <a:chExt cx="0" cy="0"/>
+        </a:xfrm>
+      </p:grpSpPr>
+      <p:sp>
+        <p:nvSpPr>
+          <p:cNvPr id="2" name="Slide Image Placeholder 1">
+            <a:extLst>
+              <a:ext uri="{FF2B5EF4-FFF2-40B4-BE49-F238E27FC236}">
+                <a16:creationId xmlns:a16="http://schemas.microsoft.com/office/drawing/2014/main" id="{6B1D855A-C45E-CE15-C66F-32DFDBED4861}"/>
+              </a:ext>
+            </a:extLst>
+          </p:cNvPr>
+          <p:cNvSpPr>
+            <a:spLocks noGrp="1" noRot="1" noChangeAspect="1"/>
+          </p:cNvSpPr>
+          <p:nvPr>
+            <p:ph type="sldImg"/>
+          </p:nvPr>
+        </p:nvSpPr>
+        <p:spPr/>
+      </p:sp>
+      <p:sp>
+        <p:nvSpPr>
+          <p:cNvPr id="3" name="Notes Placeholder 2">
+            <a:extLst>
+              <a:ext uri="{FF2B5EF4-FFF2-40B4-BE49-F238E27FC236}">
+                <a16:creationId xmlns:a16="http://schemas.microsoft.com/office/drawing/2014/main" id="{B8F24929-E1A6-DD27-CECC-2D316D527C4B}"/>
+              </a:ext>
+            </a:extLst>
+          </p:cNvPr>
+          <p:cNvSpPr>
+            <a:spLocks noGrp="1"/>
+          </p:cNvSpPr>
+          <p:nvPr>
+            <p:ph type="body" idx="1"/>
+          </p:nvPr>
+        </p:nvSpPr>
+        <p:spPr/>
+        <p:txBody>
+          <a:bodyPr/>
+          <a:lstStyle/>
+          <a:p>
+            <a:endParaRPr lang="en-US" dirty="0"/>
+          </a:p>
+        </p:txBody>
+      </p:sp>
+      <p:sp>
+        <p:nvSpPr>
+          <p:cNvPr id="4" name="Slide Number Placeholder 3">
+            <a:extLst>
+              <a:ext uri="{FF2B5EF4-FFF2-40B4-BE49-F238E27FC236}">
+                <a16:creationId xmlns:a16="http://schemas.microsoft.com/office/drawing/2014/main" id="{18D81FFD-BF53-53DA-8759-AC523161C6E6}"/>
+              </a:ext>
+            </a:extLst>
+          </p:cNvPr>
+          <p:cNvSpPr>
+            <a:spLocks noGrp="1"/>
+          </p:cNvSpPr>
+          <p:nvPr>
+            <p:ph type="sldNum" sz="quarter" idx="5"/>
+          </p:nvPr>
+        </p:nvSpPr>
+        <p:spPr/>
+        <p:txBody>
+          <a:bodyPr/>
+          <a:lstStyle/>
+          <a:p>
+            <a:fld id="{56DD7514-6FF3-4CC4-9164-55D6984DF7DC}" type="slidenum">
+              <a:rPr lang="en-US" smtClean="0"/>
+              <a:t>9</a:t>
+            </a:fld>
+            <a:endParaRPr lang="en-US"/>
+          </a:p>
+        </p:txBody>
+      </p:sp>
+    </p:spTree>
+    <p:extLst>
+      <p:ext uri="{BB962C8B-B14F-4D97-AF65-F5344CB8AC3E}">
+        <p14:creationId xmlns:p14="http://schemas.microsoft.com/office/powerpoint/2010/main" val="1807292696"/>
       </p:ext>
     </p:extLst>
   </p:cSld>
@@ -7165,20 +7035,28 @@
           <a:lstStyle/>
           <a:p>
             <a:r>
+              <a:rPr lang="en-US" sz="4200" dirty="0" err="1">
+                <a:solidFill>
+                  <a:schemeClr val="bg2"/>
+                </a:solidFill>
+              </a:rPr>
+              <a:t>Testarea</a:t>
+            </a:r>
+            <a:r>
               <a:rPr lang="en-US" sz="4200" dirty="0">
                 <a:solidFill>
                   <a:schemeClr val="bg2"/>
                 </a:solidFill>
               </a:rPr>
-              <a:t>Testing applications with </a:t>
-            </a:r>
-            <a:r>
-              <a:rPr lang="en-US" sz="4200">
+              <a:t> </a:t>
+            </a:r>
+            <a:r>
+              <a:rPr lang="en-US" sz="4200" dirty="0" err="1">
                 <a:solidFill>
                   <a:schemeClr val="bg2"/>
                 </a:solidFill>
               </a:rPr>
-              <a:t>large amounts </a:t>
+              <a:t>aplicatiilor</a:t>
             </a:r>
             <a:r>
               <a:rPr lang="en-US" sz="4200" dirty="0">
@@ -7186,8 +7064,85 @@
                   <a:schemeClr val="bg2"/>
                 </a:solidFill>
               </a:rPr>
-              <a:t>of users</a:t>
-            </a:r>
+              <a:t> </a:t>
+            </a:r>
+            <a:r>
+              <a:rPr lang="en-US" sz="4200" dirty="0" err="1">
+                <a:solidFill>
+                  <a:schemeClr val="bg2"/>
+                </a:solidFill>
+              </a:rPr>
+              <a:t>prin</a:t>
+            </a:r>
+            <a:r>
+              <a:rPr lang="en-US" sz="4200" dirty="0">
+                <a:solidFill>
+                  <a:schemeClr val="bg2"/>
+                </a:solidFill>
+              </a:rPr>
+              <a:t> </a:t>
+            </a:r>
+            <a:r>
+              <a:rPr lang="en-US" sz="4200" dirty="0" err="1">
+                <a:solidFill>
+                  <a:schemeClr val="bg2"/>
+                </a:solidFill>
+              </a:rPr>
+              <a:t>simularea</a:t>
+            </a:r>
+            <a:r>
+              <a:rPr lang="en-US" sz="4200" dirty="0">
+                <a:solidFill>
+                  <a:schemeClr val="bg2"/>
+                </a:solidFill>
+              </a:rPr>
+              <a:t> </a:t>
+            </a:r>
+            <a:r>
+              <a:rPr lang="en-US" sz="4200" dirty="0" err="1">
+                <a:solidFill>
+                  <a:schemeClr val="bg2"/>
+                </a:solidFill>
+              </a:rPr>
+              <a:t>unui</a:t>
+            </a:r>
+            <a:r>
+              <a:rPr lang="en-US" sz="4200" dirty="0">
+                <a:solidFill>
+                  <a:schemeClr val="bg2"/>
+                </a:solidFill>
+              </a:rPr>
+              <a:t> </a:t>
+            </a:r>
+            <a:r>
+              <a:rPr lang="en-US" sz="4200" dirty="0" err="1">
+                <a:solidFill>
+                  <a:schemeClr val="bg2"/>
+                </a:solidFill>
+              </a:rPr>
+              <a:t>numar</a:t>
+            </a:r>
+            <a:r>
+              <a:rPr lang="en-US" sz="4200" dirty="0">
+                <a:solidFill>
+                  <a:schemeClr val="bg2"/>
+                </a:solidFill>
+              </a:rPr>
+              <a:t> mare de </a:t>
+            </a:r>
+            <a:r>
+              <a:rPr lang="en-US" sz="4200" dirty="0" err="1">
+                <a:solidFill>
+                  <a:schemeClr val="bg2"/>
+                </a:solidFill>
+              </a:rPr>
+              <a:t>utilizatori</a:t>
+            </a:r>
+            <a:endParaRPr lang="en-US" sz="4200" dirty="0">
+              <a:solidFill>
+                <a:schemeClr val="bg2"/>
+              </a:solidFill>
+            </a:endParaRPr>
           </a:p>
         </p:txBody>
       </p:sp>
@@ -7274,12 +7229,25 @@
               </a:rPr>
               <a:t>Darius Gherca</a:t>
             </a:r>
-            <a:endParaRPr lang="en-US" dirty="0">
-              <a:solidFill>
-                <a:schemeClr val="bg2"/>
-              </a:solidFill>
-              <a:latin typeface="+mn-lt"/>
-            </a:endParaRPr>
+          </a:p>
+          <a:p>
+            <a:pPr>
+              <a:lnSpc>
+                <a:spcPct val="50000"/>
+              </a:lnSpc>
+              <a:spcAft>
+                <a:spcPts val="588"/>
+              </a:spcAft>
+            </a:pPr>
+            <a:r>
+              <a:rPr lang="en-US" dirty="0">
+                <a:solidFill>
+                  <a:schemeClr val="bg2"/>
+                </a:solidFill>
+                <a:latin typeface="+mn-lt"/>
+              </a:rPr>
+              <a:t>Grupa 333</a:t>
+            </a:r>
           </a:p>
         </p:txBody>
       </p:sp>
@@ -7287,6 +7255,1040 @@
     <p:extLst>
       <p:ext uri="{BB962C8B-B14F-4D97-AF65-F5344CB8AC3E}">
         <p14:creationId xmlns:p14="http://schemas.microsoft.com/office/powerpoint/2010/main" val="502217681"/>
+      </p:ext>
+    </p:extLst>
+  </p:cSld>
+  <p:clrMapOvr>
+    <a:masterClrMapping/>
+  </p:clrMapOvr>
+  <mc:AlternateContent xmlns:mc="http://schemas.openxmlformats.org/markup-compatibility/2006" xmlns:p14="http://schemas.microsoft.com/office/powerpoint/2010/main">
+    <mc:Choice Requires="p14">
+      <p:transition spd="med" p14:dur="700">
+        <p:fade/>
+      </p:transition>
+    </mc:Choice>
+    <mc:Fallback xmlns="">
+      <p:transition spd="med">
+        <p:fade/>
+      </p:transition>
+    </mc:Fallback>
+  </mc:AlternateContent>
+</p:sld>
+</file>
+
+<file path=ppt/slides/slide10.xml><?xml version="1.0" encoding="utf-8"?>
+<p:sld xmlns:a="http://schemas.openxmlformats.org/drawingml/2006/main" xmlns:r="http://schemas.openxmlformats.org/officeDocument/2006/relationships" xmlns:p="http://schemas.openxmlformats.org/presentationml/2006/main">
+  <p:cSld>
+    <p:spTree>
+      <p:nvGrpSpPr>
+        <p:cNvPr id="1" name="">
+          <a:extLst>
+            <a:ext uri="{FF2B5EF4-FFF2-40B4-BE49-F238E27FC236}">
+              <a16:creationId xmlns:a16="http://schemas.microsoft.com/office/drawing/2014/main" id="{8C5B06E8-926A-280C-91D5-8D1A6FD9DD5F}"/>
+            </a:ext>
+          </a:extLst>
+        </p:cNvPr>
+        <p:cNvGrpSpPr/>
+        <p:nvPr/>
+      </p:nvGrpSpPr>
+      <p:grpSpPr>
+        <a:xfrm>
+          <a:off x="0" y="0"/>
+          <a:ext cx="0" cy="0"/>
+          <a:chOff x="0" y="0"/>
+          <a:chExt cx="0" cy="0"/>
+        </a:xfrm>
+      </p:grpSpPr>
+      <p:sp>
+        <p:nvSpPr>
+          <p:cNvPr id="3" name="Rectangle 2">
+            <a:extLst>
+              <a:ext uri="{FF2B5EF4-FFF2-40B4-BE49-F238E27FC236}">
+                <a16:creationId xmlns:a16="http://schemas.microsoft.com/office/drawing/2014/main" id="{199D5ADB-1A75-F910-1329-D32BE996617D}"/>
+              </a:ext>
+            </a:extLst>
+          </p:cNvPr>
+          <p:cNvSpPr/>
+          <p:nvPr/>
+        </p:nvSpPr>
+        <p:spPr>
+          <a:xfrm>
+            <a:off x="247998" y="687409"/>
+            <a:ext cx="11696003" cy="5534395"/>
+          </a:xfrm>
+          <a:prstGeom prst="rect">
+            <a:avLst/>
+          </a:prstGeom>
+          <a:solidFill>
+            <a:schemeClr val="bg1"/>
+          </a:solidFill>
+        </p:spPr>
+        <p:txBody>
+          <a:bodyPr wrap="square" anchor="t">
+            <a:noAutofit/>
+          </a:bodyPr>
+          <a:lstStyle/>
+          <a:p>
+            <a:pPr marL="514284" marR="0" lvl="0" indent="-342900" algn="just" defTabSz="914049" rtl="0" eaLnBrk="1" fontAlgn="auto" latinLnBrk="0" hangingPunct="1">
+              <a:lnSpc>
+                <a:spcPct val="100000"/>
+              </a:lnSpc>
+              <a:spcBef>
+                <a:spcPts val="0"/>
+              </a:spcBef>
+              <a:spcAft>
+                <a:spcPts val="0"/>
+              </a:spcAft>
+              <a:buClrTx/>
+              <a:buSzTx/>
+              <a:buFont typeface="Wingdings" panose="05000000000000000000" pitchFamily="2" charset="2"/>
+              <a:buChar char="§"/>
+              <a:tabLst/>
+              <a:defRPr/>
+            </a:pPr>
+            <a:endParaRPr kumimoji="0" lang="en-US" sz="2000" b="0" i="0" u="none" strike="noStrike" kern="1200" cap="none" spc="0" normalizeH="0" baseline="0" noProof="0" dirty="0">
+              <a:ln>
+                <a:noFill/>
+              </a:ln>
+              <a:solidFill>
+                <a:prstClr val="black"/>
+              </a:solidFill>
+              <a:effectLst/>
+              <a:uLnTx/>
+              <a:uFillTx/>
+              <a:latin typeface="Aptos" panose="02110004020202020204"/>
+              <a:ea typeface="+mn-ea"/>
+              <a:cs typeface="Segoe UI Semilight" panose="020B0402040204020203" pitchFamily="34" charset="0"/>
+            </a:endParaRPr>
+          </a:p>
+          <a:p>
+            <a:pPr marL="171384" marR="0" lvl="0" algn="just" defTabSz="914049" rtl="0" eaLnBrk="1" fontAlgn="auto" latinLnBrk="0" hangingPunct="1">
+              <a:lnSpc>
+                <a:spcPct val="100000"/>
+              </a:lnSpc>
+              <a:spcBef>
+                <a:spcPts val="0"/>
+              </a:spcBef>
+              <a:spcAft>
+                <a:spcPts val="0"/>
+              </a:spcAft>
+              <a:buClrTx/>
+              <a:buSzTx/>
+              <a:tabLst/>
+              <a:defRPr/>
+            </a:pPr>
+            <a:r>
+              <a:rPr lang="en-US" sz="2000" dirty="0">
+                <a:solidFill>
+                  <a:prstClr val="black"/>
+                </a:solidFill>
+                <a:latin typeface="Aptos" panose="02110004020202020204"/>
+                <a:cs typeface="Segoe UI Semilight" panose="020B0402040204020203" pitchFamily="34" charset="0"/>
+              </a:rPr>
+              <a:t>[1] Azure: </a:t>
+            </a:r>
+            <a:r>
+              <a:rPr lang="en-US" sz="2000" b="0" i="0" dirty="0">
+                <a:solidFill>
+                  <a:srgbClr val="F0F6FC"/>
+                </a:solidFill>
+                <a:effectLst/>
+                <a:latin typeface="-apple-system"/>
+              </a:rPr>
+              <a:t> </a:t>
+            </a:r>
+            <a:r>
+              <a:rPr lang="en-US" sz="2000" b="0" i="0" u="sng" dirty="0">
+                <a:solidFill>
+                  <a:srgbClr val="4493F8"/>
+                </a:solidFill>
+                <a:effectLst/>
+                <a:latin typeface="-apple-system"/>
+                <a:hlinkClick r:id="rId3"/>
+              </a:rPr>
+              <a:t>https://learn.microsoft.com/en-us/azure/?product=popular</a:t>
+            </a:r>
+            <a:r>
+              <a:rPr lang="en-US" sz="2000" dirty="0">
+                <a:solidFill>
+                  <a:prstClr val="black"/>
+                </a:solidFill>
+                <a:latin typeface="Aptos" panose="02110004020202020204"/>
+                <a:cs typeface="Segoe UI Semilight" panose="020B0402040204020203" pitchFamily="34" charset="0"/>
+              </a:rPr>
+              <a:t> </a:t>
+            </a:r>
+          </a:p>
+          <a:p>
+            <a:pPr marL="171384" marR="0" lvl="0" algn="just" defTabSz="914049" rtl="0" eaLnBrk="1" fontAlgn="auto" latinLnBrk="0" hangingPunct="1">
+              <a:lnSpc>
+                <a:spcPct val="100000"/>
+              </a:lnSpc>
+              <a:spcBef>
+                <a:spcPts val="0"/>
+              </a:spcBef>
+              <a:spcAft>
+                <a:spcPts val="0"/>
+              </a:spcAft>
+              <a:buClrTx/>
+              <a:buSzTx/>
+              <a:tabLst/>
+              <a:defRPr/>
+            </a:pPr>
+            <a:r>
+              <a:rPr kumimoji="0" lang="en-US" sz="2000" b="0" i="0" u="none" strike="noStrike" kern="1200" cap="none" spc="0" normalizeH="0" baseline="0" noProof="0" dirty="0">
+                <a:ln>
+                  <a:noFill/>
+                </a:ln>
+                <a:solidFill>
+                  <a:prstClr val="black"/>
+                </a:solidFill>
+                <a:effectLst/>
+                <a:uLnTx/>
+                <a:uFillTx/>
+                <a:latin typeface="Aptos" panose="02110004020202020204"/>
+                <a:ea typeface="+mn-ea"/>
+                <a:cs typeface="Segoe UI Semilight" panose="020B0402040204020203" pitchFamily="34" charset="0"/>
+              </a:rPr>
+              <a:t>[2] Azure Load Testing: </a:t>
+            </a:r>
+            <a:r>
+              <a:rPr lang="en-US" sz="2000" b="0" i="0" dirty="0">
+                <a:solidFill>
+                  <a:srgbClr val="F0F6FC"/>
+                </a:solidFill>
+                <a:effectLst/>
+                <a:latin typeface="-apple-system"/>
+              </a:rPr>
+              <a:t> </a:t>
+            </a:r>
+            <a:r>
+              <a:rPr lang="en-US" sz="2000" b="0" i="0" u="sng" dirty="0">
+                <a:solidFill>
+                  <a:srgbClr val="4493F8"/>
+                </a:solidFill>
+                <a:effectLst/>
+                <a:latin typeface="-apple-system"/>
+                <a:hlinkClick r:id="rId4"/>
+              </a:rPr>
+              <a:t>https://learn.microsoft.com/en-us/azure/load-testing/</a:t>
+            </a:r>
+            <a:r>
+              <a:rPr lang="en-US" sz="2000" b="0" i="0" u="sng" dirty="0">
+                <a:solidFill>
+                  <a:srgbClr val="4493F8"/>
+                </a:solidFill>
+                <a:effectLst/>
+                <a:latin typeface="-apple-system"/>
+              </a:rPr>
+              <a:t> </a:t>
+            </a:r>
+            <a:r>
+              <a:rPr kumimoji="0" lang="en-US" sz="2000" b="0" i="0" u="none" strike="noStrike" kern="1200" cap="none" spc="0" normalizeH="0" baseline="0" noProof="0" dirty="0">
+                <a:ln>
+                  <a:noFill/>
+                </a:ln>
+                <a:solidFill>
+                  <a:prstClr val="black"/>
+                </a:solidFill>
+                <a:effectLst/>
+                <a:uLnTx/>
+                <a:uFillTx/>
+                <a:latin typeface="Aptos" panose="02110004020202020204"/>
+                <a:ea typeface="+mn-ea"/>
+                <a:cs typeface="Segoe UI Semilight" panose="020B0402040204020203" pitchFamily="34" charset="0"/>
+              </a:rPr>
+              <a:t> </a:t>
+            </a:r>
+          </a:p>
+          <a:p>
+            <a:pPr marL="171384" marR="0" lvl="0" algn="just" defTabSz="914049" rtl="0" eaLnBrk="1" fontAlgn="auto" latinLnBrk="0" hangingPunct="1">
+              <a:lnSpc>
+                <a:spcPct val="100000"/>
+              </a:lnSpc>
+              <a:spcBef>
+                <a:spcPts val="0"/>
+              </a:spcBef>
+              <a:spcAft>
+                <a:spcPts val="0"/>
+              </a:spcAft>
+              <a:buClrTx/>
+              <a:buSzTx/>
+              <a:tabLst/>
+              <a:defRPr/>
+            </a:pPr>
+            <a:r>
+              <a:rPr lang="en-US" sz="2000" dirty="0">
+                <a:solidFill>
+                  <a:prstClr val="black"/>
+                </a:solidFill>
+                <a:latin typeface="Aptos" panose="02110004020202020204"/>
+                <a:cs typeface="Segoe UI Semilight" panose="020B0402040204020203" pitchFamily="34" charset="0"/>
+              </a:rPr>
+              <a:t>[3] Bicep: </a:t>
+            </a:r>
+            <a:r>
+              <a:rPr lang="en-US" sz="2000" b="0" i="0" dirty="0">
+                <a:solidFill>
+                  <a:srgbClr val="F0F6FC"/>
+                </a:solidFill>
+                <a:effectLst/>
+                <a:latin typeface="-apple-system"/>
+              </a:rPr>
+              <a:t> </a:t>
+            </a:r>
+            <a:r>
+              <a:rPr lang="en-US" sz="2000" b="0" i="0" u="sng" dirty="0">
+                <a:solidFill>
+                  <a:srgbClr val="4493F8"/>
+                </a:solidFill>
+                <a:effectLst/>
+                <a:latin typeface="-apple-system"/>
+                <a:hlinkClick r:id="rId5"/>
+              </a:rPr>
+              <a:t>https://learn.microsoft.com/en-us/azure/azure-resource-manager/bicep/</a:t>
+            </a:r>
+            <a:r>
+              <a:rPr lang="en-US" sz="2000" dirty="0">
+                <a:solidFill>
+                  <a:prstClr val="black"/>
+                </a:solidFill>
+                <a:latin typeface="Aptos" panose="02110004020202020204"/>
+                <a:cs typeface="Segoe UI Semilight" panose="020B0402040204020203" pitchFamily="34" charset="0"/>
+              </a:rPr>
+              <a:t> </a:t>
+            </a:r>
+          </a:p>
+          <a:p>
+            <a:pPr marL="171384" marR="0" lvl="0" algn="just" defTabSz="914049" rtl="0" eaLnBrk="1" fontAlgn="auto" latinLnBrk="0" hangingPunct="1">
+              <a:lnSpc>
+                <a:spcPct val="100000"/>
+              </a:lnSpc>
+              <a:spcBef>
+                <a:spcPts val="0"/>
+              </a:spcBef>
+              <a:spcAft>
+                <a:spcPts val="0"/>
+              </a:spcAft>
+              <a:buClrTx/>
+              <a:buSzTx/>
+              <a:tabLst/>
+              <a:defRPr/>
+            </a:pPr>
+            <a:r>
+              <a:rPr kumimoji="0" lang="en-US" sz="2000" b="0" i="0" u="none" strike="noStrike" kern="1200" cap="none" spc="0" normalizeH="0" baseline="0" noProof="0" dirty="0">
+                <a:ln>
+                  <a:noFill/>
+                </a:ln>
+                <a:solidFill>
+                  <a:prstClr val="black"/>
+                </a:solidFill>
+                <a:effectLst/>
+                <a:uLnTx/>
+                <a:uFillTx/>
+                <a:latin typeface="Aptos" panose="02110004020202020204"/>
+                <a:ea typeface="+mn-ea"/>
+                <a:cs typeface="Segoe UI Semilight" panose="020B0402040204020203" pitchFamily="34" charset="0"/>
+              </a:rPr>
+              <a:t>[4] Azure Container Instance: </a:t>
+            </a:r>
+            <a:r>
+              <a:rPr lang="en-US" sz="2000" b="0" i="0" u="sng" dirty="0">
+                <a:solidFill>
+                  <a:srgbClr val="4493F8"/>
+                </a:solidFill>
+                <a:effectLst/>
+                <a:latin typeface="-apple-system"/>
+                <a:hlinkClick r:id="rId6"/>
+              </a:rPr>
+              <a:t>https://learn.microsoft.com/en-us/azure/container-instances/</a:t>
+            </a:r>
+            <a:r>
+              <a:rPr kumimoji="0" lang="en-US" sz="2000" b="0" i="0" u="none" strike="noStrike" kern="1200" cap="none" spc="0" normalizeH="0" baseline="0" noProof="0" dirty="0">
+                <a:ln>
+                  <a:noFill/>
+                </a:ln>
+                <a:solidFill>
+                  <a:prstClr val="black"/>
+                </a:solidFill>
+                <a:effectLst/>
+                <a:uLnTx/>
+                <a:uFillTx/>
+                <a:latin typeface="Aptos" panose="02110004020202020204"/>
+                <a:ea typeface="+mn-ea"/>
+                <a:cs typeface="Segoe UI Semilight" panose="020B0402040204020203" pitchFamily="34" charset="0"/>
+              </a:rPr>
+              <a:t> </a:t>
+            </a:r>
+          </a:p>
+          <a:p>
+            <a:pPr marL="171384" marR="0" lvl="0" algn="just" defTabSz="914049" rtl="0" eaLnBrk="1" fontAlgn="auto" latinLnBrk="0" hangingPunct="1">
+              <a:lnSpc>
+                <a:spcPct val="100000"/>
+              </a:lnSpc>
+              <a:spcBef>
+                <a:spcPts val="0"/>
+              </a:spcBef>
+              <a:spcAft>
+                <a:spcPts val="0"/>
+              </a:spcAft>
+              <a:buClrTx/>
+              <a:buSzTx/>
+              <a:tabLst/>
+              <a:defRPr/>
+            </a:pPr>
+            <a:r>
+              <a:rPr lang="en-US" sz="2000" dirty="0">
+                <a:solidFill>
+                  <a:prstClr val="black"/>
+                </a:solidFill>
+                <a:latin typeface="Aptos" panose="02110004020202020204"/>
+                <a:cs typeface="Segoe UI Semilight" panose="020B0402040204020203" pitchFamily="34" charset="0"/>
+              </a:rPr>
+              <a:t>[5] JMeter: </a:t>
+            </a:r>
+            <a:r>
+              <a:rPr lang="en-US" sz="2000" b="0" i="0" u="sng" dirty="0">
+                <a:solidFill>
+                  <a:srgbClr val="4493F8"/>
+                </a:solidFill>
+                <a:effectLst/>
+                <a:latin typeface="-apple-system"/>
+                <a:hlinkClick r:id="rId7"/>
+              </a:rPr>
+              <a:t>https://jmeter.apache.org/usermanual/index.html</a:t>
+            </a:r>
+            <a:r>
+              <a:rPr lang="en-US" sz="2000" dirty="0">
+                <a:solidFill>
+                  <a:prstClr val="black"/>
+                </a:solidFill>
+                <a:latin typeface="Aptos" panose="02110004020202020204"/>
+                <a:cs typeface="Segoe UI Semilight" panose="020B0402040204020203" pitchFamily="34" charset="0"/>
+              </a:rPr>
+              <a:t> </a:t>
+            </a:r>
+          </a:p>
+          <a:p>
+            <a:pPr marL="171384" marR="0" lvl="0" algn="just" defTabSz="914049" rtl="0" eaLnBrk="1" fontAlgn="auto" latinLnBrk="0" hangingPunct="1">
+              <a:lnSpc>
+                <a:spcPct val="100000"/>
+              </a:lnSpc>
+              <a:spcBef>
+                <a:spcPts val="0"/>
+              </a:spcBef>
+              <a:spcAft>
+                <a:spcPts val="0"/>
+              </a:spcAft>
+              <a:buClrTx/>
+              <a:buSzTx/>
+              <a:tabLst/>
+              <a:defRPr/>
+            </a:pPr>
+            <a:r>
+              <a:rPr kumimoji="0" lang="en-US" sz="2000" b="0" i="0" u="none" strike="noStrike" kern="1200" cap="none" spc="0" normalizeH="0" baseline="0" noProof="0" dirty="0">
+                <a:ln>
+                  <a:noFill/>
+                </a:ln>
+                <a:solidFill>
+                  <a:prstClr val="black"/>
+                </a:solidFill>
+                <a:effectLst/>
+                <a:uLnTx/>
+                <a:uFillTx/>
+                <a:latin typeface="Aptos" panose="02110004020202020204"/>
+                <a:ea typeface="+mn-ea"/>
+                <a:cs typeface="Segoe UI Semilight" panose="020B0402040204020203" pitchFamily="34" charset="0"/>
+              </a:rPr>
+              <a:t>[6] </a:t>
+            </a:r>
+            <a:r>
+              <a:rPr kumimoji="0" lang="en-US" sz="2000" b="0" i="0" u="none" strike="noStrike" kern="1200" cap="none" spc="0" normalizeH="0" baseline="0" noProof="0" dirty="0" err="1">
+                <a:ln>
+                  <a:noFill/>
+                </a:ln>
+                <a:solidFill>
+                  <a:prstClr val="black"/>
+                </a:solidFill>
+                <a:effectLst/>
+                <a:uLnTx/>
+                <a:uFillTx/>
+                <a:latin typeface="Aptos" panose="02110004020202020204"/>
+                <a:ea typeface="+mn-ea"/>
+                <a:cs typeface="Segoe UI Semilight" panose="020B0402040204020203" pitchFamily="34" charset="0"/>
+              </a:rPr>
+              <a:t>Modelul</a:t>
+            </a:r>
+            <a:r>
+              <a:rPr kumimoji="0" lang="en-US" sz="2000" b="0" i="0" u="none" strike="noStrike" kern="1200" cap="none" spc="0" normalizeH="0" baseline="0" noProof="0" dirty="0">
+                <a:ln>
+                  <a:noFill/>
+                </a:ln>
+                <a:solidFill>
+                  <a:prstClr val="black"/>
+                </a:solidFill>
+                <a:effectLst/>
+                <a:uLnTx/>
+                <a:uFillTx/>
+                <a:latin typeface="Aptos" panose="02110004020202020204"/>
+                <a:ea typeface="+mn-ea"/>
+                <a:cs typeface="Segoe UI Semilight" panose="020B0402040204020203" pitchFamily="34" charset="0"/>
+              </a:rPr>
+              <a:t> de IA </a:t>
+            </a:r>
+            <a:r>
+              <a:rPr kumimoji="0" lang="en-US" sz="2000" b="0" i="0" u="none" strike="noStrike" kern="1200" cap="none" spc="0" normalizeH="0" baseline="0" noProof="0" dirty="0" err="1">
+                <a:ln>
+                  <a:noFill/>
+                </a:ln>
+                <a:solidFill>
+                  <a:prstClr val="black"/>
+                </a:solidFill>
+                <a:effectLst/>
+                <a:uLnTx/>
+                <a:uFillTx/>
+                <a:latin typeface="Aptos" panose="02110004020202020204"/>
+                <a:ea typeface="+mn-ea"/>
+                <a:cs typeface="Segoe UI Semilight" panose="020B0402040204020203" pitchFamily="34" charset="0"/>
+              </a:rPr>
+              <a:t>folosit</a:t>
+            </a:r>
+            <a:r>
+              <a:rPr kumimoji="0" lang="en-US" sz="2000" b="0" i="0" u="none" strike="noStrike" kern="1200" cap="none" spc="0" normalizeH="0" baseline="0" noProof="0" dirty="0">
+                <a:ln>
+                  <a:noFill/>
+                </a:ln>
+                <a:solidFill>
+                  <a:prstClr val="black"/>
+                </a:solidFill>
+                <a:effectLst/>
+                <a:uLnTx/>
+                <a:uFillTx/>
+                <a:latin typeface="Aptos" panose="02110004020202020204"/>
+                <a:ea typeface="+mn-ea"/>
+                <a:cs typeface="Segoe UI Semilight" panose="020B0402040204020203" pitchFamily="34" charset="0"/>
+              </a:rPr>
+              <a:t>: </a:t>
+            </a:r>
+            <a:r>
+              <a:rPr lang="en-US" sz="2000" b="0" i="0" u="sng" dirty="0">
+                <a:solidFill>
+                  <a:srgbClr val="4493F8"/>
+                </a:solidFill>
+                <a:effectLst/>
+                <a:latin typeface="-apple-system"/>
+                <a:hlinkClick r:id="rId8"/>
+              </a:rPr>
+              <a:t>https://huggingface.co/google-t5/t5-base</a:t>
+            </a:r>
+            <a:r>
+              <a:rPr lang="en-US" sz="2000" b="0" i="0" u="sng" dirty="0">
+                <a:solidFill>
+                  <a:srgbClr val="4493F8"/>
+                </a:solidFill>
+                <a:effectLst/>
+                <a:latin typeface="-apple-system"/>
+              </a:rPr>
+              <a:t> </a:t>
+            </a:r>
+            <a:r>
+              <a:rPr kumimoji="0" lang="en-US" sz="2000" b="0" i="0" u="none" strike="noStrike" kern="1200" cap="none" spc="0" normalizeH="0" baseline="0" noProof="0" dirty="0">
+                <a:ln>
+                  <a:noFill/>
+                </a:ln>
+                <a:solidFill>
+                  <a:prstClr val="black"/>
+                </a:solidFill>
+                <a:effectLst/>
+                <a:uLnTx/>
+                <a:uFillTx/>
+                <a:latin typeface="Aptos" panose="02110004020202020204"/>
+                <a:ea typeface="+mn-ea"/>
+                <a:cs typeface="Segoe UI Semilight" panose="020B0402040204020203" pitchFamily="34" charset="0"/>
+              </a:rPr>
+              <a:t> </a:t>
+            </a:r>
+          </a:p>
+          <a:p>
+            <a:pPr marL="171384" marR="0" lvl="0" algn="just" defTabSz="914049" rtl="0" eaLnBrk="1" fontAlgn="auto" latinLnBrk="0" hangingPunct="1">
+              <a:lnSpc>
+                <a:spcPct val="100000"/>
+              </a:lnSpc>
+              <a:spcBef>
+                <a:spcPts val="0"/>
+              </a:spcBef>
+              <a:spcAft>
+                <a:spcPts val="0"/>
+              </a:spcAft>
+              <a:buClrTx/>
+              <a:buSzTx/>
+              <a:tabLst/>
+              <a:defRPr/>
+            </a:pPr>
+            <a:r>
+              <a:rPr kumimoji="0" lang="en-US" sz="2000" b="0" i="0" u="none" strike="noStrike" kern="1200" cap="none" spc="0" normalizeH="0" baseline="0" noProof="0" dirty="0">
+                <a:ln>
+                  <a:noFill/>
+                </a:ln>
+                <a:solidFill>
+                  <a:prstClr val="black"/>
+                </a:solidFill>
+                <a:effectLst/>
+                <a:uLnTx/>
+                <a:uFillTx/>
+                <a:latin typeface="Aptos" panose="02110004020202020204"/>
+                <a:ea typeface="+mn-ea"/>
+                <a:cs typeface="Segoe UI Semilight" panose="020B0402040204020203" pitchFamily="34" charset="0"/>
+              </a:rPr>
+              <a:t>[7] Flask: </a:t>
+            </a:r>
+            <a:r>
+              <a:rPr lang="en-US" sz="2000" b="0" i="0" u="sng" dirty="0">
+                <a:solidFill>
+                  <a:srgbClr val="4493F8"/>
+                </a:solidFill>
+                <a:effectLst/>
+                <a:latin typeface="-apple-system"/>
+                <a:hlinkClick r:id="rId9"/>
+              </a:rPr>
+              <a:t>https://python-adv-web-apps.readthedocs.io/en/latest/flask.html</a:t>
+            </a:r>
+            <a:r>
+              <a:rPr kumimoji="0" lang="en-US" sz="2000" b="0" i="0" u="none" strike="noStrike" kern="1200" cap="none" spc="0" normalizeH="0" baseline="0" noProof="0" dirty="0">
+                <a:ln>
+                  <a:noFill/>
+                </a:ln>
+                <a:solidFill>
+                  <a:prstClr val="black"/>
+                </a:solidFill>
+                <a:effectLst/>
+                <a:uLnTx/>
+                <a:uFillTx/>
+                <a:latin typeface="Aptos" panose="02110004020202020204"/>
+                <a:ea typeface="+mn-ea"/>
+                <a:cs typeface="Segoe UI Semilight" panose="020B0402040204020203" pitchFamily="34" charset="0"/>
+              </a:rPr>
+              <a:t> </a:t>
+            </a:r>
+          </a:p>
+          <a:p>
+            <a:pPr marL="171384" marR="0" lvl="0" algn="just" defTabSz="914049" rtl="0" eaLnBrk="1" fontAlgn="auto" latinLnBrk="0" hangingPunct="1">
+              <a:lnSpc>
+                <a:spcPct val="100000"/>
+              </a:lnSpc>
+              <a:spcBef>
+                <a:spcPts val="0"/>
+              </a:spcBef>
+              <a:spcAft>
+                <a:spcPts val="0"/>
+              </a:spcAft>
+              <a:buClrTx/>
+              <a:buSzTx/>
+              <a:tabLst/>
+              <a:defRPr/>
+            </a:pPr>
+            <a:r>
+              <a:rPr lang="en-US" sz="2000" dirty="0">
+                <a:solidFill>
+                  <a:prstClr val="black"/>
+                </a:solidFill>
+                <a:latin typeface="Aptos" panose="02110004020202020204"/>
+                <a:cs typeface="Segoe UI Semilight" panose="020B0402040204020203" pitchFamily="34" charset="0"/>
+              </a:rPr>
+              <a:t>[8] Docker: </a:t>
+            </a:r>
+            <a:r>
+              <a:rPr lang="en-US" sz="2000" b="0" i="0" dirty="0">
+                <a:solidFill>
+                  <a:srgbClr val="F0F6FC"/>
+                </a:solidFill>
+                <a:effectLst/>
+                <a:latin typeface="-apple-system"/>
+              </a:rPr>
+              <a:t> </a:t>
+            </a:r>
+            <a:r>
+              <a:rPr lang="en-US" sz="2000" b="0" i="0" u="sng" dirty="0">
+                <a:solidFill>
+                  <a:srgbClr val="4493F8"/>
+                </a:solidFill>
+                <a:effectLst/>
+                <a:latin typeface="-apple-system"/>
+                <a:hlinkClick r:id="rId10"/>
+              </a:rPr>
+              <a:t>https://docs.docker.com/reference/</a:t>
+            </a:r>
+            <a:r>
+              <a:rPr lang="en-US" sz="2000" dirty="0">
+                <a:solidFill>
+                  <a:prstClr val="black"/>
+                </a:solidFill>
+                <a:latin typeface="Aptos" panose="02110004020202020204"/>
+                <a:cs typeface="Segoe UI Semilight" panose="020B0402040204020203" pitchFamily="34" charset="0"/>
+              </a:rPr>
+              <a:t> </a:t>
+            </a:r>
+          </a:p>
+          <a:p>
+            <a:pPr marL="171384" marR="0" lvl="0" algn="just" defTabSz="914049" rtl="0" eaLnBrk="1" fontAlgn="auto" latinLnBrk="0" hangingPunct="1">
+              <a:lnSpc>
+                <a:spcPct val="100000"/>
+              </a:lnSpc>
+              <a:spcBef>
+                <a:spcPts val="0"/>
+              </a:spcBef>
+              <a:spcAft>
+                <a:spcPts val="0"/>
+              </a:spcAft>
+              <a:buClrTx/>
+              <a:buSzTx/>
+              <a:tabLst/>
+              <a:defRPr/>
+            </a:pPr>
+            <a:r>
+              <a:rPr kumimoji="0" lang="en-US" sz="2000" b="0" i="0" u="none" strike="noStrike" kern="1200" cap="none" spc="0" normalizeH="0" baseline="0" noProof="0" dirty="0">
+                <a:ln>
+                  <a:noFill/>
+                </a:ln>
+                <a:solidFill>
+                  <a:prstClr val="black"/>
+                </a:solidFill>
+                <a:effectLst/>
+                <a:uLnTx/>
+                <a:uFillTx/>
+                <a:latin typeface="Aptos" panose="02110004020202020204"/>
+                <a:ea typeface="+mn-ea"/>
+                <a:cs typeface="Segoe UI Semilight" panose="020B0402040204020203" pitchFamily="34" charset="0"/>
+              </a:rPr>
+              <a:t>[9] Kubernetes: </a:t>
+            </a:r>
+            <a:r>
+              <a:rPr lang="en-US" sz="2000" b="0" i="0" u="sng" dirty="0">
+                <a:solidFill>
+                  <a:srgbClr val="4493F8"/>
+                </a:solidFill>
+                <a:effectLst/>
+                <a:latin typeface="-apple-system"/>
+                <a:hlinkClick r:id="rId11"/>
+              </a:rPr>
+              <a:t>https://kubernetes.io/docs/home/</a:t>
+            </a:r>
+            <a:r>
+              <a:rPr kumimoji="0" lang="en-US" sz="2000" b="0" i="0" u="none" strike="noStrike" kern="1200" cap="none" spc="0" normalizeH="0" baseline="0" noProof="0" dirty="0">
+                <a:ln>
+                  <a:noFill/>
+                </a:ln>
+                <a:solidFill>
+                  <a:prstClr val="black"/>
+                </a:solidFill>
+                <a:effectLst/>
+                <a:uLnTx/>
+                <a:uFillTx/>
+                <a:latin typeface="Aptos" panose="02110004020202020204"/>
+                <a:ea typeface="+mn-ea"/>
+                <a:cs typeface="Segoe UI Semilight" panose="020B0402040204020203" pitchFamily="34" charset="0"/>
+              </a:rPr>
+              <a:t> </a:t>
+            </a:r>
+          </a:p>
+          <a:p>
+            <a:pPr algn="l">
+              <a:spcAft>
+                <a:spcPts val="1200"/>
+              </a:spcAft>
+              <a:buNone/>
+            </a:pPr>
+            <a:r>
+              <a:rPr lang="en-US" sz="2000" dirty="0">
+                <a:solidFill>
+                  <a:prstClr val="black"/>
+                </a:solidFill>
+                <a:latin typeface="Aptos" panose="02110004020202020204"/>
+                <a:cs typeface="Segoe UI Semilight" panose="020B0402040204020203" pitchFamily="34" charset="0"/>
+              </a:rPr>
+              <a:t>[10] Kind: </a:t>
+            </a:r>
+            <a:r>
+              <a:rPr lang="en-US" sz="2000" b="0" i="0" u="sng" dirty="0">
+                <a:solidFill>
+                  <a:srgbClr val="4493F8"/>
+                </a:solidFill>
+                <a:effectLst/>
+                <a:latin typeface="-apple-system"/>
+                <a:hlinkClick r:id="rId12"/>
+              </a:rPr>
+              <a:t>https://kind.sigs.k8s.io/</a:t>
+            </a:r>
+            <a:r>
+              <a:rPr lang="en-US" sz="2000" dirty="0">
+                <a:solidFill>
+                  <a:prstClr val="black"/>
+                </a:solidFill>
+                <a:latin typeface="Aptos" panose="02110004020202020204"/>
+                <a:cs typeface="Segoe UI Semilight" panose="020B0402040204020203" pitchFamily="34" charset="0"/>
+              </a:rPr>
+              <a:t> </a:t>
+            </a:r>
+          </a:p>
+          <a:p>
+            <a:pPr algn="l">
+              <a:spcAft>
+                <a:spcPts val="1200"/>
+              </a:spcAft>
+              <a:buNone/>
+            </a:pPr>
+            <a:r>
+              <a:rPr lang="en-US" sz="2000" dirty="0">
+                <a:solidFill>
+                  <a:prstClr val="black"/>
+                </a:solidFill>
+                <a:latin typeface="Aptos" panose="02110004020202020204"/>
+                <a:cs typeface="Segoe UI Semilight" panose="020B0402040204020203" pitchFamily="34" charset="0"/>
+              </a:rPr>
+              <a:t>[11] Helm: </a:t>
+            </a:r>
+            <a:r>
+              <a:rPr lang="en-US" sz="2000" b="0" i="0" u="sng" dirty="0">
+                <a:solidFill>
+                  <a:srgbClr val="4493F8"/>
+                </a:solidFill>
+                <a:effectLst/>
+                <a:latin typeface="-apple-system"/>
+                <a:hlinkClick r:id="rId13"/>
+              </a:rPr>
+              <a:t>https://helm.sh/docs/</a:t>
+            </a:r>
+            <a:r>
+              <a:rPr lang="en-US" sz="2000" dirty="0">
+                <a:solidFill>
+                  <a:prstClr val="black"/>
+                </a:solidFill>
+                <a:latin typeface="Aptos" panose="02110004020202020204"/>
+                <a:cs typeface="Segoe UI Semilight" panose="020B0402040204020203" pitchFamily="34" charset="0"/>
+              </a:rPr>
+              <a:t> </a:t>
+            </a:r>
+          </a:p>
+          <a:p>
+            <a:pPr algn="l">
+              <a:spcAft>
+                <a:spcPts val="1200"/>
+              </a:spcAft>
+              <a:buNone/>
+            </a:pPr>
+            <a:r>
+              <a:rPr lang="en-US" sz="2000" dirty="0">
+                <a:solidFill>
+                  <a:prstClr val="black"/>
+                </a:solidFill>
+                <a:latin typeface="Aptos" panose="02110004020202020204"/>
+                <a:cs typeface="Segoe UI Semilight" panose="020B0402040204020203" pitchFamily="34" charset="0"/>
+              </a:rPr>
+              <a:t>[12] OpenAI, ChatGPT, </a:t>
+            </a:r>
+            <a:r>
+              <a:rPr lang="en-US" sz="2000" dirty="0">
+                <a:solidFill>
+                  <a:prstClr val="black"/>
+                </a:solidFill>
+                <a:latin typeface="Aptos" panose="02110004020202020204"/>
+                <a:cs typeface="Segoe UI Semilight" panose="020B0402040204020203" pitchFamily="34" charset="0"/>
+                <a:hlinkClick r:id="rId14"/>
+              </a:rPr>
+              <a:t>https://chatgpt.com/</a:t>
+            </a:r>
+            <a:r>
+              <a:rPr lang="en-US" sz="2000" dirty="0">
+                <a:solidFill>
+                  <a:prstClr val="black"/>
+                </a:solidFill>
+                <a:latin typeface="Aptos" panose="02110004020202020204"/>
+                <a:cs typeface="Segoe UI Semilight" panose="020B0402040204020203" pitchFamily="34" charset="0"/>
+              </a:rPr>
+              <a:t> , Data </a:t>
+            </a:r>
+            <a:r>
+              <a:rPr lang="en-US" sz="2000" dirty="0" err="1">
+                <a:solidFill>
+                  <a:prstClr val="black"/>
+                </a:solidFill>
+                <a:latin typeface="Aptos" panose="02110004020202020204"/>
+                <a:cs typeface="Segoe UI Semilight" panose="020B0402040204020203" pitchFamily="34" charset="0"/>
+              </a:rPr>
+              <a:t>generarii</a:t>
+            </a:r>
+            <a:r>
+              <a:rPr lang="en-US" sz="2000" dirty="0">
+                <a:solidFill>
+                  <a:prstClr val="black"/>
+                </a:solidFill>
+                <a:latin typeface="Aptos" panose="02110004020202020204"/>
+                <a:cs typeface="Segoe UI Semilight" panose="020B0402040204020203" pitchFamily="34" charset="0"/>
+              </a:rPr>
+              <a:t>: 10 Mai 2025</a:t>
+            </a:r>
+          </a:p>
+          <a:p>
+            <a:pPr algn="l">
+              <a:spcAft>
+                <a:spcPts val="1200"/>
+              </a:spcAft>
+              <a:buNone/>
+            </a:pPr>
+            <a:endParaRPr lang="en-US" sz="2000" dirty="0">
+              <a:solidFill>
+                <a:prstClr val="black"/>
+              </a:solidFill>
+              <a:latin typeface="Aptos" panose="02110004020202020204"/>
+              <a:cs typeface="Segoe UI Semilight" panose="020B0402040204020203" pitchFamily="34" charset="0"/>
+            </a:endParaRPr>
+          </a:p>
+          <a:p>
+            <a:pPr algn="l">
+              <a:spcAft>
+                <a:spcPts val="1200"/>
+              </a:spcAft>
+              <a:buNone/>
+            </a:pPr>
+            <a:r>
+              <a:rPr lang="en-US" sz="2000" dirty="0">
+                <a:solidFill>
+                  <a:prstClr val="black"/>
+                </a:solidFill>
+                <a:latin typeface="Aptos" panose="02110004020202020204"/>
+                <a:cs typeface="Segoe UI Semilight" panose="020B0402040204020203" pitchFamily="34" charset="0"/>
+              </a:rPr>
+              <a:t>Demo Video: </a:t>
+            </a:r>
+            <a:r>
+              <a:rPr lang="en-US" sz="2000" b="0" i="0" u="sng" dirty="0">
+                <a:solidFill>
+                  <a:srgbClr val="4493F8"/>
+                </a:solidFill>
+                <a:effectLst/>
+                <a:latin typeface="-apple-system"/>
+                <a:hlinkClick r:id="rId15"/>
+              </a:rPr>
+              <a:t>https://youtu.be/GltF5t-4KM0</a:t>
+            </a:r>
+            <a:endParaRPr kumimoji="0" lang="en-US" sz="2000" b="0" i="0" u="none" strike="noStrike" kern="1200" cap="none" spc="0" normalizeH="0" baseline="0" noProof="0" dirty="0">
+              <a:ln>
+                <a:noFill/>
+              </a:ln>
+              <a:solidFill>
+                <a:prstClr val="black"/>
+              </a:solidFill>
+              <a:effectLst/>
+              <a:uLnTx/>
+              <a:uFillTx/>
+              <a:latin typeface="Aptos" panose="02110004020202020204"/>
+              <a:ea typeface="+mn-ea"/>
+              <a:cs typeface="Segoe UI Semilight" panose="020B0402040204020203" pitchFamily="34" charset="0"/>
+            </a:endParaRPr>
+          </a:p>
+          <a:p>
+            <a:pPr marL="514284" marR="0" lvl="0" indent="-342900" algn="just" defTabSz="914049" rtl="0" eaLnBrk="1" fontAlgn="auto" latinLnBrk="0" hangingPunct="1">
+              <a:lnSpc>
+                <a:spcPct val="100000"/>
+              </a:lnSpc>
+              <a:spcBef>
+                <a:spcPts val="0"/>
+              </a:spcBef>
+              <a:spcAft>
+                <a:spcPts val="0"/>
+              </a:spcAft>
+              <a:buClrTx/>
+              <a:buSzTx/>
+              <a:buFont typeface="Wingdings" panose="05000000000000000000" pitchFamily="2" charset="2"/>
+              <a:buChar char="§"/>
+              <a:tabLst/>
+              <a:defRPr/>
+            </a:pPr>
+            <a:endParaRPr kumimoji="0" lang="en-US" sz="2000" b="0" i="0" u="none" strike="noStrike" kern="1200" cap="none" spc="0" normalizeH="0" baseline="0" noProof="0" dirty="0">
+              <a:ln>
+                <a:noFill/>
+              </a:ln>
+              <a:solidFill>
+                <a:prstClr val="black"/>
+              </a:solidFill>
+              <a:effectLst/>
+              <a:uLnTx/>
+              <a:uFillTx/>
+              <a:latin typeface="Aptos" panose="02110004020202020204"/>
+              <a:ea typeface="+mn-ea"/>
+              <a:cs typeface="Segoe UI Semilight" panose="020B0402040204020203" pitchFamily="34" charset="0"/>
+            </a:endParaRPr>
+          </a:p>
+        </p:txBody>
+      </p:sp>
+      <p:sp>
+        <p:nvSpPr>
+          <p:cNvPr id="5" name="microsoft">
+            <a:extLst>
+              <a:ext uri="{FF2B5EF4-FFF2-40B4-BE49-F238E27FC236}">
+                <a16:creationId xmlns:a16="http://schemas.microsoft.com/office/drawing/2014/main" id="{04A9ACC6-2C4E-91A5-BBA8-2830B121B529}"/>
+              </a:ext>
+            </a:extLst>
+          </p:cNvPr>
+          <p:cNvSpPr/>
+          <p:nvPr/>
+        </p:nvSpPr>
+        <p:spPr>
+          <a:xfrm>
+            <a:off x="2877186" y="199588"/>
+            <a:ext cx="6174104" cy="487821"/>
+          </a:xfrm>
+          <a:prstGeom prst="rect">
+            <a:avLst/>
+          </a:prstGeom>
+        </p:spPr>
+        <p:txBody>
+          <a:bodyPr wrap="square" anchor="t">
+            <a:spAutoFit/>
+          </a:bodyPr>
+          <a:lstStyle/>
+          <a:p>
+            <a:pPr algn="ctr" defTabSz="896042" fontAlgn="base">
+              <a:lnSpc>
+                <a:spcPct val="90000"/>
+              </a:lnSpc>
+              <a:spcBef>
+                <a:spcPct val="0"/>
+              </a:spcBef>
+              <a:spcAft>
+                <a:spcPts val="1174"/>
+              </a:spcAft>
+            </a:pPr>
+            <a:r>
+              <a:rPr lang="en-US" sz="2800" kern="0" dirty="0" err="1">
+                <a:ln w="3175">
+                  <a:noFill/>
+                </a:ln>
+                <a:solidFill>
+                  <a:srgbClr val="FFFFFF"/>
+                </a:solidFill>
+                <a:latin typeface="Segoe UI"/>
+                <a:cs typeface="Segoe UI Semilight"/>
+              </a:rPr>
+              <a:t>Bibliografie</a:t>
+            </a:r>
+            <a:endParaRPr lang="en-US" sz="2800" kern="0" dirty="0">
+              <a:ln w="3175">
+                <a:noFill/>
+              </a:ln>
+              <a:solidFill>
+                <a:srgbClr val="FFFFFF"/>
+              </a:solidFill>
+              <a:latin typeface="Segoe UI"/>
+              <a:cs typeface="Segoe UI Semilight"/>
+            </a:endParaRPr>
+          </a:p>
+        </p:txBody>
+      </p:sp>
+    </p:spTree>
+    <p:extLst>
+      <p:ext uri="{BB962C8B-B14F-4D97-AF65-F5344CB8AC3E}">
+        <p14:creationId xmlns:p14="http://schemas.microsoft.com/office/powerpoint/2010/main" val="3795952569"/>
       </p:ext>
     </p:extLst>
   </p:cSld>
@@ -7473,7 +8475,25 @@
                 </a:solidFill>
                 <a:cs typeface="Segoe UI Semilight" panose="020B0402040204020203" pitchFamily="34" charset="0"/>
               </a:rPr>
-              <a:t>Cluster AKS</a:t>
+              <a:t>Docker Hub </a:t>
+            </a:r>
+            <a:r>
+              <a:rPr lang="en-US" sz="2600" dirty="0" err="1">
+                <a:solidFill>
+                  <a:prstClr val="black"/>
+                </a:solidFill>
+                <a:cs typeface="Segoe UI Semilight" panose="020B0402040204020203" pitchFamily="34" charset="0"/>
+              </a:rPr>
+              <a:t>pentru</a:t>
+            </a:r>
+            <a:r>
+              <a:rPr lang="en-US" sz="2600" dirty="0">
+                <a:solidFill>
+                  <a:prstClr val="black"/>
+                </a:solidFill>
+                <a:cs typeface="Segoe UI Semilight" panose="020B0402040204020203" pitchFamily="34" charset="0"/>
+              </a:rPr>
+              <a:t> registry</a:t>
             </a:r>
           </a:p>
           <a:p>
@@ -7502,41 +8522,8 @@
                 </a:solidFill>
                 <a:cs typeface="Segoe UI Semilight" panose="020B0402040204020203" pitchFamily="34" charset="0"/>
               </a:rPr>
-              <a:t>Cosmos DB </a:t>
-            </a:r>
-            <a:r>
-              <a:rPr lang="en-US" sz="2600" dirty="0" err="1">
-                <a:solidFill>
-                  <a:prstClr val="black"/>
-                </a:solidFill>
-                <a:cs typeface="Segoe UI Semilight" panose="020B0402040204020203" pitchFamily="34" charset="0"/>
-              </a:rPr>
-              <a:t>pentru</a:t>
-            </a:r>
-            <a:r>
-              <a:rPr lang="en-US" sz="2600" dirty="0">
-                <a:solidFill>
-                  <a:prstClr val="black"/>
-                </a:solidFill>
-                <a:cs typeface="Segoe UI Semilight" panose="020B0402040204020203" pitchFamily="34" charset="0"/>
-              </a:rPr>
-              <a:t> </a:t>
-            </a:r>
-            <a:r>
-              <a:rPr lang="en-US" sz="2600" dirty="0" err="1">
-                <a:solidFill>
-                  <a:prstClr val="black"/>
-                </a:solidFill>
-                <a:cs typeface="Segoe UI Semilight" panose="020B0402040204020203" pitchFamily="34" charset="0"/>
-              </a:rPr>
-              <a:t>istoric</a:t>
-            </a:r>
-            <a:endParaRPr lang="en-US" sz="2600" dirty="0">
-              <a:solidFill>
-                <a:prstClr val="black"/>
-              </a:solidFill>
-              <a:cs typeface="Segoe UI Semilight" panose="020B0402040204020203" pitchFamily="34" charset="0"/>
-            </a:endParaRPr>
+              <a:t>Cluster AKS / Kind local</a:t>
+            </a:r>
           </a:p>
           <a:p>
             <a:pPr marL="514284" indent="-342900" algn="just" defTabSz="914049">
@@ -7564,43 +8551,7 @@
                 </a:solidFill>
                 <a:cs typeface="Segoe UI Semilight" panose="020B0402040204020203" pitchFamily="34" charset="0"/>
               </a:rPr>
-              <a:t>ACR </a:t>
-            </a:r>
-            <a:r>
-              <a:rPr lang="en-US" sz="2600" dirty="0" err="1">
-                <a:solidFill>
-                  <a:prstClr val="black"/>
-                </a:solidFill>
-                <a:cs typeface="Segoe UI Semilight" panose="020B0402040204020203" pitchFamily="34" charset="0"/>
-              </a:rPr>
-              <a:t>pentru</a:t>
-            </a:r>
-            <a:r>
-              <a:rPr lang="en-US" sz="2600" dirty="0">
-                <a:solidFill>
-                  <a:prstClr val="black"/>
-                </a:solidFill>
-                <a:cs typeface="Segoe UI Semilight" panose="020B0402040204020203" pitchFamily="34" charset="0"/>
-              </a:rPr>
-              <a:t> </a:t>
-            </a:r>
-            <a:r>
-              <a:rPr lang="en-US" sz="2600" dirty="0" err="1">
-                <a:solidFill>
-                  <a:prstClr val="black"/>
-                </a:solidFill>
-                <a:cs typeface="Segoe UI Semilight" panose="020B0402040204020203" pitchFamily="34" charset="0"/>
-              </a:rPr>
-              <a:t>imaginea</a:t>
-            </a:r>
-            <a:r>
-              <a:rPr lang="en-US" sz="2600" dirty="0">
-                <a:solidFill>
-                  <a:prstClr val="black"/>
-                </a:solidFill>
-                <a:cs typeface="Segoe UI Semilight" panose="020B0402040204020203" pitchFamily="34" charset="0"/>
-              </a:rPr>
-              <a:t> de docker</a:t>
+              <a:t>Teste in JMeter</a:t>
             </a:r>
           </a:p>
           <a:p>
@@ -7665,7 +8616,7 @@
                 <a:latin typeface="Segoe UI"/>
                 <a:cs typeface="Segoe UI Semilight"/>
               </a:rPr>
-              <a:t>Proiectul</a:t>
+              <a:t>Aplicatie</a:t>
             </a:r>
             <a:r>
               <a:rPr lang="en-US" sz="2800" kern="0" dirty="0">
@@ -7691,7 +8642,59 @@
                 <a:latin typeface="Segoe UI"/>
                 <a:cs typeface="Segoe UI Semilight"/>
               </a:rPr>
-              <a:t>propus</a:t>
+              <a:t>propusa</a:t>
+            </a:r>
+            <a:r>
+              <a:rPr lang="en-US" sz="2800" kern="0" dirty="0">
+                <a:ln w="3175">
+                  <a:noFill/>
+                </a:ln>
+                <a:solidFill>
+                  <a:srgbClr val="FFFFFF"/>
+                </a:solidFill>
+                <a:latin typeface="Segoe UI"/>
+                <a:cs typeface="Segoe UI Semilight"/>
+              </a:rPr>
+              <a:t> </a:t>
+            </a:r>
+            <a:r>
+              <a:rPr lang="en-US" sz="2800" kern="0" dirty="0" err="1">
+                <a:ln w="3175">
+                  <a:noFill/>
+                </a:ln>
+                <a:solidFill>
+                  <a:srgbClr val="FFFFFF"/>
+                </a:solidFill>
+                <a:latin typeface="Segoe UI"/>
+                <a:cs typeface="Segoe UI Semilight"/>
+              </a:rPr>
+              <a:t>pentru</a:t>
+            </a:r>
+            <a:r>
+              <a:rPr lang="en-US" sz="2800" kern="0" dirty="0">
+                <a:ln w="3175">
+                  <a:noFill/>
+                </a:ln>
+                <a:solidFill>
+                  <a:srgbClr val="FFFFFF"/>
+                </a:solidFill>
+                <a:latin typeface="Segoe UI"/>
+                <a:cs typeface="Segoe UI Semilight"/>
+              </a:rPr>
+              <a:t> </a:t>
+            </a:r>
+            <a:r>
+              <a:rPr lang="en-US" sz="2800" kern="0" dirty="0" err="1">
+                <a:ln w="3175">
+                  <a:noFill/>
+                </a:ln>
+                <a:solidFill>
+                  <a:srgbClr val="FFFFFF"/>
+                </a:solidFill>
+                <a:latin typeface="Segoe UI"/>
+                <a:cs typeface="Segoe UI Semilight"/>
+              </a:rPr>
+              <a:t>testare</a:t>
             </a:r>
             <a:endParaRPr lang="en-US" sz="2800" kern="0" dirty="0">
               <a:ln w="3175">
@@ -7939,146 +8942,6 @@
           </a:p>
         </p:txBody>
       </p:sp>
-      <p:pic>
-        <p:nvPicPr>
-          <p:cNvPr id="6" name="Picture 6" descr="Cosmos DB - Wikipedia">
-            <a:extLst>
-              <a:ext uri="{FF2B5EF4-FFF2-40B4-BE49-F238E27FC236}">
-                <a16:creationId xmlns:a16="http://schemas.microsoft.com/office/drawing/2014/main" id="{C7FDCF18-D7BC-2F51-E682-5F79CA59C069}"/>
-              </a:ext>
-            </a:extLst>
-          </p:cNvPr>
-          <p:cNvPicPr>
-            <a:picLocks noChangeAspect="1" noChangeArrowheads="1"/>
-          </p:cNvPicPr>
-          <p:nvPr/>
-        </p:nvPicPr>
-        <p:blipFill>
-          <a:blip r:embed="rId6">
-            <a:extLst>
-              <a:ext uri="{28A0092B-C50C-407E-A947-70E740481C1C}">
-                <a14:useLocalDpi xmlns:a14="http://schemas.microsoft.com/office/drawing/2010/main" val="0"/>
-              </a:ext>
-            </a:extLst>
-          </a:blip>
-          <a:srcRect/>
-          <a:stretch>
-            <a:fillRect/>
-          </a:stretch>
-        </p:blipFill>
-        <p:spPr bwMode="auto">
-          <a:xfrm>
-            <a:off x="6389698" y="1200491"/>
-            <a:ext cx="1338633" cy="934836"/>
-          </a:xfrm>
-          <a:prstGeom prst="rect">
-            <a:avLst/>
-          </a:prstGeom>
-          <a:noFill/>
-          <a:extLst>
-            <a:ext uri="{909E8E84-426E-40DD-AFC4-6F175D3DCCD1}">
-              <a14:hiddenFill xmlns:a14="http://schemas.microsoft.com/office/drawing/2010/main">
-                <a:solidFill>
-                  <a:srgbClr val="FFFFFF"/>
-                </a:solidFill>
-              </a14:hiddenFill>
-            </a:ext>
-          </a:extLst>
-        </p:spPr>
-      </p:pic>
-      <p:sp>
-        <p:nvSpPr>
-          <p:cNvPr id="7" name="Arrow: Right 6">
-            <a:extLst>
-              <a:ext uri="{FF2B5EF4-FFF2-40B4-BE49-F238E27FC236}">
-                <a16:creationId xmlns:a16="http://schemas.microsoft.com/office/drawing/2014/main" id="{0D237837-CBFE-1CD8-4DA1-820D8609A9DF}"/>
-              </a:ext>
-            </a:extLst>
-          </p:cNvPr>
-          <p:cNvSpPr/>
-          <p:nvPr/>
-        </p:nvSpPr>
-        <p:spPr>
-          <a:xfrm rot="17792941">
-            <a:off x="6427745" y="2257155"/>
-            <a:ext cx="581397" cy="126352"/>
-          </a:xfrm>
-          <a:prstGeom prst="rightArrow">
-            <a:avLst/>
-          </a:prstGeom>
-        </p:spPr>
-        <p:style>
-          <a:lnRef idx="2">
-            <a:schemeClr val="accent2">
-              <a:shade val="15000"/>
-            </a:schemeClr>
-          </a:lnRef>
-          <a:fillRef idx="1">
-            <a:schemeClr val="accent2"/>
-          </a:fillRef>
-          <a:effectRef idx="0">
-            <a:schemeClr val="accent2"/>
-          </a:effectRef>
-          <a:fontRef idx="minor">
-            <a:schemeClr val="lt1"/>
-          </a:fontRef>
-        </p:style>
-        <p:txBody>
-          <a:bodyPr rtlCol="0" anchor="ctr"/>
-          <a:lstStyle/>
-          <a:p>
-            <a:pPr algn="ctr"/>
-            <a:endParaRPr lang="en-US"/>
-          </a:p>
-        </p:txBody>
-      </p:sp>
-      <p:pic>
-        <p:nvPicPr>
-          <p:cNvPr id="8" name="Picture 8" descr="Pricing - Container Registry | Microsoft Azure">
-            <a:extLst>
-              <a:ext uri="{FF2B5EF4-FFF2-40B4-BE49-F238E27FC236}">
-                <a16:creationId xmlns:a16="http://schemas.microsoft.com/office/drawing/2014/main" id="{9A90A509-EE5A-D7D3-2496-2BBEEAC7CEAE}"/>
-              </a:ext>
-            </a:extLst>
-          </p:cNvPr>
-          <p:cNvPicPr>
-            <a:picLocks noChangeAspect="1" noChangeArrowheads="1"/>
-          </p:cNvPicPr>
-          <p:nvPr/>
-        </p:nvPicPr>
-        <p:blipFill>
-          <a:blip r:embed="rId7">
-            <a:extLst>
-              <a:ext uri="{28A0092B-C50C-407E-A947-70E740481C1C}">
-                <a14:useLocalDpi xmlns:a14="http://schemas.microsoft.com/office/drawing/2010/main" val="0"/>
-              </a:ext>
-            </a:extLst>
-          </a:blip>
-          <a:srcRect/>
-          <a:stretch>
-            <a:fillRect/>
-          </a:stretch>
-        </p:blipFill>
-        <p:spPr bwMode="auto">
-          <a:xfrm>
-            <a:off x="8244322" y="1329265"/>
-            <a:ext cx="1338634" cy="702783"/>
-          </a:xfrm>
-          <a:prstGeom prst="rect">
-            <a:avLst/>
-          </a:prstGeom>
-          <a:noFill/>
-          <a:extLst>
-            <a:ext uri="{909E8E84-426E-40DD-AFC4-6F175D3DCCD1}">
-              <a14:hiddenFill xmlns:a14="http://schemas.microsoft.com/office/drawing/2010/main">
-                <a:solidFill>
-                  <a:srgbClr val="FFFFFF"/>
-                </a:solidFill>
-              </a14:hiddenFill>
-            </a:ext>
-          </a:extLst>
-        </p:spPr>
-      </p:pic>
       <p:sp>
         <p:nvSpPr>
           <p:cNvPr id="9" name="Arrow: Right 8">
@@ -8140,7 +9003,7 @@
           <p:nvPr/>
         </p:nvPicPr>
         <p:blipFill>
-          <a:blip r:embed="rId8">
+          <a:blip r:embed="rId6">
             <a:extLst>
               <a:ext uri="{28A0092B-C50C-407E-A947-70E740481C1C}">
                 <a14:useLocalDpi xmlns:a14="http://schemas.microsoft.com/office/drawing/2010/main" val="0"/>
@@ -8154,7 +9017,7 @@
         </p:blipFill>
         <p:spPr bwMode="auto">
           <a:xfrm>
-            <a:off x="10195795" y="2799563"/>
+            <a:off x="10545807" y="1111917"/>
             <a:ext cx="821960" cy="821960"/>
           </a:xfrm>
           <a:prstGeom prst="rect">
@@ -8186,7 +9049,7 @@
         </p:nvSpPr>
         <p:spPr>
           <a:xfrm>
-            <a:off x="9166839" y="3155434"/>
+            <a:off x="9448517" y="1474720"/>
             <a:ext cx="871640" cy="133046"/>
           </a:xfrm>
           <a:prstGeom prst="rightArrow">
@@ -8233,7 +9096,7 @@
           <p:nvPr/>
         </p:nvPicPr>
         <p:blipFill rotWithShape="1">
-          <a:blip r:embed="rId9">
+          <a:blip r:embed="rId7">
             <a:extLst>
               <a:ext uri="{28A0092B-C50C-407E-A947-70E740481C1C}">
                 <a14:useLocalDpi xmlns:a14="http://schemas.microsoft.com/office/drawing/2010/main" val="0"/>
@@ -8245,8 +9108,8 @@
         </p:blipFill>
         <p:spPr bwMode="auto">
           <a:xfrm>
-            <a:off x="8628497" y="4646123"/>
-            <a:ext cx="2592404" cy="832511"/>
+            <a:off x="9785097" y="2500931"/>
+            <a:ext cx="1795402" cy="576566"/>
           </a:xfrm>
           <a:prstGeom prst="rect">
             <a:avLst/>
@@ -8276,9 +9139,9 @@
           <p:nvPr/>
         </p:nvSpPr>
         <p:spPr>
-          <a:xfrm rot="17862432">
-            <a:off x="9849066" y="4041437"/>
-            <a:ext cx="871640" cy="133046"/>
+          <a:xfrm rot="16200000">
+            <a:off x="10774700" y="2176920"/>
+            <a:ext cx="550315" cy="105581"/>
           </a:xfrm>
           <a:prstGeom prst="rightArrow">
             <a:avLst/>
@@ -8309,12 +9172,59 @@
           </a:p>
         </p:txBody>
       </p:sp>
+      <p:pic>
+        <p:nvPicPr>
+          <p:cNvPr id="1026" name="Picture 2" descr="Check Docker Hub Limit · GitLab">
+            <a:extLst>
+              <a:ext uri="{FF2B5EF4-FFF2-40B4-BE49-F238E27FC236}">
+                <a16:creationId xmlns:a16="http://schemas.microsoft.com/office/drawing/2014/main" id="{23B403CC-820A-3928-02E7-2292E9B1660F}"/>
+              </a:ext>
+            </a:extLst>
+          </p:cNvPr>
+          <p:cNvPicPr>
+            <a:picLocks noChangeAspect="1" noChangeArrowheads="1"/>
+          </p:cNvPicPr>
+          <p:nvPr/>
+        </p:nvPicPr>
+        <p:blipFill>
+          <a:blip r:embed="rId8">
+            <a:extLst>
+              <a:ext uri="{28A0092B-C50C-407E-A947-70E740481C1C}">
+                <a14:useLocalDpi xmlns:a14="http://schemas.microsoft.com/office/drawing/2010/main" val="0"/>
+              </a:ext>
+            </a:extLst>
+          </a:blip>
+          <a:srcRect/>
+          <a:stretch>
+            <a:fillRect/>
+          </a:stretch>
+        </p:blipFill>
+        <p:spPr bwMode="auto">
+          <a:xfrm>
+            <a:off x="8264952" y="998987"/>
+            <a:ext cx="1236184" cy="985084"/>
+          </a:xfrm>
+          <a:prstGeom prst="rect">
+            <a:avLst/>
+          </a:prstGeom>
+          <a:noFill/>
+          <a:extLst>
+            <a:ext uri="{909E8E84-426E-40DD-AFC4-6F175D3DCCD1}">
+              <a14:hiddenFill xmlns:a14="http://schemas.microsoft.com/office/drawing/2010/main">
+                <a:solidFill>
+                  <a:srgbClr val="FFFFFF"/>
+                </a:solidFill>
+              </a14:hiddenFill>
+            </a:ext>
+          </a:extLst>
+        </p:spPr>
+      </p:pic>
       <p:sp>
         <p:nvSpPr>
-          <p:cNvPr id="14" name="Star: 5 Points 13">
+          <p:cNvPr id="15" name="Arrow: Right 14">
             <a:extLst>
               <a:ext uri="{FF2B5EF4-FFF2-40B4-BE49-F238E27FC236}">
-                <a16:creationId xmlns:a16="http://schemas.microsoft.com/office/drawing/2014/main" id="{4A9A24BD-66BE-079E-6A65-A1A5427DD31B}"/>
+                <a16:creationId xmlns:a16="http://schemas.microsoft.com/office/drawing/2014/main" id="{065CBF29-4E90-C423-7AD2-CC37F1D3FF29}"/>
               </a:ext>
             </a:extLst>
           </p:cNvPr>
@@ -8322,25 +9232,118 @@
           <p:nvPr/>
         </p:nvSpPr>
         <p:spPr>
-          <a:xfrm>
-            <a:off x="10873866" y="4455712"/>
-            <a:ext cx="143889" cy="129718"/>
+          <a:xfrm rot="3496133">
+            <a:off x="8537605" y="2876847"/>
+            <a:ext cx="2030201" cy="104352"/>
           </a:xfrm>
-          <a:prstGeom prst="star5">
+          <a:prstGeom prst="rightArrow">
             <a:avLst/>
           </a:prstGeom>
         </p:spPr>
         <p:style>
           <a:lnRef idx="2">
-            <a:schemeClr val="dk1">
+            <a:schemeClr val="accent2">
               <a:shade val="15000"/>
             </a:schemeClr>
           </a:lnRef>
           <a:fillRef idx="1">
-            <a:schemeClr val="dk1"/>
+            <a:schemeClr val="accent2"/>
           </a:fillRef>
           <a:effectRef idx="0">
-            <a:schemeClr val="dk1"/>
+            <a:schemeClr val="accent2"/>
+          </a:effectRef>
+          <a:fontRef idx="minor">
+            <a:schemeClr val="lt1"/>
+          </a:fontRef>
+        </p:style>
+        <p:txBody>
+          <a:bodyPr rtlCol="0" anchor="ctr"/>
+          <a:lstStyle/>
+          <a:p>
+            <a:pPr algn="ctr"/>
+            <a:endParaRPr lang="en-US"/>
+          </a:p>
+        </p:txBody>
+      </p:sp>
+      <p:pic>
+        <p:nvPicPr>
+          <p:cNvPr id="1028" name="Picture 4" descr="kind">
+            <a:extLst>
+              <a:ext uri="{FF2B5EF4-FFF2-40B4-BE49-F238E27FC236}">
+                <a16:creationId xmlns:a16="http://schemas.microsoft.com/office/drawing/2014/main" id="{6FDD38E5-103D-F2CC-0C49-203348DC4549}"/>
+              </a:ext>
+            </a:extLst>
+          </p:cNvPr>
+          <p:cNvPicPr>
+            <a:picLocks noChangeAspect="1" noChangeArrowheads="1"/>
+          </p:cNvPicPr>
+          <p:nvPr/>
+        </p:nvPicPr>
+        <p:blipFill>
+          <a:blip r:embed="rId9">
+            <a:extLst>
+              <a:ext uri="{28A0092B-C50C-407E-A947-70E740481C1C}">
+                <a14:useLocalDpi xmlns:a14="http://schemas.microsoft.com/office/drawing/2010/main" val="0"/>
+              </a:ext>
+            </a:extLst>
+          </a:blip>
+          <a:srcRect/>
+          <a:stretch>
+            <a:fillRect/>
+          </a:stretch>
+        </p:blipFill>
+        <p:spPr bwMode="auto">
+          <a:xfrm>
+            <a:off x="10115221" y="4171198"/>
+            <a:ext cx="1683131" cy="1013373"/>
+          </a:xfrm>
+          <a:prstGeom prst="rect">
+            <a:avLst/>
+          </a:prstGeom>
+          <a:noFill/>
+          <a:extLst>
+            <a:ext uri="{909E8E84-426E-40DD-AFC4-6F175D3DCCD1}">
+              <a14:hiddenFill xmlns:a14="http://schemas.microsoft.com/office/drawing/2010/main">
+                <a:solidFill>
+                  <a:srgbClr val="FFFFFF"/>
+                </a:solidFill>
+              </a14:hiddenFill>
+            </a:ext>
+          </a:extLst>
+        </p:spPr>
+      </p:pic>
+      <p:sp>
+        <p:nvSpPr>
+          <p:cNvPr id="16" name="Arrow: Right 15">
+            <a:extLst>
+              <a:ext uri="{FF2B5EF4-FFF2-40B4-BE49-F238E27FC236}">
+                <a16:creationId xmlns:a16="http://schemas.microsoft.com/office/drawing/2014/main" id="{5CFF0C99-5734-44BE-BDBA-0F61A7EC7489}"/>
+              </a:ext>
+            </a:extLst>
+          </p:cNvPr>
+          <p:cNvSpPr/>
+          <p:nvPr/>
+        </p:nvSpPr>
+        <p:spPr>
+          <a:xfrm rot="5400000">
+            <a:off x="10564024" y="3417131"/>
+            <a:ext cx="646326" cy="159079"/>
+          </a:xfrm>
+          <a:prstGeom prst="rightArrow">
+            <a:avLst/>
+          </a:prstGeom>
+        </p:spPr>
+        <p:style>
+          <a:lnRef idx="2">
+            <a:schemeClr val="accent2">
+              <a:shade val="15000"/>
+            </a:schemeClr>
+          </a:lnRef>
+          <a:fillRef idx="1">
+            <a:schemeClr val="accent2"/>
+          </a:fillRef>
+          <a:effectRef idx="0">
+            <a:schemeClr val="accent2"/>
           </a:effectRef>
           <a:fontRef idx="minor">
             <a:schemeClr val="lt1"/>
@@ -8452,13 +9455,91 @@
                 </a:solidFill>
                 <a:cs typeface="Segoe UI Semilight" panose="020B0402040204020203" pitchFamily="34" charset="0"/>
               </a:rPr>
-              <a:t>Azure Kubernetes Service (AKS)</a:t>
-            </a:r>
-          </a:p>
-          <a:p>
-            <a:pPr marL="514284" indent="-342900" algn="just" defTabSz="914049">
-              <a:buFont typeface="Wingdings" panose="05000000000000000000" pitchFamily="2" charset="2"/>
-              <a:buChar char="§"/>
+              <a:t>Teste de </a:t>
+            </a:r>
+            <a:r>
+              <a:rPr lang="en-US" sz="2600" dirty="0" err="1">
+                <a:solidFill>
+                  <a:prstClr val="black"/>
+                </a:solidFill>
+                <a:cs typeface="Segoe UI Semilight" panose="020B0402040204020203" pitchFamily="34" charset="0"/>
+              </a:rPr>
+              <a:t>performanta</a:t>
+            </a:r>
+            <a:r>
+              <a:rPr lang="en-US" sz="2600" dirty="0">
+                <a:solidFill>
+                  <a:prstClr val="black"/>
+                </a:solidFill>
+                <a:cs typeface="Segoe UI Semilight" panose="020B0402040204020203" pitchFamily="34" charset="0"/>
+              </a:rPr>
+              <a:t> =&gt; </a:t>
+            </a:r>
+            <a:r>
+              <a:rPr lang="en-US" sz="2600" dirty="0" err="1">
+                <a:solidFill>
+                  <a:prstClr val="black"/>
+                </a:solidFill>
+                <a:cs typeface="Segoe UI Semilight" panose="020B0402040204020203" pitchFamily="34" charset="0"/>
+              </a:rPr>
+              <a:t>capacitatea</a:t>
+            </a:r>
+            <a:r>
+              <a:rPr lang="en-US" sz="2600" dirty="0">
+                <a:solidFill>
+                  <a:prstClr val="black"/>
+                </a:solidFill>
+                <a:cs typeface="Segoe UI Semilight" panose="020B0402040204020203" pitchFamily="34" charset="0"/>
+              </a:rPr>
+              <a:t> de a </a:t>
+            </a:r>
+            <a:r>
+              <a:rPr lang="en-US" sz="2600" dirty="0" err="1">
+                <a:solidFill>
+                  <a:prstClr val="black"/>
+                </a:solidFill>
+                <a:cs typeface="Segoe UI Semilight" panose="020B0402040204020203" pitchFamily="34" charset="0"/>
+              </a:rPr>
+              <a:t>gestiona</a:t>
+            </a:r>
+            <a:endParaRPr lang="en-US" sz="2600" dirty="0">
+              <a:solidFill>
+                <a:prstClr val="black"/>
+              </a:solidFill>
+              <a:cs typeface="Segoe UI Semilight" panose="020B0402040204020203" pitchFamily="34" charset="0"/>
+            </a:endParaRPr>
+          </a:p>
+          <a:p>
+            <a:pPr marL="171384" algn="just" defTabSz="914049">
+              <a:defRPr/>
+            </a:pPr>
+            <a:r>
+              <a:rPr lang="en-US" sz="2600" dirty="0">
+                <a:solidFill>
+                  <a:prstClr val="black"/>
+                </a:solidFill>
+                <a:cs typeface="Segoe UI Semilight" panose="020B0402040204020203" pitchFamily="34" charset="0"/>
+              </a:rPr>
+              <a:t>		multi </a:t>
+            </a:r>
+            <a:r>
+              <a:rPr lang="en-US" sz="2600" dirty="0" err="1">
+                <a:solidFill>
+                  <a:prstClr val="black"/>
+                </a:solidFill>
+                <a:cs typeface="Segoe UI Semilight" panose="020B0402040204020203" pitchFamily="34" charset="0"/>
+              </a:rPr>
+              <a:t>utilizatori</a:t>
+            </a:r>
+            <a:endParaRPr lang="en-US" sz="2600" dirty="0">
+              <a:solidFill>
+                <a:prstClr val="black"/>
+              </a:solidFill>
+              <a:cs typeface="Segoe UI Semilight" panose="020B0402040204020203" pitchFamily="34" charset="0"/>
+            </a:endParaRPr>
+          </a:p>
+          <a:p>
+            <a:pPr marL="171384" algn="just" defTabSz="914049">
               <a:defRPr/>
             </a:pPr>
             <a:endParaRPr lang="en-US" sz="2600" dirty="0">
@@ -8474,19 +9555,15 @@
               <a:buChar char="§"/>
               <a:defRPr/>
             </a:pPr>
-            <a:endParaRPr lang="en-US" sz="2600" dirty="0">
-              <a:solidFill>
-                <a:prstClr val="black"/>
-              </a:solidFill>
-              <a:cs typeface="Segoe UI Semilight" panose="020B0402040204020203" pitchFamily="34" charset="0"/>
-            </a:endParaRPr>
-          </a:p>
-          <a:p>
-            <a:pPr marL="514284" indent="-342900" algn="just" defTabSz="914049">
-              <a:buFont typeface="Wingdings" panose="05000000000000000000" pitchFamily="2" charset="2"/>
-              <a:buChar char="§"/>
-              <a:defRPr/>
-            </a:pPr>
+            <a:r>
+              <a:rPr lang="en-US" sz="2600" dirty="0" err="1">
+                <a:solidFill>
+                  <a:prstClr val="black"/>
+                </a:solidFill>
+                <a:cs typeface="Segoe UI Semilight" panose="020B0402040204020203" pitchFamily="34" charset="0"/>
+              </a:rPr>
+              <a:t>Complexitate</a:t>
+            </a:r>
             <a:r>
               <a:rPr lang="en-US" sz="2600" dirty="0">
                 <a:solidFill>
@@ -8494,13 +9571,29 @@
                 </a:solidFill>
                 <a:cs typeface="Segoe UI Semilight" panose="020B0402040204020203" pitchFamily="34" charset="0"/>
               </a:rPr>
-              <a:t>Azure Cosmos DB</a:t>
-            </a:r>
-          </a:p>
-          <a:p>
-            <a:pPr marL="514284" indent="-342900" algn="just" defTabSz="914049">
-              <a:buFont typeface="Wingdings" panose="05000000000000000000" pitchFamily="2" charset="2"/>
-              <a:buChar char="§"/>
+              <a:t> </a:t>
+            </a:r>
+            <a:r>
+              <a:rPr lang="en-US" sz="2600" dirty="0" err="1">
+                <a:solidFill>
+                  <a:prstClr val="black"/>
+                </a:solidFill>
+                <a:cs typeface="Segoe UI Semilight" panose="020B0402040204020203" pitchFamily="34" charset="0"/>
+              </a:rPr>
+              <a:t>computationala</a:t>
+            </a:r>
+            <a:r>
+              <a:rPr lang="en-US" sz="2600" dirty="0">
+                <a:solidFill>
+                  <a:prstClr val="black"/>
+                </a:solidFill>
+                <a:cs typeface="Segoe UI Semilight" panose="020B0402040204020203" pitchFamily="34" charset="0"/>
+              </a:rPr>
+              <a:t> =&gt; container failures</a:t>
+            </a:r>
+          </a:p>
+          <a:p>
+            <a:pPr marL="171384" algn="just" defTabSz="914049">
               <a:defRPr/>
             </a:pPr>
             <a:endParaRPr lang="en-US" sz="2600" dirty="0">
@@ -8516,6 +9609,69 @@
               <a:buChar char="§"/>
               <a:defRPr/>
             </a:pPr>
+            <a:r>
+              <a:rPr lang="en-US" sz="2600" dirty="0" err="1">
+                <a:solidFill>
+                  <a:prstClr val="black"/>
+                </a:solidFill>
+                <a:cs typeface="Segoe UI Semilight" panose="020B0402040204020203" pitchFamily="34" charset="0"/>
+              </a:rPr>
+              <a:t>Fiecare</a:t>
+            </a:r>
+            <a:r>
+              <a:rPr lang="en-US" sz="2600" dirty="0">
+                <a:solidFill>
+                  <a:prstClr val="black"/>
+                </a:solidFill>
+                <a:cs typeface="Segoe UI Semilight" panose="020B0402040204020203" pitchFamily="34" charset="0"/>
+              </a:rPr>
+              <a:t> user = thread, </a:t>
+            </a:r>
+            <a:r>
+              <a:rPr lang="en-US" sz="2600" dirty="0" err="1">
+                <a:solidFill>
+                  <a:prstClr val="black"/>
+                </a:solidFill>
+                <a:cs typeface="Segoe UI Semilight" panose="020B0402040204020203" pitchFamily="34" charset="0"/>
+              </a:rPr>
+              <a:t>deci</a:t>
+            </a:r>
+            <a:r>
+              <a:rPr lang="en-US" sz="2600" dirty="0">
+                <a:solidFill>
+                  <a:prstClr val="black"/>
+                </a:solidFill>
+                <a:cs typeface="Segoe UI Semilight" panose="020B0402040204020203" pitchFamily="34" charset="0"/>
+              </a:rPr>
+              <a:t> </a:t>
+            </a:r>
+            <a:r>
+              <a:rPr lang="en-US" sz="2600" dirty="0" err="1">
+                <a:solidFill>
+                  <a:prstClr val="black"/>
+                </a:solidFill>
+                <a:cs typeface="Segoe UI Semilight" panose="020B0402040204020203" pitchFamily="34" charset="0"/>
+              </a:rPr>
+              <a:t>este</a:t>
+            </a:r>
+            <a:r>
+              <a:rPr lang="en-US" sz="2600" dirty="0">
+                <a:solidFill>
+                  <a:prstClr val="black"/>
+                </a:solidFill>
+                <a:cs typeface="Segoe UI Semilight" panose="020B0402040204020203" pitchFamily="34" charset="0"/>
+              </a:rPr>
+              <a:t> </a:t>
+            </a:r>
+            <a:r>
+              <a:rPr lang="en-US" sz="2600" dirty="0" err="1">
+                <a:solidFill>
+                  <a:prstClr val="black"/>
+                </a:solidFill>
+                <a:cs typeface="Segoe UI Semilight" panose="020B0402040204020203" pitchFamily="34" charset="0"/>
+              </a:rPr>
+              <a:t>limitat</a:t>
+            </a:r>
             <a:endParaRPr lang="en-US" sz="2600" dirty="0">
               <a:solidFill>
                 <a:prstClr val="black"/>
@@ -8524,20 +9680,131 @@
             </a:endParaRPr>
           </a:p>
           <a:p>
+            <a:pPr marL="171384" algn="just" defTabSz="914049">
+              <a:defRPr/>
+            </a:pPr>
+            <a:r>
+              <a:rPr lang="en-US" sz="2600" dirty="0">
+                <a:solidFill>
+                  <a:prstClr val="black"/>
+                </a:solidFill>
+                <a:cs typeface="Segoe UI Semilight" panose="020B0402040204020203" pitchFamily="34" charset="0"/>
+              </a:rPr>
+              <a:t>		de </a:t>
+            </a:r>
+            <a:r>
+              <a:rPr lang="en-US" sz="2600" dirty="0" err="1">
+                <a:solidFill>
+                  <a:prstClr val="black"/>
+                </a:solidFill>
+                <a:cs typeface="Segoe UI Semilight" panose="020B0402040204020203" pitchFamily="34" charset="0"/>
+              </a:rPr>
+              <a:t>masina</a:t>
+            </a:r>
+            <a:r>
+              <a:rPr lang="en-US" sz="2600" dirty="0">
+                <a:solidFill>
+                  <a:prstClr val="black"/>
+                </a:solidFill>
+                <a:cs typeface="Segoe UI Semilight" panose="020B0402040204020203" pitchFamily="34" charset="0"/>
+              </a:rPr>
+              <a:t> pe care </a:t>
+            </a:r>
+            <a:r>
+              <a:rPr lang="en-US" sz="2600" dirty="0" err="1">
+                <a:solidFill>
+                  <a:prstClr val="black"/>
+                </a:solidFill>
+                <a:cs typeface="Segoe UI Semilight" panose="020B0402040204020203" pitchFamily="34" charset="0"/>
+              </a:rPr>
+              <a:t>ruleaza</a:t>
+            </a:r>
+            <a:endParaRPr lang="en-US" sz="2600" dirty="0">
+              <a:solidFill>
+                <a:prstClr val="black"/>
+              </a:solidFill>
+              <a:cs typeface="Segoe UI Semilight" panose="020B0402040204020203" pitchFamily="34" charset="0"/>
+            </a:endParaRPr>
+          </a:p>
+          <a:p>
+            <a:pPr marL="171384" algn="just" defTabSz="914049">
+              <a:defRPr/>
+            </a:pPr>
+            <a:endParaRPr lang="en-US" sz="2600" dirty="0">
+              <a:solidFill>
+                <a:prstClr val="black"/>
+              </a:solidFill>
+              <a:cs typeface="Segoe UI Semilight" panose="020B0402040204020203" pitchFamily="34" charset="0"/>
+            </a:endParaRPr>
+          </a:p>
+          <a:p>
+            <a:pPr marL="171384" algn="just" defTabSz="914049">
+              <a:defRPr/>
+            </a:pPr>
+            <a:endParaRPr lang="en-US" sz="2600" dirty="0">
+              <a:solidFill>
+                <a:prstClr val="black"/>
+              </a:solidFill>
+              <a:cs typeface="Segoe UI Semilight" panose="020B0402040204020203" pitchFamily="34" charset="0"/>
+            </a:endParaRPr>
+          </a:p>
+          <a:p>
             <a:pPr marL="514284" indent="-342900" algn="just" defTabSz="914049">
               <a:buFont typeface="Wingdings" panose="05000000000000000000" pitchFamily="2" charset="2"/>
               <a:buChar char="§"/>
               <a:defRPr/>
             </a:pPr>
             <a:r>
+              <a:rPr lang="en-US" sz="2600" dirty="0" err="1">
+                <a:solidFill>
+                  <a:prstClr val="black"/>
+                </a:solidFill>
+                <a:cs typeface="Segoe UI Semilight" panose="020B0402040204020203" pitchFamily="34" charset="0"/>
+              </a:rPr>
+              <a:t>Conteaza”locul</a:t>
+            </a:r>
+            <a:r>
               <a:rPr lang="en-US" sz="2600" dirty="0">
                 <a:solidFill>
                   <a:prstClr val="black"/>
                 </a:solidFill>
                 <a:cs typeface="Segoe UI Semilight" panose="020B0402040204020203" pitchFamily="34" charset="0"/>
               </a:rPr>
-              <a:t>Azure Container Registry (ACR)</a:t>
-            </a:r>
+              <a:t>” </a:t>
+            </a:r>
+            <a:r>
+              <a:rPr lang="en-US" sz="2600" dirty="0" err="1">
+                <a:solidFill>
+                  <a:prstClr val="black"/>
+                </a:solidFill>
+                <a:cs typeface="Segoe UI Semilight" panose="020B0402040204020203" pitchFamily="34" charset="0"/>
+              </a:rPr>
+              <a:t>unde</a:t>
+            </a:r>
+            <a:r>
+              <a:rPr lang="en-US" sz="2600" dirty="0">
+                <a:solidFill>
+                  <a:prstClr val="black"/>
+                </a:solidFill>
+                <a:cs typeface="Segoe UI Semilight" panose="020B0402040204020203" pitchFamily="34" charset="0"/>
+              </a:rPr>
+              <a:t> </a:t>
+            </a:r>
+            <a:r>
+              <a:rPr lang="en-US" sz="2600" dirty="0" err="1">
+                <a:solidFill>
+                  <a:prstClr val="black"/>
+                </a:solidFill>
+                <a:cs typeface="Segoe UI Semilight" panose="020B0402040204020203" pitchFamily="34" charset="0"/>
+              </a:rPr>
+              <a:t>ruleaza</a:t>
+            </a:r>
+            <a:endParaRPr lang="en-US" sz="2600" dirty="0">
+              <a:solidFill>
+                <a:prstClr val="black"/>
+              </a:solidFill>
+              <a:cs typeface="Segoe UI Semilight" panose="020B0402040204020203" pitchFamily="34" charset="0"/>
+            </a:endParaRPr>
           </a:p>
           <a:p>
             <a:pPr marL="514284" indent="-342900" algn="just" defTabSz="914049">
@@ -8604,6 +9871,19 @@
               </a:spcAft>
             </a:pPr>
             <a:r>
+              <a:rPr lang="en-US" sz="2800" kern="0" dirty="0">
+                <a:ln w="3175">
+                  <a:noFill/>
+                </a:ln>
+                <a:solidFill>
+                  <a:srgbClr val="FFFFFF"/>
+                </a:solidFill>
+                <a:latin typeface="Segoe UI"/>
+                <a:cs typeface="Segoe UI Semilight"/>
+              </a:rPr>
+              <a:t>Teste de </a:t>
+            </a:r>
+            <a:r>
               <a:rPr lang="en-US" sz="2800" kern="0" dirty="0" err="1">
                 <a:ln w="3175">
                   <a:noFill/>
@@ -8614,7 +9894,7 @@
                 <a:latin typeface="Segoe UI"/>
                 <a:cs typeface="Segoe UI Semilight"/>
               </a:rPr>
-              <a:t>Solutii</a:t>
+              <a:t>performanta</a:t>
             </a:r>
             <a:r>
               <a:rPr lang="en-US" sz="2800" kern="0" dirty="0">
@@ -8627,40 +9907,62 @@
                 <a:latin typeface="Segoe UI"/>
                 <a:cs typeface="Segoe UI Semilight"/>
               </a:rPr>
-              <a:t> Azure </a:t>
-            </a:r>
-            <a:r>
-              <a:rPr lang="en-US" sz="2800" kern="0" dirty="0" err="1">
-                <a:ln w="3175">
-                  <a:noFill/>
-                </a:ln>
-                <a:solidFill>
-                  <a:srgbClr val="FFFFFF"/>
-                </a:solidFill>
-                <a:latin typeface="Segoe UI"/>
-                <a:cs typeface="Segoe UI Semilight"/>
-              </a:rPr>
-              <a:t>folosite</a:t>
-            </a:r>
-            <a:endParaRPr lang="en-US" sz="2800" kern="0" dirty="0">
-              <a:ln w="3175">
-                <a:noFill/>
-              </a:ln>
-              <a:solidFill>
-                <a:srgbClr val="FFFFFF"/>
-              </a:solidFill>
-              <a:latin typeface="Segoe UI"/>
-              <a:cs typeface="Segoe UI Semilight"/>
-            </a:endParaRPr>
+              <a:t> JMeter</a:t>
+            </a:r>
           </a:p>
         </p:txBody>
       </p:sp>
       <p:pic>
         <p:nvPicPr>
-          <p:cNvPr id="1026" name="Picture 2" descr="Pricing - Azure Kubernetes Service (AKS) | Microsoft Azure">
+          <p:cNvPr id="2" name="Picture 12" descr="JMeter - Guides">
             <a:extLst>
               <a:ext uri="{FF2B5EF4-FFF2-40B4-BE49-F238E27FC236}">
-                <a16:creationId xmlns:a16="http://schemas.microsoft.com/office/drawing/2014/main" id="{7AE01093-09AD-E393-9C1A-1B7242A2F92E}"/>
+                <a16:creationId xmlns:a16="http://schemas.microsoft.com/office/drawing/2014/main" id="{EAA363F0-18BC-2770-F32E-81ABE83BE99C}"/>
+              </a:ext>
+            </a:extLst>
+          </p:cNvPr>
+          <p:cNvPicPr>
+            <a:picLocks noChangeAspect="1" noChangeArrowheads="1"/>
+          </p:cNvPicPr>
+          <p:nvPr/>
+        </p:nvPicPr>
+        <p:blipFill rotWithShape="1">
+          <a:blip r:embed="rId3">
+            <a:extLst>
+              <a:ext uri="{28A0092B-C50C-407E-A947-70E740481C1C}">
+                <a14:useLocalDpi xmlns:a14="http://schemas.microsoft.com/office/drawing/2010/main" val="0"/>
+              </a:ext>
+            </a:extLst>
+          </a:blip>
+          <a:srcRect l="13424" r="38828"/>
+          <a:stretch/>
+        </p:blipFill>
+        <p:spPr bwMode="auto">
+          <a:xfrm>
+            <a:off x="8229600" y="1055588"/>
+            <a:ext cx="3223079" cy="1035043"/>
+          </a:xfrm>
+          <a:prstGeom prst="rect">
+            <a:avLst/>
+          </a:prstGeom>
+          <a:noFill/>
+          <a:extLst>
+            <a:ext uri="{909E8E84-426E-40DD-AFC4-6F175D3DCCD1}">
+              <a14:hiddenFill xmlns:a14="http://schemas.microsoft.com/office/drawing/2010/main">
+                <a:solidFill>
+                  <a:srgbClr val="FFFFFF"/>
+                </a:solidFill>
+              </a14:hiddenFill>
+            </a:ext>
+          </a:extLst>
+        </p:spPr>
+      </p:pic>
+      <p:pic>
+        <p:nvPicPr>
+          <p:cNvPr id="2050" name="Picture 2">
+            <a:extLst>
+              <a:ext uri="{FF2B5EF4-FFF2-40B4-BE49-F238E27FC236}">
+                <a16:creationId xmlns:a16="http://schemas.microsoft.com/office/drawing/2014/main" id="{EE02A574-F851-7D6E-8E35-F7434036AC62}"/>
               </a:ext>
             </a:extLst>
           </p:cNvPr>
@@ -8670,7 +9972,7 @@
           <p:nvPr/>
         </p:nvPicPr>
         <p:blipFill>
-          <a:blip r:embed="rId3">
+          <a:blip r:embed="rId4">
             <a:extLst>
               <a:ext uri="{28A0092B-C50C-407E-A947-70E740481C1C}">
                 <a14:useLocalDpi xmlns:a14="http://schemas.microsoft.com/office/drawing/2010/main" val="0"/>
@@ -8684,102 +9986,8 @@
         </p:blipFill>
         <p:spPr bwMode="auto">
           <a:xfrm>
-            <a:off x="6292647" y="970781"/>
-            <a:ext cx="1150374" cy="1150374"/>
-          </a:xfrm>
-          <a:prstGeom prst="rect">
-            <a:avLst/>
-          </a:prstGeom>
-          <a:noFill/>
-          <a:extLst>
-            <a:ext uri="{909E8E84-426E-40DD-AFC4-6F175D3DCCD1}">
-              <a14:hiddenFill xmlns:a14="http://schemas.microsoft.com/office/drawing/2010/main">
-                <a:solidFill>
-                  <a:srgbClr val="FFFFFF"/>
-                </a:solidFill>
-              </a14:hiddenFill>
-            </a:ext>
-          </a:extLst>
-        </p:spPr>
-      </p:pic>
-      <p:pic>
-        <p:nvPicPr>
-          <p:cNvPr id="1030" name="Picture 6" descr="Cosmos DB - Wikipedia">
-            <a:extLst>
-              <a:ext uri="{FF2B5EF4-FFF2-40B4-BE49-F238E27FC236}">
-                <a16:creationId xmlns:a16="http://schemas.microsoft.com/office/drawing/2014/main" id="{88629E01-C908-AAF0-5D71-EB6D95B98BF6}"/>
-              </a:ext>
-            </a:extLst>
-          </p:cNvPr>
-          <p:cNvPicPr>
-            <a:picLocks noChangeAspect="1" noChangeArrowheads="1"/>
-          </p:cNvPicPr>
-          <p:nvPr/>
-        </p:nvPicPr>
-        <p:blipFill>
-          <a:blip r:embed="rId4">
-            <a:extLst>
-              <a:ext uri="{28A0092B-C50C-407E-A947-70E740481C1C}">
-                <a14:useLocalDpi xmlns:a14="http://schemas.microsoft.com/office/drawing/2010/main" val="0"/>
-              </a:ext>
-            </a:extLst>
-          </a:blip>
-          <a:srcRect/>
-          <a:stretch>
-            <a:fillRect/>
-          </a:stretch>
-        </p:blipFill>
-        <p:spPr bwMode="auto">
-          <a:xfrm>
-            <a:off x="4498006" y="2121155"/>
-            <a:ext cx="1597994" cy="1115961"/>
-          </a:xfrm>
-          <a:prstGeom prst="rect">
-            <a:avLst/>
-          </a:prstGeom>
-          <a:noFill/>
-          <a:extLst>
-            <a:ext uri="{909E8E84-426E-40DD-AFC4-6F175D3DCCD1}">
-              <a14:hiddenFill xmlns:a14="http://schemas.microsoft.com/office/drawing/2010/main">
-                <a:solidFill>
-                  <a:srgbClr val="FFFFFF"/>
-                </a:solidFill>
-              </a14:hiddenFill>
-            </a:ext>
-          </a:extLst>
-        </p:spPr>
-      </p:pic>
-      <p:pic>
-        <p:nvPicPr>
-          <p:cNvPr id="1032" name="Picture 8" descr="Pricing - Container Registry | Microsoft Azure">
-            <a:extLst>
-              <a:ext uri="{FF2B5EF4-FFF2-40B4-BE49-F238E27FC236}">
-                <a16:creationId xmlns:a16="http://schemas.microsoft.com/office/drawing/2014/main" id="{FB77A3D5-643E-1248-6853-7E82A8AC1A24}"/>
-              </a:ext>
-            </a:extLst>
-          </p:cNvPr>
-          <p:cNvPicPr>
-            <a:picLocks noChangeAspect="1" noChangeArrowheads="1"/>
-          </p:cNvPicPr>
-          <p:nvPr/>
-        </p:nvPicPr>
-        <p:blipFill>
-          <a:blip r:embed="rId5">
-            <a:extLst>
-              <a:ext uri="{28A0092B-C50C-407E-A947-70E740481C1C}">
-                <a14:useLocalDpi xmlns:a14="http://schemas.microsoft.com/office/drawing/2010/main" val="0"/>
-              </a:ext>
-            </a:extLst>
-          </a:blip>
-          <a:srcRect/>
-          <a:stretch>
-            <a:fillRect/>
-          </a:stretch>
-        </p:blipFill>
-        <p:spPr bwMode="auto">
-          <a:xfrm>
-            <a:off x="5765390" y="3429000"/>
-            <a:ext cx="1747861" cy="917627"/>
+            <a:off x="6980903" y="2978113"/>
+            <a:ext cx="4758813" cy="2824299"/>
           </a:xfrm>
           <a:prstGeom prst="rect">
             <a:avLst/>
@@ -8942,6 +10150,224 @@
               <a:t> </a:t>
             </a:r>
             <a:r>
+              <a:rPr kumimoji="0" lang="en-US" sz="2000" b="0" i="0" u="none" strike="noStrike" kern="1200" cap="none" spc="0" normalizeH="0" baseline="0" noProof="0" dirty="0" err="1">
+                <a:ln>
+                  <a:noFill/>
+                </a:ln>
+                <a:solidFill>
+                  <a:prstClr val="black"/>
+                </a:solidFill>
+                <a:effectLst/>
+                <a:uLnTx/>
+                <a:uFillTx/>
+                <a:latin typeface="Aptos" panose="02110004020202020204"/>
+                <a:ea typeface="+mn-ea"/>
+                <a:cs typeface="Segoe UI Semilight" panose="020B0402040204020203" pitchFamily="34" charset="0"/>
+              </a:rPr>
+              <a:t>Serviciu</a:t>
+            </a:r>
+            <a:r>
+              <a:rPr kumimoji="0" lang="en-US" sz="2000" b="0" i="0" u="none" strike="noStrike" kern="1200" cap="none" spc="0" normalizeH="0" baseline="0" noProof="0" dirty="0">
+                <a:ln>
+                  <a:noFill/>
+                </a:ln>
+                <a:solidFill>
+                  <a:prstClr val="black"/>
+                </a:solidFill>
+                <a:effectLst/>
+                <a:uLnTx/>
+                <a:uFillTx/>
+                <a:latin typeface="Aptos" panose="02110004020202020204"/>
+                <a:ea typeface="+mn-ea"/>
+                <a:cs typeface="Segoe UI Semilight" panose="020B0402040204020203" pitchFamily="34" charset="0"/>
+              </a:rPr>
+              <a:t> Azure </a:t>
+            </a:r>
+            <a:r>
+              <a:rPr kumimoji="0" lang="en-US" sz="2000" b="0" i="0" u="none" strike="noStrike" kern="1200" cap="none" spc="0" normalizeH="0" baseline="0" noProof="0" dirty="0" err="1">
+                <a:ln>
+                  <a:noFill/>
+                </a:ln>
+                <a:solidFill>
+                  <a:prstClr val="black"/>
+                </a:solidFill>
+                <a:effectLst/>
+                <a:uLnTx/>
+                <a:uFillTx/>
+                <a:latin typeface="Aptos" panose="02110004020202020204"/>
+                <a:ea typeface="+mn-ea"/>
+                <a:cs typeface="Segoe UI Semilight" panose="020B0402040204020203" pitchFamily="34" charset="0"/>
+              </a:rPr>
+              <a:t>pentru</a:t>
+            </a:r>
+            <a:r>
+              <a:rPr kumimoji="0" lang="en-US" sz="2000" b="0" i="0" u="none" strike="noStrike" kern="1200" cap="none" spc="0" normalizeH="0" baseline="0" noProof="0" dirty="0">
+                <a:ln>
+                  <a:noFill/>
+                </a:ln>
+                <a:solidFill>
+                  <a:prstClr val="black"/>
+                </a:solidFill>
+                <a:effectLst/>
+                <a:uLnTx/>
+                <a:uFillTx/>
+                <a:latin typeface="Aptos" panose="02110004020202020204"/>
+                <a:ea typeface="+mn-ea"/>
+                <a:cs typeface="Segoe UI Semilight" panose="020B0402040204020203" pitchFamily="34" charset="0"/>
+              </a:rPr>
+              <a:t> </a:t>
+            </a:r>
+            <a:r>
+              <a:rPr kumimoji="0" lang="en-US" sz="2000" b="0" i="0" u="none" strike="noStrike" kern="1200" cap="none" spc="0" normalizeH="0" baseline="0" noProof="0" dirty="0" err="1">
+                <a:ln>
+                  <a:noFill/>
+                </a:ln>
+                <a:solidFill>
+                  <a:prstClr val="black"/>
+                </a:solidFill>
+                <a:effectLst/>
+                <a:uLnTx/>
+                <a:uFillTx/>
+                <a:latin typeface="Aptos" panose="02110004020202020204"/>
+                <a:ea typeface="+mn-ea"/>
+                <a:cs typeface="Segoe UI Semilight" panose="020B0402040204020203" pitchFamily="34" charset="0"/>
+              </a:rPr>
+              <a:t>testarea</a:t>
+            </a:r>
+            <a:r>
+              <a:rPr kumimoji="0" lang="en-US" sz="2000" b="0" i="0" u="none" strike="noStrike" kern="1200" cap="none" spc="0" normalizeH="0" baseline="0" noProof="0" dirty="0">
+                <a:ln>
+                  <a:noFill/>
+                </a:ln>
+                <a:solidFill>
+                  <a:prstClr val="black"/>
+                </a:solidFill>
+                <a:effectLst/>
+                <a:uLnTx/>
+                <a:uFillTx/>
+                <a:latin typeface="Aptos" panose="02110004020202020204"/>
+                <a:ea typeface="+mn-ea"/>
+                <a:cs typeface="Segoe UI Semilight" panose="020B0402040204020203" pitchFamily="34" charset="0"/>
+              </a:rPr>
+              <a:t> </a:t>
+            </a:r>
+            <a:r>
+              <a:rPr kumimoji="0" lang="en-US" sz="2000" b="0" i="0" u="none" strike="noStrike" kern="1200" cap="none" spc="0" normalizeH="0" baseline="0" noProof="0" dirty="0" err="1">
+                <a:ln>
+                  <a:noFill/>
+                </a:ln>
+                <a:solidFill>
+                  <a:prstClr val="black"/>
+                </a:solidFill>
+                <a:effectLst/>
+                <a:uLnTx/>
+                <a:uFillTx/>
+                <a:latin typeface="Aptos" panose="02110004020202020204"/>
+                <a:ea typeface="+mn-ea"/>
+                <a:cs typeface="Segoe UI Semilight" panose="020B0402040204020203" pitchFamily="34" charset="0"/>
+              </a:rPr>
+              <a:t>prin</a:t>
+            </a:r>
+            <a:r>
+              <a:rPr kumimoji="0" lang="en-US" sz="2000" b="0" i="0" u="none" strike="noStrike" kern="1200" cap="none" spc="0" normalizeH="0" baseline="0" noProof="0" dirty="0">
+                <a:ln>
+                  <a:noFill/>
+                </a:ln>
+                <a:solidFill>
+                  <a:prstClr val="black"/>
+                </a:solidFill>
+                <a:effectLst/>
+                <a:uLnTx/>
+                <a:uFillTx/>
+                <a:latin typeface="Aptos" panose="02110004020202020204"/>
+                <a:ea typeface="+mn-ea"/>
+                <a:cs typeface="Segoe UI Semilight" panose="020B0402040204020203" pitchFamily="34" charset="0"/>
+              </a:rPr>
+              <a:t> </a:t>
+            </a:r>
+            <a:r>
+              <a:rPr kumimoji="0" lang="en-US" sz="2000" b="0" i="0" u="none" strike="noStrike" kern="1200" cap="none" spc="0" normalizeH="0" baseline="0" noProof="0" dirty="0" err="1">
+                <a:ln>
+                  <a:noFill/>
+                </a:ln>
+                <a:solidFill>
+                  <a:prstClr val="black"/>
+                </a:solidFill>
+                <a:effectLst/>
+                <a:uLnTx/>
+                <a:uFillTx/>
+                <a:latin typeface="Aptos" panose="02110004020202020204"/>
+                <a:ea typeface="+mn-ea"/>
+                <a:cs typeface="Segoe UI Semilight" panose="020B0402040204020203" pitchFamily="34" charset="0"/>
+              </a:rPr>
+              <a:t>simularea</a:t>
+            </a:r>
+            <a:r>
+              <a:rPr kumimoji="0" lang="en-US" sz="2000" b="0" i="0" u="none" strike="noStrike" kern="1200" cap="none" spc="0" normalizeH="0" baseline="0" noProof="0" dirty="0">
+                <a:ln>
+                  <a:noFill/>
+                </a:ln>
+                <a:solidFill>
+                  <a:prstClr val="black"/>
+                </a:solidFill>
+                <a:effectLst/>
+                <a:uLnTx/>
+                <a:uFillTx/>
+                <a:latin typeface="Aptos" panose="02110004020202020204"/>
+                <a:ea typeface="+mn-ea"/>
+                <a:cs typeface="Segoe UI Semilight" panose="020B0402040204020203" pitchFamily="34" charset="0"/>
+              </a:rPr>
+              <a:t> </a:t>
+            </a:r>
+            <a:r>
+              <a:rPr kumimoji="0" lang="en-US" sz="2000" b="0" i="0" u="none" strike="noStrike" kern="1200" cap="none" spc="0" normalizeH="0" baseline="0" noProof="0" dirty="0" err="1">
+                <a:ln>
+                  <a:noFill/>
+                </a:ln>
+                <a:solidFill>
+                  <a:prstClr val="black"/>
+                </a:solidFill>
+                <a:effectLst/>
+                <a:uLnTx/>
+                <a:uFillTx/>
+                <a:latin typeface="Aptos" panose="02110004020202020204"/>
+                <a:ea typeface="+mn-ea"/>
+                <a:cs typeface="Segoe UI Semilight" panose="020B0402040204020203" pitchFamily="34" charset="0"/>
+              </a:rPr>
+              <a:t>unui</a:t>
+            </a:r>
+            <a:endParaRPr kumimoji="0" lang="en-US" sz="2000" b="0" i="0" u="none" strike="noStrike" kern="1200" cap="none" spc="0" normalizeH="0" baseline="0" noProof="0" dirty="0">
+              <a:ln>
+                <a:noFill/>
+              </a:ln>
+              <a:solidFill>
+                <a:prstClr val="black"/>
+              </a:solidFill>
+              <a:effectLst/>
+              <a:uLnTx/>
+              <a:uFillTx/>
+              <a:latin typeface="Aptos" panose="02110004020202020204"/>
+              <a:ea typeface="+mn-ea"/>
+              <a:cs typeface="Segoe UI Semilight" panose="020B0402040204020203" pitchFamily="34" charset="0"/>
+            </a:endParaRPr>
+          </a:p>
+          <a:p>
+            <a:pPr marL="171384" marR="0" lvl="0" algn="just" defTabSz="914049" rtl="0" eaLnBrk="1" fontAlgn="auto" latinLnBrk="0" hangingPunct="1">
+              <a:lnSpc>
+                <a:spcPct val="100000"/>
+              </a:lnSpc>
+              <a:spcBef>
+                <a:spcPts val="0"/>
+              </a:spcBef>
+              <a:spcAft>
+                <a:spcPts val="0"/>
+              </a:spcAft>
+              <a:buClrTx/>
+              <a:buSzTx/>
+              <a:tabLst/>
+              <a:defRPr/>
+            </a:pPr>
+            <a:r>
               <a:rPr lang="en-US" sz="2000" dirty="0">
                 <a:solidFill>
                   <a:prstClr val="black"/>
@@ -8949,7 +10375,7 @@
                 <a:latin typeface="Aptos" panose="02110004020202020204"/>
                 <a:cs typeface="Segoe UI Semilight" panose="020B0402040204020203" pitchFamily="34" charset="0"/>
               </a:rPr>
-              <a:t>Model de </a:t>
+              <a:t>		</a:t>
             </a:r>
             <a:r>
               <a:rPr lang="en-US" sz="2000" dirty="0" err="1">
@@ -8959,7 +10385,7 @@
                 <a:latin typeface="Aptos" panose="02110004020202020204"/>
                 <a:cs typeface="Segoe UI Semilight" panose="020B0402040204020203" pitchFamily="34" charset="0"/>
               </a:rPr>
-              <a:t>sumarizare</a:t>
+              <a:t>numar</a:t>
             </a:r>
             <a:r>
               <a:rPr lang="en-US" sz="2000" dirty="0">
@@ -8969,8 +10395,25 @@
                 <a:latin typeface="Aptos" panose="02110004020202020204"/>
                 <a:cs typeface="Segoe UI Semilight" panose="020B0402040204020203" pitchFamily="34" charset="0"/>
               </a:rPr>
-              <a:t> de pe Hugging Face</a:t>
-            </a:r>
+              <a:t> mare de </a:t>
+            </a:r>
+            <a:r>
+              <a:rPr lang="en-US" sz="2000" dirty="0" err="1">
+                <a:solidFill>
+                  <a:prstClr val="black"/>
+                </a:solidFill>
+                <a:latin typeface="Aptos" panose="02110004020202020204"/>
+                <a:cs typeface="Segoe UI Semilight" panose="020B0402040204020203" pitchFamily="34" charset="0"/>
+              </a:rPr>
+              <a:t>utilizatori</a:t>
+            </a:r>
+            <a:endParaRPr lang="en-US" sz="2000" dirty="0">
+              <a:solidFill>
+                <a:prstClr val="black"/>
+              </a:solidFill>
+              <a:latin typeface="Aptos" panose="02110004020202020204"/>
+              <a:cs typeface="Segoe UI Semilight" panose="020B0402040204020203" pitchFamily="34" charset="0"/>
+            </a:endParaRPr>
           </a:p>
           <a:p>
             <a:pPr marL="514284" marR="0" lvl="0" indent="-342900" algn="just" defTabSz="914049" rtl="0" eaLnBrk="1" fontAlgn="auto" latinLnBrk="0" hangingPunct="1">
@@ -9017,64 +10460,34 @@
               <a:defRPr/>
             </a:pPr>
             <a:r>
-              <a:rPr lang="en-US" sz="2000" dirty="0" err="1">
+              <a:rPr lang="en-US" sz="2000" dirty="0">
                 <a:solidFill>
                   <a:prstClr val="black"/>
                 </a:solidFill>
                 <a:latin typeface="Aptos" panose="02110004020202020204"/>
                 <a:cs typeface="Segoe UI Semilight" panose="020B0402040204020203" pitchFamily="34" charset="0"/>
               </a:rPr>
-              <a:t>Expunem</a:t>
-            </a:r>
-            <a:r>
-              <a:rPr lang="en-US" sz="2000" dirty="0">
+              <a:t>Are la </a:t>
+            </a:r>
+            <a:r>
+              <a:rPr lang="en-US" sz="2000" dirty="0" err="1">
                 <a:solidFill>
                   <a:prstClr val="black"/>
                 </a:solidFill>
                 <a:latin typeface="Aptos" panose="02110004020202020204"/>
                 <a:cs typeface="Segoe UI Semilight" panose="020B0402040204020203" pitchFamily="34" charset="0"/>
               </a:rPr>
-              <a:t> </a:t>
-            </a:r>
-            <a:r>
-              <a:rPr lang="en-US" sz="2000" dirty="0" err="1">
+              <a:t>baza</a:t>
+            </a:r>
+            <a:r>
+              <a:rPr lang="en-US" sz="2000" dirty="0">
                 <a:solidFill>
                   <a:prstClr val="black"/>
                 </a:solidFill>
                 <a:latin typeface="Aptos" panose="02110004020202020204"/>
                 <a:cs typeface="Segoe UI Semilight" panose="020B0402040204020203" pitchFamily="34" charset="0"/>
               </a:rPr>
-              <a:t>modelul</a:t>
-            </a:r>
-            <a:r>
-              <a:rPr lang="en-US" sz="2000" dirty="0">
-                <a:solidFill>
-                  <a:prstClr val="black"/>
-                </a:solidFill>
-                <a:latin typeface="Aptos" panose="02110004020202020204"/>
-                <a:cs typeface="Segoe UI Semilight" panose="020B0402040204020203" pitchFamily="34" charset="0"/>
-              </a:rPr>
-              <a:t> </a:t>
-            </a:r>
-            <a:r>
-              <a:rPr lang="en-US" sz="2000" dirty="0" err="1">
-                <a:solidFill>
-                  <a:prstClr val="black"/>
-                </a:solidFill>
-                <a:latin typeface="Aptos" panose="02110004020202020204"/>
-                <a:cs typeface="Segoe UI Semilight" panose="020B0402040204020203" pitchFamily="34" charset="0"/>
-              </a:rPr>
-              <a:t>prin</a:t>
-            </a:r>
-            <a:r>
-              <a:rPr lang="en-US" sz="2000" dirty="0">
-                <a:solidFill>
-                  <a:prstClr val="black"/>
-                </a:solidFill>
-                <a:latin typeface="Aptos" panose="02110004020202020204"/>
-                <a:cs typeface="Segoe UI Semilight" panose="020B0402040204020203" pitchFamily="34" charset="0"/>
-              </a:rPr>
-              <a:t> Flask</a:t>
+              <a:t> JMeter</a:t>
             </a:r>
           </a:p>
           <a:p>
@@ -9129,7 +10542,7 @@
                 <a:latin typeface="Aptos" panose="02110004020202020204"/>
                 <a:cs typeface="Segoe UI Semilight" panose="020B0402040204020203" pitchFamily="34" charset="0"/>
               </a:rPr>
-              <a:t>Pagina</a:t>
+              <a:t>Creeaza</a:t>
             </a:r>
             <a:r>
               <a:rPr lang="en-US" sz="2000" dirty="0">
@@ -9149,7 +10562,7 @@
                 <a:latin typeface="Aptos" panose="02110004020202020204"/>
                 <a:cs typeface="Segoe UI Semilight" panose="020B0402040204020203" pitchFamily="34" charset="0"/>
               </a:rPr>
-              <a:t>pentru</a:t>
+              <a:t>mai</a:t>
             </a:r>
             <a:r>
               <a:rPr lang="en-US" sz="2000" dirty="0">
@@ -9169,7 +10582,7 @@
                 <a:latin typeface="Aptos" panose="02110004020202020204"/>
                 <a:cs typeface="Segoe UI Semilight" panose="020B0402040204020203" pitchFamily="34" charset="0"/>
               </a:rPr>
-              <a:t>vizualizarea</a:t>
+              <a:t>multe</a:t>
             </a:r>
             <a:r>
               <a:rPr lang="en-US" sz="2000" dirty="0">
@@ -9179,7 +10592,7 @@
                 <a:latin typeface="Aptos" panose="02110004020202020204"/>
                 <a:cs typeface="Segoe UI Semilight" panose="020B0402040204020203" pitchFamily="34" charset="0"/>
               </a:rPr>
-              <a:t> query-</a:t>
+              <a:t> ACI-</a:t>
             </a:r>
             <a:r>
               <a:rPr lang="en-US" sz="2000" dirty="0" err="1">
@@ -9189,7 +10602,7 @@
                 <a:latin typeface="Aptos" panose="02110004020202020204"/>
                 <a:cs typeface="Segoe UI Semilight" panose="020B0402040204020203" pitchFamily="34" charset="0"/>
               </a:rPr>
-              <a:t>urilor</a:t>
+              <a:t>uri</a:t>
             </a:r>
             <a:r>
               <a:rPr lang="en-US" sz="2000" dirty="0">
@@ -9199,7 +10612,7 @@
                 <a:latin typeface="Aptos" panose="02110004020202020204"/>
                 <a:cs typeface="Segoe UI Semilight" panose="020B0402040204020203" pitchFamily="34" charset="0"/>
               </a:rPr>
-              <a:t> </a:t>
+              <a:t> care </a:t>
             </a:r>
             <a:r>
               <a:rPr lang="en-US" sz="2000" dirty="0" err="1">
@@ -9209,7 +10622,7 @@
                 <a:latin typeface="Aptos" panose="02110004020202020204"/>
                 <a:cs typeface="Segoe UI Semilight" panose="020B0402040204020203" pitchFamily="34" charset="0"/>
               </a:rPr>
-              <a:t>si</a:t>
+              <a:t>ruleaza</a:t>
             </a:r>
             <a:r>
               <a:rPr lang="en-US" sz="2000" dirty="0">
@@ -9229,7 +10642,7 @@
                 <a:latin typeface="Aptos" panose="02110004020202020204"/>
                 <a:cs typeface="Segoe UI Semilight" panose="020B0402040204020203" pitchFamily="34" charset="0"/>
               </a:rPr>
-              <a:t>raspunsurilor</a:t>
+              <a:t>testele</a:t>
             </a:r>
             <a:endParaRPr lang="en-US" sz="2000" dirty="0">
               <a:solidFill>
@@ -9291,7 +10704,7 @@
                 <a:latin typeface="Aptos" panose="02110004020202020204"/>
                 <a:cs typeface="Segoe UI Semilight" panose="020B0402040204020203" pitchFamily="34" charset="0"/>
               </a:rPr>
-              <a:t>Front-end </a:t>
+              <a:t>Are la </a:t>
             </a:r>
             <a:r>
               <a:rPr lang="en-US" sz="2000" dirty="0" err="1">
@@ -9301,7 +10714,7 @@
                 <a:latin typeface="Aptos" panose="02110004020202020204"/>
                 <a:cs typeface="Segoe UI Semilight" panose="020B0402040204020203" pitchFamily="34" charset="0"/>
               </a:rPr>
-              <a:t>simplist</a:t>
+              <a:t>baza</a:t>
             </a:r>
             <a:r>
               <a:rPr lang="en-US" sz="2000" dirty="0">
@@ -9321,7 +10734,7 @@
                 <a:latin typeface="Aptos" panose="02110004020202020204"/>
                 <a:cs typeface="Segoe UI Semilight" panose="020B0402040204020203" pitchFamily="34" charset="0"/>
               </a:rPr>
-              <a:t>pentru</a:t>
+              <a:t>sisteme</a:t>
             </a:r>
             <a:r>
               <a:rPr lang="en-US" sz="2000" dirty="0">
@@ -9331,25 +10744,8 @@
                 <a:latin typeface="Aptos" panose="02110004020202020204"/>
                 <a:cs typeface="Segoe UI Semilight" panose="020B0402040204020203" pitchFamily="34" charset="0"/>
               </a:rPr>
-              <a:t> </a:t>
-            </a:r>
-            <a:r>
-              <a:rPr lang="en-US" sz="2000" dirty="0" err="1">
-                <a:solidFill>
-                  <a:prstClr val="black"/>
-                </a:solidFill>
-                <a:latin typeface="Aptos" panose="02110004020202020204"/>
-                <a:cs typeface="Segoe UI Semilight" panose="020B0402040204020203" pitchFamily="34" charset="0"/>
-              </a:rPr>
-              <a:t>eficienta</a:t>
-            </a:r>
-            <a:endParaRPr lang="en-US" sz="2000" dirty="0">
-              <a:solidFill>
-                <a:prstClr val="black"/>
-              </a:solidFill>
-              <a:latin typeface="Aptos" panose="02110004020202020204"/>
-              <a:cs typeface="Segoe UI Semilight" panose="020B0402040204020203" pitchFamily="34" charset="0"/>
-            </a:endParaRPr>
+              <a:t> open source (Docker, Kubernetes)</a:t>
+            </a:r>
           </a:p>
           <a:p>
             <a:pPr marL="514284" marR="0" lvl="0" indent="-342900" algn="just" defTabSz="914049" rtl="0" eaLnBrk="1" fontAlgn="auto" latinLnBrk="0" hangingPunct="1">
@@ -9458,19 +10854,6 @@
               </a:spcAft>
             </a:pPr>
             <a:r>
-              <a:rPr lang="en-US" sz="2800" kern="0" dirty="0" err="1">
-                <a:ln w="3175">
-                  <a:noFill/>
-                </a:ln>
-                <a:solidFill>
-                  <a:srgbClr val="FFFFFF"/>
-                </a:solidFill>
-                <a:latin typeface="Segoe UI"/>
-                <a:cs typeface="Segoe UI Semilight"/>
-              </a:rPr>
-              <a:t>Descrierea</a:t>
-            </a:r>
-            <a:r>
               <a:rPr lang="en-US" sz="2800" kern="0" dirty="0">
                 <a:ln w="3175">
                   <a:noFill/>
@@ -9481,95 +10864,103 @@
                 <a:latin typeface="Segoe UI"/>
                 <a:cs typeface="Segoe UI Semilight"/>
               </a:rPr>
-              <a:t> </a:t>
-            </a:r>
-            <a:r>
-              <a:rPr lang="en-US" sz="2800" kern="0" dirty="0" err="1">
-                <a:ln w="3175">
-                  <a:noFill/>
-                </a:ln>
-                <a:solidFill>
-                  <a:srgbClr val="FFFFFF"/>
-                </a:solidFill>
-                <a:latin typeface="Segoe UI"/>
-                <a:cs typeface="Segoe UI Semilight"/>
-              </a:rPr>
-              <a:t>aplicatiei</a:t>
-            </a:r>
-            <a:r>
-              <a:rPr lang="en-US" sz="2800" kern="0" dirty="0">
-                <a:ln w="3175">
-                  <a:noFill/>
-                </a:ln>
-                <a:solidFill>
-                  <a:srgbClr val="FFFFFF"/>
-                </a:solidFill>
-                <a:latin typeface="Segoe UI"/>
-                <a:cs typeface="Segoe UI Semilight"/>
-              </a:rPr>
-              <a:t> AI</a:t>
+              <a:t>Azure Load Testing</a:t>
             </a:r>
           </a:p>
         </p:txBody>
       </p:sp>
       <p:pic>
         <p:nvPicPr>
-          <p:cNvPr id="4" name="Picture 3">
+          <p:cNvPr id="3074" name="Picture 2" descr="Azure Load Testing - Pricing ...">
             <a:extLst>
               <a:ext uri="{FF2B5EF4-FFF2-40B4-BE49-F238E27FC236}">
-                <a16:creationId xmlns:a16="http://schemas.microsoft.com/office/drawing/2014/main" id="{6F9B804F-F685-1963-D405-89F4BD6EFA26}"/>
+                <a16:creationId xmlns:a16="http://schemas.microsoft.com/office/drawing/2014/main" id="{2CD5EEF9-5808-DA74-56A1-391605933618}"/>
               </a:ext>
             </a:extLst>
           </p:cNvPr>
           <p:cNvPicPr>
-            <a:picLocks noChangeAspect="1"/>
+            <a:picLocks noChangeAspect="1" noChangeArrowheads="1"/>
           </p:cNvPicPr>
           <p:nvPr/>
         </p:nvPicPr>
         <p:blipFill>
-          <a:blip r:embed="rId3"/>
+          <a:blip r:embed="rId3">
+            <a:extLst>
+              <a:ext uri="{28A0092B-C50C-407E-A947-70E740481C1C}">
+                <a14:useLocalDpi xmlns:a14="http://schemas.microsoft.com/office/drawing/2010/main" val="0"/>
+              </a:ext>
+            </a:extLst>
+          </a:blip>
+          <a:srcRect/>
           <a:stretch>
             <a:fillRect/>
           </a:stretch>
         </p:blipFill>
-        <p:spPr>
+        <p:spPr bwMode="auto">
           <a:xfrm>
-            <a:off x="7041085" y="839573"/>
-            <a:ext cx="4697554" cy="1207563"/>
+            <a:off x="8621354" y="1125744"/>
+            <a:ext cx="2952750" cy="1552575"/>
           </a:xfrm>
           <a:prstGeom prst="rect">
             <a:avLst/>
           </a:prstGeom>
+          <a:noFill/>
+          <a:extLst>
+            <a:ext uri="{909E8E84-426E-40DD-AFC4-6F175D3DCCD1}">
+              <a14:hiddenFill xmlns:a14="http://schemas.microsoft.com/office/drawing/2010/main">
+                <a:solidFill>
+                  <a:srgbClr val="FFFFFF"/>
+                </a:solidFill>
+              </a14:hiddenFill>
+            </a:ext>
+          </a:extLst>
         </p:spPr>
       </p:pic>
       <p:pic>
         <p:nvPicPr>
-          <p:cNvPr id="7" name="Picture 6">
+          <p:cNvPr id="3076" name="Picture 4">
             <a:extLst>
               <a:ext uri="{FF2B5EF4-FFF2-40B4-BE49-F238E27FC236}">
-                <a16:creationId xmlns:a16="http://schemas.microsoft.com/office/drawing/2014/main" id="{CC507B09-E3A4-03F8-2AEA-5FE350E414A3}"/>
+                <a16:creationId xmlns:a16="http://schemas.microsoft.com/office/drawing/2014/main" id="{080AD2F7-D63F-CD1C-F870-3B4A5BFAFDE5}"/>
               </a:ext>
             </a:extLst>
           </p:cNvPr>
           <p:cNvPicPr>
-            <a:picLocks noChangeAspect="1"/>
+            <a:picLocks noChangeAspect="1" noChangeArrowheads="1"/>
           </p:cNvPicPr>
           <p:nvPr/>
         </p:nvPicPr>
         <p:blipFill>
-          <a:blip r:embed="rId4"/>
+          <a:blip r:embed="rId4">
+            <a:extLst>
+              <a:ext uri="{28A0092B-C50C-407E-A947-70E740481C1C}">
+                <a14:useLocalDpi xmlns:a14="http://schemas.microsoft.com/office/drawing/2010/main" val="0"/>
+              </a:ext>
+            </a:extLst>
+          </a:blip>
+          <a:srcRect/>
           <a:stretch>
             <a:fillRect/>
           </a:stretch>
         </p:blipFill>
-        <p:spPr>
+        <p:spPr bwMode="auto">
           <a:xfrm>
-            <a:off x="7468117" y="2725983"/>
-            <a:ext cx="3166345" cy="2084882"/>
+            <a:off x="7452290" y="2896149"/>
+            <a:ext cx="3805646" cy="3107824"/>
           </a:xfrm>
           <a:prstGeom prst="rect">
             <a:avLst/>
           </a:prstGeom>
+          <a:noFill/>
+          <a:extLst>
+            <a:ext uri="{909E8E84-426E-40DD-AFC4-6F175D3DCCD1}">
+              <a14:hiddenFill xmlns:a14="http://schemas.microsoft.com/office/drawing/2010/main">
+                <a:solidFill>
+                  <a:srgbClr val="FFFFFF"/>
+                </a:solidFill>
+              </a14:hiddenFill>
+            </a:ext>
+          </a:extLst>
         </p:spPr>
       </p:pic>
     </p:spTree>
@@ -9605,7 +10996,7 @@
         <p:cNvPr id="1" name="">
           <a:extLst>
             <a:ext uri="{FF2B5EF4-FFF2-40B4-BE49-F238E27FC236}">
-              <a16:creationId xmlns:a16="http://schemas.microsoft.com/office/drawing/2014/main" id="{B7ED8DF6-9E81-3AE9-63C5-5688CA923008}"/>
+              <a16:creationId xmlns:a16="http://schemas.microsoft.com/office/drawing/2014/main" id="{79C2D9F5-0E28-6E5B-69C2-F80F8BD95D1D}"/>
             </a:ext>
           </a:extLst>
         </p:cNvPr>
@@ -9625,7 +11016,7 @@
           <p:cNvPr id="3" name="Rectangle 2">
             <a:extLst>
               <a:ext uri="{FF2B5EF4-FFF2-40B4-BE49-F238E27FC236}">
-                <a16:creationId xmlns:a16="http://schemas.microsoft.com/office/drawing/2014/main" id="{91C825E5-AAB6-C28A-2469-1B9940E3445F}"/>
+                <a16:creationId xmlns:a16="http://schemas.microsoft.com/office/drawing/2014/main" id="{A3F78BE3-8099-C0B9-99A6-7416D0D843F5}"/>
               </a:ext>
             </a:extLst>
           </p:cNvPr>
@@ -9683,7 +11074,7 @@
             </a:endParaRPr>
           </a:p>
           <a:p>
-            <a:pPr marL="514284" marR="0" lvl="0" indent="-342900" algn="just" defTabSz="914049" rtl="0" eaLnBrk="1" fontAlgn="auto" latinLnBrk="0" hangingPunct="1">
+            <a:pPr marL="171384" marR="0" lvl="0" algn="just" defTabSz="914049" rtl="0" eaLnBrk="1" fontAlgn="auto" latinLnBrk="0" hangingPunct="1">
               <a:lnSpc>
                 <a:spcPct val="100000"/>
               </a:lnSpc>
@@ -9695,272 +11086,23 @@
               </a:spcAft>
               <a:buClrTx/>
               <a:buSzTx/>
-              <a:buFont typeface="Wingdings" panose="05000000000000000000" pitchFamily="2" charset="2"/>
-              <a:buChar char="§"/>
               <a:tabLst/>
               <a:defRPr/>
             </a:pPr>
-            <a:r>
-              <a:rPr lang="en-US" sz="2000" dirty="0">
-                <a:solidFill>
-                  <a:prstClr val="black"/>
-                </a:solidFill>
-                <a:latin typeface="Aptos" panose="02110004020202020204"/>
-                <a:cs typeface="Segoe UI Semilight" panose="020B0402040204020203" pitchFamily="34" charset="0"/>
-              </a:rPr>
-              <a:t>Cluster de AKS cu </a:t>
-            </a:r>
-            <a:r>
-              <a:rPr lang="en-US" sz="2000" dirty="0" err="1">
-                <a:solidFill>
-                  <a:prstClr val="black"/>
-                </a:solidFill>
-                <a:latin typeface="Aptos" panose="02110004020202020204"/>
-                <a:cs typeface="Segoe UI Semilight" panose="020B0402040204020203" pitchFamily="34" charset="0"/>
-              </a:rPr>
-              <a:t>cele</a:t>
-            </a:r>
-            <a:r>
-              <a:rPr lang="en-US" sz="2000" dirty="0">
-                <a:solidFill>
-                  <a:prstClr val="black"/>
-                </a:solidFill>
-                <a:latin typeface="Aptos" panose="02110004020202020204"/>
-                <a:cs typeface="Segoe UI Semilight" panose="020B0402040204020203" pitchFamily="34" charset="0"/>
-              </a:rPr>
-              <a:t> </a:t>
-            </a:r>
-            <a:r>
-              <a:rPr lang="en-US" sz="2000" dirty="0" err="1">
-                <a:solidFill>
-                  <a:prstClr val="black"/>
-                </a:solidFill>
-                <a:latin typeface="Aptos" panose="02110004020202020204"/>
-                <a:cs typeface="Segoe UI Semilight" panose="020B0402040204020203" pitchFamily="34" charset="0"/>
-              </a:rPr>
-              <a:t>mai</a:t>
-            </a:r>
-            <a:r>
-              <a:rPr lang="en-US" sz="2000" dirty="0">
-                <a:solidFill>
-                  <a:prstClr val="black"/>
-                </a:solidFill>
-                <a:latin typeface="Aptos" panose="02110004020202020204"/>
-                <a:cs typeface="Segoe UI Semilight" panose="020B0402040204020203" pitchFamily="34" charset="0"/>
-              </a:rPr>
-              <a:t> </a:t>
-            </a:r>
-            <a:r>
-              <a:rPr lang="en-US" sz="2000" dirty="0" err="1">
-                <a:solidFill>
-                  <a:prstClr val="black"/>
-                </a:solidFill>
-                <a:latin typeface="Aptos" panose="02110004020202020204"/>
-                <a:cs typeface="Segoe UI Semilight" panose="020B0402040204020203" pitchFamily="34" charset="0"/>
-              </a:rPr>
-              <a:t>ieftine</a:t>
-            </a:r>
-            <a:r>
-              <a:rPr lang="en-US" sz="2000" dirty="0">
-                <a:solidFill>
-                  <a:prstClr val="black"/>
-                </a:solidFill>
-                <a:latin typeface="Aptos" panose="02110004020202020204"/>
-                <a:cs typeface="Segoe UI Semilight" panose="020B0402040204020203" pitchFamily="34" charset="0"/>
-              </a:rPr>
-              <a:t> </a:t>
-            </a:r>
-            <a:r>
-              <a:rPr lang="en-US" sz="2000" dirty="0" err="1">
-                <a:solidFill>
-                  <a:prstClr val="black"/>
-                </a:solidFill>
-                <a:latin typeface="Aptos" panose="02110004020202020204"/>
-                <a:cs typeface="Segoe UI Semilight" panose="020B0402040204020203" pitchFamily="34" charset="0"/>
-              </a:rPr>
-              <a:t>noduri</a:t>
-            </a:r>
-            <a:r>
-              <a:rPr lang="en-US" sz="2000" dirty="0">
-                <a:solidFill>
-                  <a:prstClr val="black"/>
-                </a:solidFill>
-                <a:latin typeface="Aptos" panose="02110004020202020204"/>
-                <a:cs typeface="Segoe UI Semilight" panose="020B0402040204020203" pitchFamily="34" charset="0"/>
-              </a:rPr>
-              <a:t> </a:t>
-            </a:r>
-          </a:p>
-          <a:p>
-            <a:pPr marL="971484" lvl="1" indent="-342900" algn="just" defTabSz="914049">
-              <a:buFont typeface="Wingdings" panose="05000000000000000000" pitchFamily="2" charset="2"/>
-              <a:buChar char="§"/>
-              <a:defRPr/>
-            </a:pPr>
-            <a:r>
-              <a:rPr lang="en-US" sz="2000" dirty="0" err="1">
-                <a:solidFill>
-                  <a:prstClr val="black"/>
-                </a:solidFill>
-                <a:latin typeface="Aptos" panose="02110004020202020204"/>
-                <a:cs typeface="Segoe UI Semilight" panose="020B0402040204020203" pitchFamily="34" charset="0"/>
-              </a:rPr>
-              <a:t>Modificam</a:t>
-            </a:r>
-            <a:r>
-              <a:rPr lang="en-US" sz="2000" dirty="0">
-                <a:solidFill>
-                  <a:prstClr val="black"/>
-                </a:solidFill>
-                <a:latin typeface="Aptos" panose="02110004020202020204"/>
-                <a:cs typeface="Segoe UI Semilight" panose="020B0402040204020203" pitchFamily="34" charset="0"/>
-              </a:rPr>
-              <a:t> </a:t>
-            </a:r>
-            <a:r>
-              <a:rPr lang="en-US" sz="2000" dirty="0" err="1">
-                <a:solidFill>
-                  <a:prstClr val="black"/>
-                </a:solidFill>
-                <a:latin typeface="Aptos" panose="02110004020202020204"/>
-                <a:cs typeface="Segoe UI Semilight" panose="020B0402040204020203" pitchFamily="34" charset="0"/>
-              </a:rPr>
-              <a:t>numarul</a:t>
-            </a:r>
-            <a:r>
-              <a:rPr lang="en-US" sz="2000" dirty="0">
-                <a:solidFill>
-                  <a:prstClr val="black"/>
-                </a:solidFill>
-                <a:latin typeface="Aptos" panose="02110004020202020204"/>
-                <a:cs typeface="Segoe UI Semilight" panose="020B0402040204020203" pitchFamily="34" charset="0"/>
-              </a:rPr>
-              <a:t> de </a:t>
-            </a:r>
-            <a:r>
-              <a:rPr lang="en-US" sz="2000" dirty="0" err="1">
-                <a:solidFill>
-                  <a:prstClr val="black"/>
-                </a:solidFill>
-                <a:latin typeface="Aptos" panose="02110004020202020204"/>
-                <a:cs typeface="Segoe UI Semilight" panose="020B0402040204020203" pitchFamily="34" charset="0"/>
-              </a:rPr>
-              <a:t>noduri</a:t>
-            </a:r>
-            <a:r>
-              <a:rPr lang="en-US" sz="2000" dirty="0">
-                <a:solidFill>
-                  <a:prstClr val="black"/>
-                </a:solidFill>
-                <a:latin typeface="Aptos" panose="02110004020202020204"/>
-                <a:cs typeface="Segoe UI Semilight" panose="020B0402040204020203" pitchFamily="34" charset="0"/>
-              </a:rPr>
-              <a:t> </a:t>
-            </a:r>
-            <a:r>
-              <a:rPr lang="en-US" sz="2000" dirty="0" err="1">
-                <a:solidFill>
-                  <a:prstClr val="black"/>
-                </a:solidFill>
-                <a:latin typeface="Aptos" panose="02110004020202020204"/>
-                <a:cs typeface="Segoe UI Semilight" panose="020B0402040204020203" pitchFamily="34" charset="0"/>
-              </a:rPr>
-              <a:t>pentru</a:t>
-            </a:r>
-            <a:r>
-              <a:rPr lang="en-US" sz="2000" dirty="0">
-                <a:solidFill>
-                  <a:prstClr val="black"/>
-                </a:solidFill>
-                <a:latin typeface="Aptos" panose="02110004020202020204"/>
-                <a:cs typeface="Segoe UI Semilight" panose="020B0402040204020203" pitchFamily="34" charset="0"/>
-              </a:rPr>
-              <a:t> </a:t>
-            </a:r>
-            <a:r>
-              <a:rPr lang="en-US" sz="2000" dirty="0" err="1">
-                <a:solidFill>
-                  <a:prstClr val="black"/>
-                </a:solidFill>
-                <a:latin typeface="Aptos" panose="02110004020202020204"/>
-                <a:cs typeface="Segoe UI Semilight" panose="020B0402040204020203" pitchFamily="34" charset="0"/>
-              </a:rPr>
-              <a:t>testare</a:t>
-            </a:r>
-            <a:endParaRPr lang="en-US" sz="2000" dirty="0">
+            <a:endParaRPr kumimoji="0" lang="en-US" sz="2000" b="0" i="0" u="none" strike="noStrike" kern="1200" cap="none" spc="0" normalizeH="0" baseline="0" noProof="0" dirty="0">
+              <a:ln>
+                <a:noFill/>
+              </a:ln>
               <a:solidFill>
                 <a:prstClr val="black"/>
               </a:solidFill>
+              <a:effectLst/>
+              <a:uLnTx/>
+              <a:uFillTx/>
               <a:latin typeface="Aptos" panose="02110004020202020204"/>
+              <a:ea typeface="+mn-ea"/>
               <a:cs typeface="Segoe UI Semilight" panose="020B0402040204020203" pitchFamily="34" charset="0"/>
             </a:endParaRPr>
-          </a:p>
-          <a:p>
-            <a:pPr marL="971484" lvl="1" indent="-342900" algn="just" defTabSz="914049">
-              <a:buFont typeface="Wingdings" panose="05000000000000000000" pitchFamily="2" charset="2"/>
-              <a:buChar char="§"/>
-              <a:defRPr/>
-            </a:pPr>
-            <a:r>
-              <a:rPr lang="en-US" sz="2000" dirty="0" err="1">
-                <a:solidFill>
-                  <a:prstClr val="black"/>
-                </a:solidFill>
-                <a:latin typeface="Aptos" panose="02110004020202020204"/>
-                <a:cs typeface="Segoe UI Semilight" panose="020B0402040204020203" pitchFamily="34" charset="0"/>
-              </a:rPr>
-              <a:t>Folosim</a:t>
-            </a:r>
-            <a:r>
-              <a:rPr lang="en-US" sz="2000" dirty="0">
-                <a:solidFill>
-                  <a:prstClr val="black"/>
-                </a:solidFill>
-                <a:latin typeface="Aptos" panose="02110004020202020204"/>
-                <a:cs typeface="Segoe UI Semilight" panose="020B0402040204020203" pitchFamily="34" charset="0"/>
-              </a:rPr>
-              <a:t> Load Balancer-</a:t>
-            </a:r>
-            <a:r>
-              <a:rPr lang="en-US" sz="2000" dirty="0" err="1">
-                <a:solidFill>
-                  <a:prstClr val="black"/>
-                </a:solidFill>
-                <a:latin typeface="Aptos" panose="02110004020202020204"/>
-                <a:cs typeface="Segoe UI Semilight" panose="020B0402040204020203" pitchFamily="34" charset="0"/>
-              </a:rPr>
-              <a:t>ul</a:t>
-            </a:r>
-            <a:r>
-              <a:rPr lang="en-US" sz="2000" dirty="0">
-                <a:solidFill>
-                  <a:prstClr val="black"/>
-                </a:solidFill>
-                <a:latin typeface="Aptos" panose="02110004020202020204"/>
-                <a:cs typeface="Segoe UI Semilight" panose="020B0402040204020203" pitchFamily="34" charset="0"/>
-              </a:rPr>
-              <a:t> </a:t>
-            </a:r>
-            <a:r>
-              <a:rPr lang="en-US" sz="2000" dirty="0" err="1">
-                <a:solidFill>
-                  <a:prstClr val="black"/>
-                </a:solidFill>
-                <a:latin typeface="Aptos" panose="02110004020202020204"/>
-                <a:cs typeface="Segoe UI Semilight" panose="020B0402040204020203" pitchFamily="34" charset="0"/>
-              </a:rPr>
-              <a:t>dat</a:t>
-            </a:r>
-            <a:r>
-              <a:rPr lang="en-US" sz="2000" dirty="0">
-                <a:solidFill>
-                  <a:prstClr val="black"/>
-                </a:solidFill>
-                <a:latin typeface="Aptos" panose="02110004020202020204"/>
-                <a:cs typeface="Segoe UI Semilight" panose="020B0402040204020203" pitchFamily="34" charset="0"/>
-              </a:rPr>
-              <a:t> de Azure</a:t>
-            </a:r>
           </a:p>
           <a:p>
             <a:pPr marL="514284" marR="0" lvl="0" indent="-342900" algn="just" defTabSz="914049" rtl="0" eaLnBrk="1" fontAlgn="auto" latinLnBrk="0" hangingPunct="1">
@@ -9995,545 +11137,6 @@
               <a:cs typeface="Segoe UI Semilight" panose="020B0402040204020203" pitchFamily="34" charset="0"/>
             </a:endParaRPr>
           </a:p>
-          <a:p>
-            <a:pPr marL="514284" marR="0" lvl="0" indent="-342900" algn="just" defTabSz="914049" rtl="0" eaLnBrk="1" fontAlgn="auto" latinLnBrk="0" hangingPunct="1">
-              <a:lnSpc>
-                <a:spcPct val="100000"/>
-              </a:lnSpc>
-              <a:spcBef>
-                <a:spcPts val="0"/>
-              </a:spcBef>
-              <a:spcAft>
-                <a:spcPts val="0"/>
-              </a:spcAft>
-              <a:buClrTx/>
-              <a:buSzTx/>
-              <a:buFont typeface="Wingdings" panose="05000000000000000000" pitchFamily="2" charset="2"/>
-              <a:buChar char="§"/>
-              <a:tabLst/>
-              <a:defRPr/>
-            </a:pPr>
-            <a:r>
-              <a:rPr lang="en-US" sz="2000" dirty="0">
-                <a:solidFill>
-                  <a:prstClr val="black"/>
-                </a:solidFill>
-                <a:latin typeface="Aptos" panose="02110004020202020204"/>
-                <a:cs typeface="Segoe UI Semilight" panose="020B0402040204020203" pitchFamily="34" charset="0"/>
-              </a:rPr>
-              <a:t>Un ACR </a:t>
-            </a:r>
-            <a:r>
-              <a:rPr lang="en-US" sz="2000" dirty="0" err="1">
-                <a:solidFill>
-                  <a:prstClr val="black"/>
-                </a:solidFill>
-                <a:latin typeface="Aptos" panose="02110004020202020204"/>
-                <a:cs typeface="Segoe UI Semilight" panose="020B0402040204020203" pitchFamily="34" charset="0"/>
-              </a:rPr>
-              <a:t>pentru</a:t>
-            </a:r>
-            <a:r>
-              <a:rPr lang="en-US" sz="2000" dirty="0">
-                <a:solidFill>
-                  <a:prstClr val="black"/>
-                </a:solidFill>
-                <a:latin typeface="Aptos" panose="02110004020202020204"/>
-                <a:cs typeface="Segoe UI Semilight" panose="020B0402040204020203" pitchFamily="34" charset="0"/>
-              </a:rPr>
-              <a:t> </a:t>
-            </a:r>
-            <a:r>
-              <a:rPr lang="en-US" sz="2000" dirty="0" err="1">
-                <a:solidFill>
-                  <a:prstClr val="black"/>
-                </a:solidFill>
-                <a:latin typeface="Aptos" panose="02110004020202020204"/>
-                <a:cs typeface="Segoe UI Semilight" panose="020B0402040204020203" pitchFamily="34" charset="0"/>
-              </a:rPr>
-              <a:t>imaginea</a:t>
-            </a:r>
-            <a:r>
-              <a:rPr lang="en-US" sz="2000" dirty="0">
-                <a:solidFill>
-                  <a:prstClr val="black"/>
-                </a:solidFill>
-                <a:latin typeface="Aptos" panose="02110004020202020204"/>
-                <a:cs typeface="Segoe UI Semilight" panose="020B0402040204020203" pitchFamily="34" charset="0"/>
-              </a:rPr>
-              <a:t> de Docker</a:t>
-            </a:r>
-          </a:p>
-          <a:p>
-            <a:pPr marL="971484" lvl="1" indent="-342900" algn="just" defTabSz="914049">
-              <a:buFont typeface="Wingdings" panose="05000000000000000000" pitchFamily="2" charset="2"/>
-              <a:buChar char="§"/>
-              <a:defRPr/>
-            </a:pPr>
-            <a:r>
-              <a:rPr kumimoji="0" lang="en-US" sz="2000" b="0" i="0" u="none" strike="noStrike" kern="1200" cap="none" spc="0" normalizeH="0" baseline="0" noProof="0" dirty="0" err="1">
-                <a:ln>
-                  <a:noFill/>
-                </a:ln>
-                <a:solidFill>
-                  <a:prstClr val="black"/>
-                </a:solidFill>
-                <a:effectLst/>
-                <a:uLnTx/>
-                <a:uFillTx/>
-                <a:latin typeface="Aptos" panose="02110004020202020204"/>
-                <a:ea typeface="+mn-ea"/>
-                <a:cs typeface="Segoe UI Semilight" panose="020B0402040204020203" pitchFamily="34" charset="0"/>
-              </a:rPr>
-              <a:t>Incarcam</a:t>
-            </a:r>
-            <a:r>
-              <a:rPr kumimoji="0" lang="en-US" sz="2000" b="0" i="0" u="none" strike="noStrike" kern="1200" cap="none" spc="0" normalizeH="0" baseline="0" noProof="0" dirty="0">
-                <a:ln>
-                  <a:noFill/>
-                </a:ln>
-                <a:solidFill>
-                  <a:prstClr val="black"/>
-                </a:solidFill>
-                <a:effectLst/>
-                <a:uLnTx/>
-                <a:uFillTx/>
-                <a:latin typeface="Aptos" panose="02110004020202020204"/>
-                <a:ea typeface="+mn-ea"/>
-                <a:cs typeface="Segoe UI Semilight" panose="020B0402040204020203" pitchFamily="34" charset="0"/>
-              </a:rPr>
-              <a:t> </a:t>
-            </a:r>
-            <a:r>
-              <a:rPr kumimoji="0" lang="en-US" sz="2000" b="0" i="0" u="none" strike="noStrike" kern="1200" cap="none" spc="0" normalizeH="0" baseline="0" noProof="0" dirty="0" err="1">
-                <a:ln>
-                  <a:noFill/>
-                </a:ln>
-                <a:solidFill>
-                  <a:prstClr val="black"/>
-                </a:solidFill>
-                <a:effectLst/>
-                <a:uLnTx/>
-                <a:uFillTx/>
-                <a:latin typeface="Aptos" panose="02110004020202020204"/>
-                <a:ea typeface="+mn-ea"/>
-                <a:cs typeface="Segoe UI Semilight" panose="020B0402040204020203" pitchFamily="34" charset="0"/>
-              </a:rPr>
-              <a:t>imaginea</a:t>
-            </a:r>
-            <a:r>
-              <a:rPr kumimoji="0" lang="en-US" sz="2000" b="0" i="0" u="none" strike="noStrike" kern="1200" cap="none" spc="0" normalizeH="0" baseline="0" noProof="0" dirty="0">
-                <a:ln>
-                  <a:noFill/>
-                </a:ln>
-                <a:solidFill>
-                  <a:prstClr val="black"/>
-                </a:solidFill>
-                <a:effectLst/>
-                <a:uLnTx/>
-                <a:uFillTx/>
-                <a:latin typeface="Aptos" panose="02110004020202020204"/>
-                <a:ea typeface="+mn-ea"/>
-                <a:cs typeface="Segoe UI Semilight" panose="020B0402040204020203" pitchFamily="34" charset="0"/>
-              </a:rPr>
-              <a:t> de pe local</a:t>
-            </a:r>
-          </a:p>
-          <a:p>
-            <a:pPr marL="971484" lvl="1" indent="-342900" algn="just" defTabSz="914049">
-              <a:buFont typeface="Wingdings" panose="05000000000000000000" pitchFamily="2" charset="2"/>
-              <a:buChar char="§"/>
-              <a:defRPr/>
-            </a:pPr>
-            <a:r>
-              <a:rPr kumimoji="0" lang="en-US" sz="2000" b="0" i="0" u="none" strike="noStrike" kern="1200" cap="none" spc="0" normalizeH="0" baseline="0" noProof="0" dirty="0">
-                <a:ln>
-                  <a:noFill/>
-                </a:ln>
-                <a:solidFill>
-                  <a:prstClr val="black"/>
-                </a:solidFill>
-                <a:effectLst/>
-                <a:uLnTx/>
-                <a:uFillTx/>
-                <a:latin typeface="Aptos" panose="02110004020202020204"/>
-                <a:ea typeface="+mn-ea"/>
-                <a:cs typeface="Segoe UI Semilight" panose="020B0402040204020203" pitchFamily="34" charset="0"/>
-              </a:rPr>
-              <a:t>AKS </a:t>
-            </a:r>
-            <a:r>
-              <a:rPr kumimoji="0" lang="en-US" sz="2000" b="0" i="0" u="none" strike="noStrike" kern="1200" cap="none" spc="0" normalizeH="0" baseline="0" noProof="0" dirty="0" err="1">
-                <a:ln>
-                  <a:noFill/>
-                </a:ln>
-                <a:solidFill>
-                  <a:prstClr val="black"/>
-                </a:solidFill>
-                <a:effectLst/>
-                <a:uLnTx/>
-                <a:uFillTx/>
-                <a:latin typeface="Aptos" panose="02110004020202020204"/>
-                <a:ea typeface="+mn-ea"/>
-                <a:cs typeface="Segoe UI Semilight" panose="020B0402040204020203" pitchFamily="34" charset="0"/>
-              </a:rPr>
-              <a:t>descarca</a:t>
-            </a:r>
-            <a:r>
-              <a:rPr kumimoji="0" lang="en-US" sz="2000" b="0" i="0" u="none" strike="noStrike" kern="1200" cap="none" spc="0" normalizeH="0" baseline="0" noProof="0" dirty="0">
-                <a:ln>
-                  <a:noFill/>
-                </a:ln>
-                <a:solidFill>
-                  <a:prstClr val="black"/>
-                </a:solidFill>
-                <a:effectLst/>
-                <a:uLnTx/>
-                <a:uFillTx/>
-                <a:latin typeface="Aptos" panose="02110004020202020204"/>
-                <a:ea typeface="+mn-ea"/>
-                <a:cs typeface="Segoe UI Semilight" panose="020B0402040204020203" pitchFamily="34" charset="0"/>
-              </a:rPr>
-              <a:t> </a:t>
-            </a:r>
-            <a:r>
-              <a:rPr kumimoji="0" lang="en-US" sz="2000" b="0" i="0" u="none" strike="noStrike" kern="1200" cap="none" spc="0" normalizeH="0" baseline="0" noProof="0" dirty="0" err="1">
-                <a:ln>
-                  <a:noFill/>
-                </a:ln>
-                <a:solidFill>
-                  <a:prstClr val="black"/>
-                </a:solidFill>
-                <a:effectLst/>
-                <a:uLnTx/>
-                <a:uFillTx/>
-                <a:latin typeface="Aptos" panose="02110004020202020204"/>
-                <a:ea typeface="+mn-ea"/>
-                <a:cs typeface="Segoe UI Semilight" panose="020B0402040204020203" pitchFamily="34" charset="0"/>
-              </a:rPr>
-              <a:t>imaginea</a:t>
-            </a:r>
-            <a:r>
-              <a:rPr kumimoji="0" lang="en-US" sz="2000" b="0" i="0" u="none" strike="noStrike" kern="1200" cap="none" spc="0" normalizeH="0" baseline="0" noProof="0" dirty="0">
-                <a:ln>
-                  <a:noFill/>
-                </a:ln>
-                <a:solidFill>
-                  <a:prstClr val="black"/>
-                </a:solidFill>
-                <a:effectLst/>
-                <a:uLnTx/>
-                <a:uFillTx/>
-                <a:latin typeface="Aptos" panose="02110004020202020204"/>
-                <a:ea typeface="+mn-ea"/>
-                <a:cs typeface="Segoe UI Semilight" panose="020B0402040204020203" pitchFamily="34" charset="0"/>
-              </a:rPr>
-              <a:t> din ACR</a:t>
-            </a:r>
-          </a:p>
-          <a:p>
-            <a:pPr marL="514284" marR="0" lvl="0" indent="-342900" algn="just" defTabSz="914049" rtl="0" eaLnBrk="1" fontAlgn="auto" latinLnBrk="0" hangingPunct="1">
-              <a:lnSpc>
-                <a:spcPct val="100000"/>
-              </a:lnSpc>
-              <a:spcBef>
-                <a:spcPts val="0"/>
-              </a:spcBef>
-              <a:spcAft>
-                <a:spcPts val="0"/>
-              </a:spcAft>
-              <a:buClrTx/>
-              <a:buSzTx/>
-              <a:buFont typeface="Wingdings" panose="05000000000000000000" pitchFamily="2" charset="2"/>
-              <a:buChar char="§"/>
-              <a:tabLst/>
-              <a:defRPr/>
-            </a:pPr>
-            <a:endParaRPr lang="en-US" sz="2000" dirty="0">
-              <a:solidFill>
-                <a:prstClr val="black"/>
-              </a:solidFill>
-              <a:latin typeface="Aptos" panose="02110004020202020204"/>
-              <a:cs typeface="Segoe UI Semilight" panose="020B0402040204020203" pitchFamily="34" charset="0"/>
-            </a:endParaRPr>
-          </a:p>
-          <a:p>
-            <a:pPr marL="514284" marR="0" lvl="0" indent="-342900" algn="just" defTabSz="914049" rtl="0" eaLnBrk="1" fontAlgn="auto" latinLnBrk="0" hangingPunct="1">
-              <a:lnSpc>
-                <a:spcPct val="100000"/>
-              </a:lnSpc>
-              <a:spcBef>
-                <a:spcPts val="0"/>
-              </a:spcBef>
-              <a:spcAft>
-                <a:spcPts val="0"/>
-              </a:spcAft>
-              <a:buClrTx/>
-              <a:buSzTx/>
-              <a:buFont typeface="Wingdings" panose="05000000000000000000" pitchFamily="2" charset="2"/>
-              <a:buChar char="§"/>
-              <a:tabLst/>
-              <a:defRPr/>
-            </a:pPr>
-            <a:r>
-              <a:rPr lang="en-US" sz="2000" dirty="0">
-                <a:solidFill>
-                  <a:prstClr val="black"/>
-                </a:solidFill>
-                <a:latin typeface="Aptos" panose="02110004020202020204"/>
-                <a:cs typeface="Segoe UI Semilight" panose="020B0402040204020203" pitchFamily="34" charset="0"/>
-              </a:rPr>
-              <a:t>Un </a:t>
-            </a:r>
-            <a:r>
-              <a:rPr lang="en-US" sz="2000" dirty="0" err="1">
-                <a:solidFill>
-                  <a:prstClr val="black"/>
-                </a:solidFill>
-                <a:latin typeface="Aptos" panose="02110004020202020204"/>
-                <a:cs typeface="Segoe UI Semilight" panose="020B0402040204020203" pitchFamily="34" charset="0"/>
-              </a:rPr>
-              <a:t>cont</a:t>
-            </a:r>
-            <a:r>
-              <a:rPr lang="en-US" sz="2000" dirty="0">
-                <a:solidFill>
-                  <a:prstClr val="black"/>
-                </a:solidFill>
-                <a:latin typeface="Aptos" panose="02110004020202020204"/>
-                <a:cs typeface="Segoe UI Semilight" panose="020B0402040204020203" pitchFamily="34" charset="0"/>
-              </a:rPr>
-              <a:t> de </a:t>
-            </a:r>
-            <a:r>
-              <a:rPr lang="en-US" sz="2000" dirty="0" err="1">
-                <a:solidFill>
-                  <a:prstClr val="black"/>
-                </a:solidFill>
-                <a:latin typeface="Aptos" panose="02110004020202020204"/>
-                <a:cs typeface="Segoe UI Semilight" panose="020B0402040204020203" pitchFamily="34" charset="0"/>
-              </a:rPr>
-              <a:t>CosmosDB</a:t>
-            </a:r>
-            <a:r>
-              <a:rPr lang="en-US" sz="2000" dirty="0">
-                <a:solidFill>
-                  <a:prstClr val="black"/>
-                </a:solidFill>
-                <a:latin typeface="Aptos" panose="02110004020202020204"/>
-                <a:cs typeface="Segoe UI Semilight" panose="020B0402040204020203" pitchFamily="34" charset="0"/>
-              </a:rPr>
-              <a:t> </a:t>
-            </a:r>
-            <a:r>
-              <a:rPr lang="en-US" sz="2000" dirty="0" err="1">
-                <a:solidFill>
-                  <a:prstClr val="black"/>
-                </a:solidFill>
-                <a:latin typeface="Aptos" panose="02110004020202020204"/>
-                <a:cs typeface="Segoe UI Semilight" panose="020B0402040204020203" pitchFamily="34" charset="0"/>
-              </a:rPr>
-              <a:t>pentru</a:t>
-            </a:r>
-            <a:r>
-              <a:rPr lang="en-US" sz="2000" dirty="0">
-                <a:solidFill>
-                  <a:prstClr val="black"/>
-                </a:solidFill>
-                <a:latin typeface="Aptos" panose="02110004020202020204"/>
-                <a:cs typeface="Segoe UI Semilight" panose="020B0402040204020203" pitchFamily="34" charset="0"/>
-              </a:rPr>
-              <a:t> MongoDB</a:t>
-            </a:r>
-          </a:p>
-          <a:p>
-            <a:pPr marL="971484" lvl="1" indent="-342900" algn="just" defTabSz="914049">
-              <a:buFont typeface="Wingdings" panose="05000000000000000000" pitchFamily="2" charset="2"/>
-              <a:buChar char="§"/>
-              <a:defRPr/>
-            </a:pPr>
-            <a:r>
-              <a:rPr lang="en-US" sz="2000" dirty="0" err="1">
-                <a:solidFill>
-                  <a:prstClr val="black"/>
-                </a:solidFill>
-                <a:latin typeface="Aptos" panose="02110004020202020204"/>
-                <a:cs typeface="Segoe UI Semilight" panose="020B0402040204020203" pitchFamily="34" charset="0"/>
-              </a:rPr>
-              <a:t>Scalabilitatea</a:t>
-            </a:r>
-            <a:r>
-              <a:rPr lang="en-US" sz="2000" dirty="0">
-                <a:solidFill>
-                  <a:prstClr val="black"/>
-                </a:solidFill>
-                <a:latin typeface="Aptos" panose="02110004020202020204"/>
-                <a:cs typeface="Segoe UI Semilight" panose="020B0402040204020203" pitchFamily="34" charset="0"/>
-              </a:rPr>
-              <a:t> </a:t>
-            </a:r>
-            <a:r>
-              <a:rPr lang="en-US" sz="2000" dirty="0" err="1">
-                <a:solidFill>
-                  <a:prstClr val="black"/>
-                </a:solidFill>
-                <a:latin typeface="Aptos" panose="02110004020202020204"/>
-                <a:cs typeface="Segoe UI Semilight" panose="020B0402040204020203" pitchFamily="34" charset="0"/>
-              </a:rPr>
-              <a:t>bazei</a:t>
-            </a:r>
-            <a:r>
-              <a:rPr lang="en-US" sz="2000" dirty="0">
-                <a:solidFill>
-                  <a:prstClr val="black"/>
-                </a:solidFill>
-                <a:latin typeface="Aptos" panose="02110004020202020204"/>
-                <a:cs typeface="Segoe UI Semilight" panose="020B0402040204020203" pitchFamily="34" charset="0"/>
-              </a:rPr>
-              <a:t> de date</a:t>
-            </a:r>
-          </a:p>
-          <a:p>
-            <a:pPr marL="971484" lvl="1" indent="-342900" algn="just" defTabSz="914049">
-              <a:buFont typeface="Wingdings" panose="05000000000000000000" pitchFamily="2" charset="2"/>
-              <a:buChar char="§"/>
-              <a:defRPr/>
-            </a:pPr>
-            <a:endParaRPr lang="en-US" sz="2000" dirty="0">
-              <a:solidFill>
-                <a:prstClr val="black"/>
-              </a:solidFill>
-              <a:latin typeface="Aptos" panose="02110004020202020204"/>
-              <a:cs typeface="Segoe UI Semilight" panose="020B0402040204020203" pitchFamily="34" charset="0"/>
-            </a:endParaRPr>
-          </a:p>
-          <a:p>
-            <a:pPr marL="514284" marR="0" lvl="0" indent="-342900" algn="just" defTabSz="914049" rtl="0" eaLnBrk="1" fontAlgn="auto" latinLnBrk="0" hangingPunct="1">
-              <a:lnSpc>
-                <a:spcPct val="100000"/>
-              </a:lnSpc>
-              <a:spcBef>
-                <a:spcPts val="0"/>
-              </a:spcBef>
-              <a:spcAft>
-                <a:spcPts val="0"/>
-              </a:spcAft>
-              <a:buClrTx/>
-              <a:buSzTx/>
-              <a:buFont typeface="Wingdings" panose="05000000000000000000" pitchFamily="2" charset="2"/>
-              <a:buChar char="§"/>
-              <a:tabLst/>
-              <a:defRPr/>
-            </a:pPr>
-            <a:r>
-              <a:rPr lang="en-US" sz="2000" dirty="0" err="1">
-                <a:solidFill>
-                  <a:prstClr val="black"/>
-                </a:solidFill>
-                <a:latin typeface="Aptos" panose="02110004020202020204"/>
-                <a:cs typeface="Segoe UI Semilight" panose="020B0402040204020203" pitchFamily="34" charset="0"/>
-              </a:rPr>
-              <a:t>Crearea</a:t>
-            </a:r>
-            <a:r>
-              <a:rPr lang="en-US" sz="2000" dirty="0">
-                <a:solidFill>
-                  <a:prstClr val="black"/>
-                </a:solidFill>
-                <a:latin typeface="Aptos" panose="02110004020202020204"/>
-                <a:cs typeface="Segoe UI Semilight" panose="020B0402040204020203" pitchFamily="34" charset="0"/>
-              </a:rPr>
-              <a:t> </a:t>
-            </a:r>
-            <a:r>
-              <a:rPr lang="en-US" sz="2000" dirty="0" err="1">
-                <a:solidFill>
-                  <a:prstClr val="black"/>
-                </a:solidFill>
-                <a:latin typeface="Aptos" panose="02110004020202020204"/>
-                <a:cs typeface="Segoe UI Semilight" panose="020B0402040204020203" pitchFamily="34" charset="0"/>
-              </a:rPr>
-              <a:t>resurselor</a:t>
-            </a:r>
-            <a:r>
-              <a:rPr lang="en-US" sz="2000" dirty="0">
-                <a:solidFill>
-                  <a:prstClr val="black"/>
-                </a:solidFill>
-                <a:latin typeface="Aptos" panose="02110004020202020204"/>
-                <a:cs typeface="Segoe UI Semilight" panose="020B0402040204020203" pitchFamily="34" charset="0"/>
-              </a:rPr>
-              <a:t> </a:t>
-            </a:r>
-            <a:r>
-              <a:rPr lang="en-US" sz="2000" dirty="0" err="1">
-                <a:solidFill>
-                  <a:prstClr val="black"/>
-                </a:solidFill>
-                <a:latin typeface="Aptos" panose="02110004020202020204"/>
-                <a:cs typeface="Segoe UI Semilight" panose="020B0402040204020203" pitchFamily="34" charset="0"/>
-              </a:rPr>
-              <a:t>prin</a:t>
-            </a:r>
-            <a:r>
-              <a:rPr lang="en-US" sz="2000" dirty="0">
-                <a:solidFill>
-                  <a:prstClr val="black"/>
-                </a:solidFill>
-                <a:latin typeface="Aptos" panose="02110004020202020204"/>
-                <a:cs typeface="Segoe UI Semilight" panose="020B0402040204020203" pitchFamily="34" charset="0"/>
-              </a:rPr>
-              <a:t> bicep </a:t>
-            </a:r>
-            <a:r>
-              <a:rPr lang="en-US" sz="2000" dirty="0" err="1">
-                <a:solidFill>
-                  <a:prstClr val="black"/>
-                </a:solidFill>
-                <a:latin typeface="Aptos" panose="02110004020202020204"/>
-                <a:cs typeface="Segoe UI Semilight" panose="020B0402040204020203" pitchFamily="34" charset="0"/>
-              </a:rPr>
-              <a:t>si</a:t>
-            </a:r>
-            <a:r>
-              <a:rPr lang="en-US" sz="2000" dirty="0">
-                <a:solidFill>
-                  <a:prstClr val="black"/>
-                </a:solidFill>
-                <a:latin typeface="Aptos" panose="02110004020202020204"/>
-                <a:cs typeface="Segoe UI Semilight" panose="020B0402040204020203" pitchFamily="34" charset="0"/>
-              </a:rPr>
-              <a:t> deployments</a:t>
-            </a:r>
-            <a:endParaRPr kumimoji="0" lang="en-US" sz="2000" b="0" i="0" u="none" strike="noStrike" kern="1200" cap="none" spc="0" normalizeH="0" baseline="0" noProof="0" dirty="0">
-              <a:ln>
-                <a:noFill/>
-              </a:ln>
-              <a:solidFill>
-                <a:prstClr val="black"/>
-              </a:solidFill>
-              <a:effectLst/>
-              <a:uLnTx/>
-              <a:uFillTx/>
-              <a:latin typeface="Aptos" panose="02110004020202020204"/>
-              <a:ea typeface="+mn-ea"/>
-              <a:cs typeface="Segoe UI Semilight" panose="020B0402040204020203" pitchFamily="34" charset="0"/>
-            </a:endParaRPr>
-          </a:p>
-          <a:p>
-            <a:pPr marL="971484" lvl="1" indent="-342900" algn="just" defTabSz="914049">
-              <a:buFont typeface="Wingdings" panose="05000000000000000000" pitchFamily="2" charset="2"/>
-              <a:buChar char="§"/>
-              <a:defRPr/>
-            </a:pPr>
-            <a:endParaRPr lang="en-US" sz="2000" dirty="0">
-              <a:solidFill>
-                <a:prstClr val="black"/>
-              </a:solidFill>
-              <a:latin typeface="Aptos" panose="02110004020202020204"/>
-              <a:cs typeface="Segoe UI Semilight" panose="020B0402040204020203" pitchFamily="34" charset="0"/>
-            </a:endParaRPr>
-          </a:p>
         </p:txBody>
       </p:sp>
       <p:sp>
@@ -10541,7 +11144,7 @@
           <p:cNvPr id="5" name="microsoft">
             <a:extLst>
               <a:ext uri="{FF2B5EF4-FFF2-40B4-BE49-F238E27FC236}">
-                <a16:creationId xmlns:a16="http://schemas.microsoft.com/office/drawing/2014/main" id="{E5828698-5D7A-F9F6-8922-2A4E83233B0F}"/>
+                <a16:creationId xmlns:a16="http://schemas.microsoft.com/office/drawing/2014/main" id="{2779694F-0D3D-2E70-4C63-849B1B1226B3}"/>
               </a:ext>
             </a:extLst>
           </p:cNvPr>
@@ -10550,8 +11153,8 @@
         </p:nvSpPr>
         <p:spPr>
           <a:xfrm>
-            <a:off x="2834772" y="207278"/>
-            <a:ext cx="6522453" cy="480131"/>
+            <a:off x="2877185" y="199588"/>
+            <a:ext cx="6768259" cy="480131"/>
           </a:xfrm>
           <a:prstGeom prst="rect">
             <a:avLst/>
@@ -10585,7 +11188,7 @@
                 <a:latin typeface="Segoe UI"/>
                 <a:cs typeface="Segoe UI Semilight"/>
               </a:rPr>
-              <a:t>Expunerea</a:t>
+              <a:t>Diagrama</a:t>
             </a:r>
             <a:r>
               <a:rPr lang="en-US" sz="2800" kern="0" dirty="0">
@@ -10611,7 +11214,7 @@
                 <a:latin typeface="Segoe UI"/>
                 <a:cs typeface="Segoe UI Semilight"/>
               </a:rPr>
-              <a:t>aplicatiei</a:t>
+              <a:t>unui</a:t>
             </a:r>
             <a:r>
               <a:rPr lang="en-US" sz="2800" kern="0" dirty="0">
@@ -10624,74 +11227,22 @@
                 <a:latin typeface="Segoe UI"/>
                 <a:cs typeface="Segoe UI Semilight"/>
               </a:rPr>
-              <a:t> </a:t>
-            </a:r>
-            <a:r>
-              <a:rPr lang="en-US" sz="2800" kern="0" dirty="0" err="1">
-                <a:ln w="3175">
-                  <a:noFill/>
-                </a:ln>
-                <a:solidFill>
-                  <a:srgbClr val="FFFFFF"/>
-                </a:solidFill>
-                <a:latin typeface="Segoe UI"/>
-                <a:cs typeface="Segoe UI Semilight"/>
-              </a:rPr>
-              <a:t>prin</a:t>
-            </a:r>
-            <a:r>
-              <a:rPr lang="en-US" sz="2800" kern="0" dirty="0">
-                <a:ln w="3175">
-                  <a:noFill/>
-                </a:ln>
-                <a:solidFill>
-                  <a:srgbClr val="FFFFFF"/>
-                </a:solidFill>
-                <a:latin typeface="Segoe UI"/>
-                <a:cs typeface="Segoe UI Semilight"/>
-              </a:rPr>
-              <a:t> </a:t>
-            </a:r>
-            <a:r>
-              <a:rPr lang="en-US" sz="2800" kern="0" dirty="0" err="1">
-                <a:ln w="3175">
-                  <a:noFill/>
-                </a:ln>
-                <a:solidFill>
-                  <a:srgbClr val="FFFFFF"/>
-                </a:solidFill>
-                <a:latin typeface="Segoe UI"/>
-                <a:cs typeface="Segoe UI Semilight"/>
-              </a:rPr>
-              <a:t>serviciile</a:t>
-            </a:r>
-            <a:r>
-              <a:rPr lang="en-US" sz="2800" kern="0" dirty="0">
-                <a:ln w="3175">
-                  <a:noFill/>
-                </a:ln>
-                <a:solidFill>
-                  <a:srgbClr val="FFFFFF"/>
-                </a:solidFill>
-                <a:latin typeface="Segoe UI"/>
-                <a:cs typeface="Segoe UI Semilight"/>
-              </a:rPr>
-              <a:t> Azure</a:t>
+              <a:t> test in Azure Load Testing</a:t>
             </a:r>
           </a:p>
         </p:txBody>
       </p:sp>
       <p:pic>
         <p:nvPicPr>
-          <p:cNvPr id="7" name="Picture 6">
+          <p:cNvPr id="4098" name="Picture 2">
             <a:extLst>
               <a:ext uri="{FF2B5EF4-FFF2-40B4-BE49-F238E27FC236}">
-                <a16:creationId xmlns:a16="http://schemas.microsoft.com/office/drawing/2014/main" id="{65CC686B-6FE1-DF07-6853-44E7FFA2E677}"/>
+                <a16:creationId xmlns:a16="http://schemas.microsoft.com/office/drawing/2014/main" id="{681C2DFD-6493-65D9-F686-7BC6FB1B154C}"/>
               </a:ext>
             </a:extLst>
           </p:cNvPr>
           <p:cNvPicPr>
-            <a:picLocks noChangeAspect="1"/>
+            <a:picLocks noChangeAspect="1" noChangeArrowheads="1"/>
           </p:cNvPicPr>
           <p:nvPr/>
         </p:nvPicPr>
@@ -10703,60 +11254,35 @@
               </a:ext>
             </a:extLst>
           </a:blip>
+          <a:srcRect/>
           <a:stretch>
             <a:fillRect/>
           </a:stretch>
         </p:blipFill>
-        <p:spPr>
+        <p:spPr bwMode="auto">
           <a:xfrm>
-            <a:off x="6420465" y="934064"/>
-            <a:ext cx="4830194" cy="2872979"/>
+            <a:off x="1882673" y="842447"/>
+            <a:ext cx="8426652" cy="5173106"/>
           </a:xfrm>
           <a:prstGeom prst="rect">
             <a:avLst/>
           </a:prstGeom>
-        </p:spPr>
-      </p:pic>
-      <p:pic>
-        <p:nvPicPr>
-          <p:cNvPr id="9" name="Picture 8">
-            <a:extLst>
-              <a:ext uri="{FF2B5EF4-FFF2-40B4-BE49-F238E27FC236}">
-                <a16:creationId xmlns:a16="http://schemas.microsoft.com/office/drawing/2014/main" id="{6A1CE542-C1B7-630F-BA5D-017221112A73}"/>
-              </a:ext>
-            </a:extLst>
-          </p:cNvPr>
-          <p:cNvPicPr>
-            <a:picLocks noChangeAspect="1"/>
-          </p:cNvPicPr>
-          <p:nvPr/>
-        </p:nvPicPr>
-        <p:blipFill>
-          <a:blip r:embed="rId4">
-            <a:extLst>
-              <a:ext uri="{28A0092B-C50C-407E-A947-70E740481C1C}">
-                <a14:useLocalDpi xmlns:a14="http://schemas.microsoft.com/office/drawing/2010/main" val="0"/>
-              </a:ext>
-            </a:extLst>
-          </a:blip>
-          <a:stretch>
-            <a:fillRect/>
-          </a:stretch>
-        </p:blipFill>
-        <p:spPr>
-          <a:xfrm>
-            <a:off x="6777144" y="3672633"/>
-            <a:ext cx="3910521" cy="2251303"/>
-          </a:xfrm>
-          <a:prstGeom prst="rect">
-            <a:avLst/>
-          </a:prstGeom>
+          <a:noFill/>
+          <a:extLst>
+            <a:ext uri="{909E8E84-426E-40DD-AFC4-6F175D3DCCD1}">
+              <a14:hiddenFill xmlns:a14="http://schemas.microsoft.com/office/drawing/2010/main">
+                <a:solidFill>
+                  <a:srgbClr val="FFFFFF"/>
+                </a:solidFill>
+              </a14:hiddenFill>
+            </a:ext>
+          </a:extLst>
         </p:spPr>
       </p:pic>
     </p:spTree>
     <p:extLst>
       <p:ext uri="{BB962C8B-B14F-4D97-AF65-F5344CB8AC3E}">
-        <p14:creationId xmlns:p14="http://schemas.microsoft.com/office/powerpoint/2010/main" val="3697205138"/>
+        <p14:creationId xmlns:p14="http://schemas.microsoft.com/office/powerpoint/2010/main" val="165854250"/>
       </p:ext>
     </p:extLst>
   </p:cSld>
@@ -10786,7 +11312,7 @@
         <p:cNvPr id="1" name="">
           <a:extLst>
             <a:ext uri="{FF2B5EF4-FFF2-40B4-BE49-F238E27FC236}">
-              <a16:creationId xmlns:a16="http://schemas.microsoft.com/office/drawing/2014/main" id="{0EC53E2C-9CB3-614C-94A0-CC0C84C7A6E9}"/>
+              <a16:creationId xmlns:a16="http://schemas.microsoft.com/office/drawing/2014/main" id="{B7ED8DF6-9E81-3AE9-63C5-5688CA923008}"/>
             </a:ext>
           </a:extLst>
         </p:cNvPr>
@@ -10806,7 +11332,7 @@
           <p:cNvPr id="3" name="Rectangle 2">
             <a:extLst>
               <a:ext uri="{FF2B5EF4-FFF2-40B4-BE49-F238E27FC236}">
-                <a16:creationId xmlns:a16="http://schemas.microsoft.com/office/drawing/2014/main" id="{70EA41D8-972A-4C6F-81BD-844AC45B718D}"/>
+                <a16:creationId xmlns:a16="http://schemas.microsoft.com/office/drawing/2014/main" id="{91C825E5-AAB6-C28A-2469-1B9940E3445F}"/>
               </a:ext>
             </a:extLst>
           </p:cNvPr>
@@ -10831,6 +11357,1189 @@
           </a:bodyPr>
           <a:lstStyle/>
           <a:p>
+            <a:pPr marL="514284" marR="0" lvl="0" indent="-342900" algn="just" defTabSz="914049" rtl="0" eaLnBrk="1" fontAlgn="auto" latinLnBrk="0" hangingPunct="1">
+              <a:lnSpc>
+                <a:spcPct val="100000"/>
+              </a:lnSpc>
+              <a:spcBef>
+                <a:spcPts val="0"/>
+              </a:spcBef>
+              <a:spcAft>
+                <a:spcPts val="0"/>
+              </a:spcAft>
+              <a:buClrTx/>
+              <a:buSzTx/>
+              <a:buFont typeface="Wingdings" panose="05000000000000000000" pitchFamily="2" charset="2"/>
+              <a:buChar char="§"/>
+              <a:tabLst/>
+              <a:defRPr/>
+            </a:pPr>
+            <a:endParaRPr kumimoji="0" lang="en-US" sz="2000" b="0" i="0" u="none" strike="noStrike" kern="1200" cap="none" spc="0" normalizeH="0" baseline="0" noProof="0" dirty="0">
+              <a:ln>
+                <a:noFill/>
+              </a:ln>
+              <a:solidFill>
+                <a:prstClr val="black"/>
+              </a:solidFill>
+              <a:effectLst/>
+              <a:uLnTx/>
+              <a:uFillTx/>
+              <a:latin typeface="Aptos" panose="02110004020202020204"/>
+              <a:ea typeface="+mn-ea"/>
+              <a:cs typeface="Segoe UI Semilight" panose="020B0402040204020203" pitchFamily="34" charset="0"/>
+            </a:endParaRPr>
+          </a:p>
+          <a:p>
+            <a:pPr marL="514284" marR="0" lvl="0" indent="-342900" algn="just" defTabSz="914049" rtl="0" eaLnBrk="1" fontAlgn="auto" latinLnBrk="0" hangingPunct="1">
+              <a:lnSpc>
+                <a:spcPct val="100000"/>
+              </a:lnSpc>
+              <a:spcBef>
+                <a:spcPts val="0"/>
+              </a:spcBef>
+              <a:spcAft>
+                <a:spcPts val="0"/>
+              </a:spcAft>
+              <a:buClrTx/>
+              <a:buSzTx/>
+              <a:buFont typeface="Wingdings" panose="05000000000000000000" pitchFamily="2" charset="2"/>
+              <a:buChar char="§"/>
+              <a:tabLst/>
+              <a:defRPr/>
+            </a:pPr>
+            <a:r>
+              <a:rPr kumimoji="0" lang="en-US" sz="2000" b="0" i="0" u="none" strike="noStrike" kern="1200" cap="none" spc="0" normalizeH="0" baseline="0" noProof="0" dirty="0">
+                <a:ln>
+                  <a:noFill/>
+                </a:ln>
+                <a:solidFill>
+                  <a:prstClr val="black"/>
+                </a:solidFill>
+                <a:effectLst/>
+                <a:uLnTx/>
+                <a:uFillTx/>
+                <a:latin typeface="Aptos" panose="02110004020202020204"/>
+                <a:ea typeface="+mn-ea"/>
+                <a:cs typeface="Segoe UI Semilight" panose="020B0402040204020203" pitchFamily="34" charset="0"/>
+              </a:rPr>
+              <a:t>Server Python @ Flask</a:t>
+            </a:r>
+          </a:p>
+          <a:p>
+            <a:pPr marL="514284" marR="0" lvl="0" indent="-342900" algn="just" defTabSz="914049" rtl="0" eaLnBrk="1" fontAlgn="auto" latinLnBrk="0" hangingPunct="1">
+              <a:lnSpc>
+                <a:spcPct val="100000"/>
+              </a:lnSpc>
+              <a:spcBef>
+                <a:spcPts val="0"/>
+              </a:spcBef>
+              <a:spcAft>
+                <a:spcPts val="0"/>
+              </a:spcAft>
+              <a:buClrTx/>
+              <a:buSzTx/>
+              <a:buFont typeface="Wingdings" panose="05000000000000000000" pitchFamily="2" charset="2"/>
+              <a:buChar char="§"/>
+              <a:tabLst/>
+              <a:defRPr/>
+            </a:pPr>
+            <a:endParaRPr kumimoji="0" lang="en-US" sz="2000" b="0" i="0" u="none" strike="noStrike" kern="1200" cap="none" spc="0" normalizeH="0" baseline="0" noProof="0" dirty="0">
+              <a:ln>
+                <a:noFill/>
+              </a:ln>
+              <a:solidFill>
+                <a:prstClr val="black"/>
+              </a:solidFill>
+              <a:effectLst/>
+              <a:uLnTx/>
+              <a:uFillTx/>
+              <a:latin typeface="Aptos" panose="02110004020202020204"/>
+              <a:ea typeface="+mn-ea"/>
+              <a:cs typeface="Segoe UI Semilight" panose="020B0402040204020203" pitchFamily="34" charset="0"/>
+            </a:endParaRPr>
+          </a:p>
+          <a:p>
+            <a:pPr marL="514284" marR="0" lvl="0" indent="-342900" algn="just" defTabSz="914049" rtl="0" eaLnBrk="1" fontAlgn="auto" latinLnBrk="0" hangingPunct="1">
+              <a:lnSpc>
+                <a:spcPct val="100000"/>
+              </a:lnSpc>
+              <a:spcBef>
+                <a:spcPts val="0"/>
+              </a:spcBef>
+              <a:spcAft>
+                <a:spcPts val="0"/>
+              </a:spcAft>
+              <a:buClrTx/>
+              <a:buSzTx/>
+              <a:buFont typeface="Wingdings" panose="05000000000000000000" pitchFamily="2" charset="2"/>
+              <a:buChar char="§"/>
+              <a:tabLst/>
+              <a:defRPr/>
+            </a:pPr>
+            <a:r>
+              <a:rPr lang="en-US" sz="2000" dirty="0">
+                <a:solidFill>
+                  <a:prstClr val="black"/>
+                </a:solidFill>
+                <a:latin typeface="Aptos" panose="02110004020202020204"/>
+                <a:cs typeface="Segoe UI Semilight" panose="020B0402040204020203" pitchFamily="34" charset="0"/>
+              </a:rPr>
+              <a:t>Test </a:t>
+            </a:r>
+            <a:r>
+              <a:rPr lang="en-US" sz="2000" dirty="0" err="1">
+                <a:solidFill>
+                  <a:prstClr val="black"/>
+                </a:solidFill>
+                <a:latin typeface="Aptos" panose="02110004020202020204"/>
+                <a:cs typeface="Segoe UI Semilight" panose="020B0402040204020203" pitchFamily="34" charset="0"/>
+              </a:rPr>
+              <a:t>Jmeter</a:t>
+            </a:r>
+            <a:endParaRPr lang="en-US" sz="2000" dirty="0">
+              <a:solidFill>
+                <a:prstClr val="black"/>
+              </a:solidFill>
+              <a:latin typeface="Aptos" panose="02110004020202020204"/>
+              <a:cs typeface="Segoe UI Semilight" panose="020B0402040204020203" pitchFamily="34" charset="0"/>
+            </a:endParaRPr>
+          </a:p>
+          <a:p>
+            <a:pPr marL="514284" marR="0" lvl="0" indent="-342900" algn="just" defTabSz="914049" rtl="0" eaLnBrk="1" fontAlgn="auto" latinLnBrk="0" hangingPunct="1">
+              <a:lnSpc>
+                <a:spcPct val="100000"/>
+              </a:lnSpc>
+              <a:spcBef>
+                <a:spcPts val="0"/>
+              </a:spcBef>
+              <a:spcAft>
+                <a:spcPts val="0"/>
+              </a:spcAft>
+              <a:buClrTx/>
+              <a:buSzTx/>
+              <a:buFont typeface="Wingdings" panose="05000000000000000000" pitchFamily="2" charset="2"/>
+              <a:buChar char="§"/>
+              <a:tabLst/>
+              <a:defRPr/>
+            </a:pPr>
+            <a:endParaRPr lang="en-US" sz="2000" dirty="0">
+              <a:solidFill>
+                <a:prstClr val="black"/>
+              </a:solidFill>
+              <a:latin typeface="Aptos" panose="02110004020202020204"/>
+              <a:cs typeface="Segoe UI Semilight" panose="020B0402040204020203" pitchFamily="34" charset="0"/>
+            </a:endParaRPr>
+          </a:p>
+          <a:p>
+            <a:pPr marL="514284" marR="0" lvl="0" indent="-342900" algn="just" defTabSz="914049" rtl="0" eaLnBrk="1" fontAlgn="auto" latinLnBrk="0" hangingPunct="1">
+              <a:lnSpc>
+                <a:spcPct val="100000"/>
+              </a:lnSpc>
+              <a:spcBef>
+                <a:spcPts val="0"/>
+              </a:spcBef>
+              <a:spcAft>
+                <a:spcPts val="0"/>
+              </a:spcAft>
+              <a:buClrTx/>
+              <a:buSzTx/>
+              <a:buFont typeface="Wingdings" panose="05000000000000000000" pitchFamily="2" charset="2"/>
+              <a:buChar char="§"/>
+              <a:tabLst/>
+              <a:defRPr/>
+            </a:pPr>
+            <a:r>
+              <a:rPr kumimoji="0" lang="en-US" sz="2000" b="0" i="0" u="none" strike="noStrike" kern="1200" cap="none" spc="0" normalizeH="0" baseline="0" noProof="0" dirty="0">
+                <a:ln>
+                  <a:noFill/>
+                </a:ln>
+                <a:solidFill>
+                  <a:prstClr val="black"/>
+                </a:solidFill>
+                <a:effectLst/>
+                <a:uLnTx/>
+                <a:uFillTx/>
+                <a:latin typeface="Aptos" panose="02110004020202020204"/>
+                <a:ea typeface="+mn-ea"/>
+                <a:cs typeface="Segoe UI Semilight" panose="020B0402040204020203" pitchFamily="34" charset="0"/>
+              </a:rPr>
+              <a:t>Docker cu Docker Hub</a:t>
+            </a:r>
+          </a:p>
+          <a:p>
+            <a:pPr marL="514284" marR="0" lvl="0" indent="-342900" algn="just" defTabSz="914049" rtl="0" eaLnBrk="1" fontAlgn="auto" latinLnBrk="0" hangingPunct="1">
+              <a:lnSpc>
+                <a:spcPct val="100000"/>
+              </a:lnSpc>
+              <a:spcBef>
+                <a:spcPts val="0"/>
+              </a:spcBef>
+              <a:spcAft>
+                <a:spcPts val="0"/>
+              </a:spcAft>
+              <a:buClrTx/>
+              <a:buSzTx/>
+              <a:buFont typeface="Wingdings" panose="05000000000000000000" pitchFamily="2" charset="2"/>
+              <a:buChar char="§"/>
+              <a:tabLst/>
+              <a:defRPr/>
+            </a:pPr>
+            <a:endParaRPr kumimoji="0" lang="en-US" sz="2000" b="0" i="0" u="none" strike="noStrike" kern="1200" cap="none" spc="0" normalizeH="0" baseline="0" noProof="0" dirty="0">
+              <a:ln>
+                <a:noFill/>
+              </a:ln>
+              <a:solidFill>
+                <a:prstClr val="black"/>
+              </a:solidFill>
+              <a:effectLst/>
+              <a:uLnTx/>
+              <a:uFillTx/>
+              <a:latin typeface="Aptos" panose="02110004020202020204"/>
+              <a:ea typeface="+mn-ea"/>
+              <a:cs typeface="Segoe UI Semilight" panose="020B0402040204020203" pitchFamily="34" charset="0"/>
+            </a:endParaRPr>
+          </a:p>
+          <a:p>
+            <a:pPr marL="514284" marR="0" lvl="0" indent="-342900" algn="just" defTabSz="914049" rtl="0" eaLnBrk="1" fontAlgn="auto" latinLnBrk="0" hangingPunct="1">
+              <a:lnSpc>
+                <a:spcPct val="100000"/>
+              </a:lnSpc>
+              <a:spcBef>
+                <a:spcPts val="0"/>
+              </a:spcBef>
+              <a:spcAft>
+                <a:spcPts val="0"/>
+              </a:spcAft>
+              <a:buClrTx/>
+              <a:buSzTx/>
+              <a:buFont typeface="Wingdings" panose="05000000000000000000" pitchFamily="2" charset="2"/>
+              <a:buChar char="§"/>
+              <a:tabLst/>
+              <a:defRPr/>
+            </a:pPr>
+            <a:r>
+              <a:rPr kumimoji="0" lang="en-US" sz="2000" b="0" i="0" u="none" strike="noStrike" kern="1200" cap="none" spc="0" normalizeH="0" baseline="0" noProof="0" dirty="0">
+                <a:ln>
+                  <a:noFill/>
+                </a:ln>
+                <a:solidFill>
+                  <a:prstClr val="black"/>
+                </a:solidFill>
+                <a:effectLst/>
+                <a:uLnTx/>
+                <a:uFillTx/>
+                <a:latin typeface="Aptos" panose="02110004020202020204"/>
+                <a:ea typeface="+mn-ea"/>
+                <a:cs typeface="Segoe UI Semilight" panose="020B0402040204020203" pitchFamily="34" charset="0"/>
+              </a:rPr>
+              <a:t>Kind cu Kubernetes</a:t>
+            </a:r>
+          </a:p>
+          <a:p>
+            <a:pPr marL="514284" marR="0" lvl="0" indent="-342900" algn="just" defTabSz="914049" rtl="0" eaLnBrk="1" fontAlgn="auto" latinLnBrk="0" hangingPunct="1">
+              <a:lnSpc>
+                <a:spcPct val="100000"/>
+              </a:lnSpc>
+              <a:spcBef>
+                <a:spcPts val="0"/>
+              </a:spcBef>
+              <a:spcAft>
+                <a:spcPts val="0"/>
+              </a:spcAft>
+              <a:buClrTx/>
+              <a:buSzTx/>
+              <a:buFont typeface="Wingdings" panose="05000000000000000000" pitchFamily="2" charset="2"/>
+              <a:buChar char="§"/>
+              <a:tabLst/>
+              <a:defRPr/>
+            </a:pPr>
+            <a:endParaRPr kumimoji="0" lang="en-US" sz="2000" b="0" i="0" u="none" strike="noStrike" kern="1200" cap="none" spc="0" normalizeH="0" baseline="0" noProof="0" dirty="0">
+              <a:ln>
+                <a:noFill/>
+              </a:ln>
+              <a:solidFill>
+                <a:prstClr val="black"/>
+              </a:solidFill>
+              <a:effectLst/>
+              <a:uLnTx/>
+              <a:uFillTx/>
+              <a:latin typeface="Aptos" panose="02110004020202020204"/>
+              <a:ea typeface="+mn-ea"/>
+              <a:cs typeface="Segoe UI Semilight" panose="020B0402040204020203" pitchFamily="34" charset="0"/>
+            </a:endParaRPr>
+          </a:p>
+          <a:p>
+            <a:pPr marL="514284" marR="0" lvl="0" indent="-342900" algn="just" defTabSz="914049" rtl="0" eaLnBrk="1" fontAlgn="auto" latinLnBrk="0" hangingPunct="1">
+              <a:lnSpc>
+                <a:spcPct val="100000"/>
+              </a:lnSpc>
+              <a:spcBef>
+                <a:spcPts val="0"/>
+              </a:spcBef>
+              <a:spcAft>
+                <a:spcPts val="0"/>
+              </a:spcAft>
+              <a:buClrTx/>
+              <a:buSzTx/>
+              <a:buFont typeface="Wingdings" panose="05000000000000000000" pitchFamily="2" charset="2"/>
+              <a:buChar char="§"/>
+              <a:tabLst/>
+              <a:defRPr/>
+            </a:pPr>
+            <a:r>
+              <a:rPr lang="en-US" sz="2000" dirty="0">
+                <a:solidFill>
+                  <a:prstClr val="black"/>
+                </a:solidFill>
+                <a:latin typeface="Aptos" panose="02110004020202020204"/>
+                <a:cs typeface="Segoe UI Semilight" panose="020B0402040204020203" pitchFamily="34" charset="0"/>
+              </a:rPr>
+              <a:t>Helm Charts </a:t>
+            </a:r>
+            <a:r>
+              <a:rPr lang="en-US" sz="2000" dirty="0" err="1">
+                <a:solidFill>
+                  <a:prstClr val="black"/>
+                </a:solidFill>
+                <a:latin typeface="Aptos" panose="02110004020202020204"/>
+                <a:cs typeface="Segoe UI Semilight" panose="020B0402040204020203" pitchFamily="34" charset="0"/>
+              </a:rPr>
+              <a:t>pentru</a:t>
+            </a:r>
+            <a:r>
+              <a:rPr lang="en-US" sz="2000" dirty="0">
+                <a:solidFill>
+                  <a:prstClr val="black"/>
+                </a:solidFill>
+                <a:latin typeface="Aptos" panose="02110004020202020204"/>
+                <a:cs typeface="Segoe UI Semilight" panose="020B0402040204020203" pitchFamily="34" charset="0"/>
+              </a:rPr>
+              <a:t> </a:t>
+            </a:r>
+            <a:r>
+              <a:rPr lang="en-US" sz="2000" dirty="0" err="1">
+                <a:solidFill>
+                  <a:prstClr val="black"/>
+                </a:solidFill>
+                <a:latin typeface="Aptos" panose="02110004020202020204"/>
+                <a:cs typeface="Segoe UI Semilight" panose="020B0402040204020203" pitchFamily="34" charset="0"/>
+              </a:rPr>
+              <a:t>replicabilitatea</a:t>
+            </a:r>
+            <a:r>
+              <a:rPr lang="en-US" sz="2000" dirty="0">
+                <a:solidFill>
+                  <a:prstClr val="black"/>
+                </a:solidFill>
+                <a:latin typeface="Aptos" panose="02110004020202020204"/>
+                <a:cs typeface="Segoe UI Semilight" panose="020B0402040204020203" pitchFamily="34" charset="0"/>
+              </a:rPr>
+              <a:t> </a:t>
+            </a:r>
+            <a:r>
+              <a:rPr lang="en-US" sz="2000" dirty="0" err="1">
+                <a:solidFill>
+                  <a:prstClr val="black"/>
+                </a:solidFill>
+                <a:latin typeface="Aptos" panose="02110004020202020204"/>
+                <a:cs typeface="Segoe UI Semilight" panose="020B0402040204020203" pitchFamily="34" charset="0"/>
+              </a:rPr>
+              <a:t>aplicatiei</a:t>
+            </a:r>
+            <a:endParaRPr kumimoji="0" lang="en-US" sz="2000" b="0" i="0" u="none" strike="noStrike" kern="1200" cap="none" spc="0" normalizeH="0" baseline="0" noProof="0" dirty="0">
+              <a:ln>
+                <a:noFill/>
+              </a:ln>
+              <a:solidFill>
+                <a:prstClr val="black"/>
+              </a:solidFill>
+              <a:effectLst/>
+              <a:uLnTx/>
+              <a:uFillTx/>
+              <a:latin typeface="Aptos" panose="02110004020202020204"/>
+              <a:ea typeface="+mn-ea"/>
+              <a:cs typeface="Segoe UI Semilight" panose="020B0402040204020203" pitchFamily="34" charset="0"/>
+            </a:endParaRPr>
+          </a:p>
+          <a:p>
+            <a:pPr marL="971484" lvl="1" indent="-342900" algn="just" defTabSz="914049">
+              <a:buFont typeface="Wingdings" panose="05000000000000000000" pitchFamily="2" charset="2"/>
+              <a:buChar char="§"/>
+              <a:defRPr/>
+            </a:pPr>
+            <a:endParaRPr lang="en-US" sz="2000" dirty="0">
+              <a:solidFill>
+                <a:prstClr val="black"/>
+              </a:solidFill>
+              <a:latin typeface="Aptos" panose="02110004020202020204"/>
+              <a:cs typeface="Segoe UI Semilight" panose="020B0402040204020203" pitchFamily="34" charset="0"/>
+            </a:endParaRPr>
+          </a:p>
+        </p:txBody>
+      </p:sp>
+      <p:sp>
+        <p:nvSpPr>
+          <p:cNvPr id="5" name="microsoft">
+            <a:extLst>
+              <a:ext uri="{FF2B5EF4-FFF2-40B4-BE49-F238E27FC236}">
+                <a16:creationId xmlns:a16="http://schemas.microsoft.com/office/drawing/2014/main" id="{E5828698-5D7A-F9F6-8922-2A4E83233B0F}"/>
+              </a:ext>
+            </a:extLst>
+          </p:cNvPr>
+          <p:cNvSpPr/>
+          <p:nvPr/>
+        </p:nvSpPr>
+        <p:spPr>
+          <a:xfrm>
+            <a:off x="2015613" y="207278"/>
+            <a:ext cx="8504903" cy="480131"/>
+          </a:xfrm>
+          <a:prstGeom prst="rect">
+            <a:avLst/>
+          </a:prstGeom>
+        </p:spPr>
+        <p:txBody>
+          <a:bodyPr wrap="square" anchor="t">
+            <a:spAutoFit/>
+          </a:bodyPr>
+          <a:lstStyle/>
+          <a:p>
+            <a:pPr algn="ctr" defTabSz="896042" fontAlgn="base">
+              <a:lnSpc>
+                <a:spcPct val="90000"/>
+              </a:lnSpc>
+              <a:spcBef>
+                <a:spcPct val="0"/>
+              </a:spcBef>
+              <a:spcAft>
+                <a:spcPts val="1174"/>
+              </a:spcAft>
+            </a:pPr>
+            <a:r>
+              <a:rPr lang="en-US" sz="2800" kern="0" dirty="0" err="1">
+                <a:ln w="3175">
+                  <a:noFill/>
+                </a:ln>
+                <a:solidFill>
+                  <a:srgbClr val="FFFFFF"/>
+                </a:solidFill>
+                <a:latin typeface="Segoe UI"/>
+                <a:cs typeface="Segoe UI Semilight"/>
+              </a:rPr>
+              <a:t>Aplicatie</a:t>
+            </a:r>
+            <a:r>
+              <a:rPr lang="en-US" sz="2800" kern="0" dirty="0">
+                <a:ln w="3175">
+                  <a:noFill/>
+                </a:ln>
+                <a:solidFill>
+                  <a:srgbClr val="FFFFFF"/>
+                </a:solidFill>
+                <a:latin typeface="Segoe UI"/>
+                <a:cs typeface="Segoe UI Semilight"/>
+              </a:rPr>
+              <a:t> de </a:t>
+            </a:r>
+            <a:r>
+              <a:rPr lang="en-US" sz="2800" kern="0" dirty="0" err="1">
+                <a:ln w="3175">
+                  <a:noFill/>
+                </a:ln>
+                <a:solidFill>
+                  <a:srgbClr val="FFFFFF"/>
+                </a:solidFill>
+                <a:latin typeface="Segoe UI"/>
+                <a:cs typeface="Segoe UI Semilight"/>
+              </a:rPr>
+              <a:t>testare</a:t>
+            </a:r>
+            <a:r>
+              <a:rPr lang="en-US" sz="2800" kern="0" dirty="0">
+                <a:ln w="3175">
+                  <a:noFill/>
+                </a:ln>
+                <a:solidFill>
+                  <a:srgbClr val="FFFFFF"/>
+                </a:solidFill>
+                <a:latin typeface="Segoe UI"/>
+                <a:cs typeface="Segoe UI Semilight"/>
+              </a:rPr>
+              <a:t> cu </a:t>
+            </a:r>
+            <a:r>
+              <a:rPr lang="en-US" sz="2800" kern="0" dirty="0" err="1">
+                <a:ln w="3175">
+                  <a:noFill/>
+                </a:ln>
+                <a:solidFill>
+                  <a:srgbClr val="FFFFFF"/>
+                </a:solidFill>
+                <a:latin typeface="Segoe UI"/>
+                <a:cs typeface="Segoe UI Semilight"/>
+              </a:rPr>
+              <a:t>numar</a:t>
+            </a:r>
+            <a:r>
+              <a:rPr lang="en-US" sz="2800" kern="0" dirty="0">
+                <a:ln w="3175">
+                  <a:noFill/>
+                </a:ln>
+                <a:solidFill>
+                  <a:srgbClr val="FFFFFF"/>
+                </a:solidFill>
+                <a:latin typeface="Segoe UI"/>
+                <a:cs typeface="Segoe UI Semilight"/>
+              </a:rPr>
+              <a:t> mare de </a:t>
+            </a:r>
+            <a:r>
+              <a:rPr lang="en-US" sz="2800" kern="0" dirty="0" err="1">
+                <a:ln w="3175">
+                  <a:noFill/>
+                </a:ln>
+                <a:solidFill>
+                  <a:srgbClr val="FFFFFF"/>
+                </a:solidFill>
+                <a:latin typeface="Segoe UI"/>
+                <a:cs typeface="Segoe UI Semilight"/>
+              </a:rPr>
+              <a:t>utilizatori</a:t>
+            </a:r>
+            <a:endParaRPr lang="en-US" sz="2800" kern="0" dirty="0">
+              <a:ln w="3175">
+                <a:noFill/>
+              </a:ln>
+              <a:solidFill>
+                <a:srgbClr val="FFFFFF"/>
+              </a:solidFill>
+              <a:latin typeface="Segoe UI"/>
+              <a:cs typeface="Segoe UI Semilight"/>
+            </a:endParaRPr>
+          </a:p>
+        </p:txBody>
+      </p:sp>
+      <p:pic>
+        <p:nvPicPr>
+          <p:cNvPr id="2" name="Picture 6">
+            <a:extLst>
+              <a:ext uri="{FF2B5EF4-FFF2-40B4-BE49-F238E27FC236}">
+                <a16:creationId xmlns:a16="http://schemas.microsoft.com/office/drawing/2014/main" id="{A3CB8CF5-EB2F-7255-CEE4-6C70CAD759E1}"/>
+              </a:ext>
+            </a:extLst>
+          </p:cNvPr>
+          <p:cNvPicPr>
+            <a:picLocks noChangeAspect="1" noChangeArrowheads="1"/>
+          </p:cNvPicPr>
+          <p:nvPr/>
+        </p:nvPicPr>
+        <p:blipFill>
+          <a:blip r:embed="rId3">
+            <a:extLst>
+              <a:ext uri="{28A0092B-C50C-407E-A947-70E740481C1C}">
+                <a14:useLocalDpi xmlns:a14="http://schemas.microsoft.com/office/drawing/2010/main" val="0"/>
+              </a:ext>
+            </a:extLst>
+          </a:blip>
+          <a:srcRect/>
+          <a:stretch>
+            <a:fillRect/>
+          </a:stretch>
+        </p:blipFill>
+        <p:spPr bwMode="auto">
+          <a:xfrm>
+            <a:off x="5647486" y="1307995"/>
+            <a:ext cx="963015" cy="1056968"/>
+          </a:xfrm>
+          <a:prstGeom prst="rect">
+            <a:avLst/>
+          </a:prstGeom>
+          <a:noFill/>
+          <a:extLst>
+            <a:ext uri="{909E8E84-426E-40DD-AFC4-6F175D3DCCD1}">
+              <a14:hiddenFill xmlns:a14="http://schemas.microsoft.com/office/drawing/2010/main">
+                <a:solidFill>
+                  <a:srgbClr val="FFFFFF"/>
+                </a:solidFill>
+              </a14:hiddenFill>
+            </a:ext>
+          </a:extLst>
+        </p:spPr>
+      </p:pic>
+      <p:pic>
+        <p:nvPicPr>
+          <p:cNvPr id="4" name="Picture 10" descr="Docker Vector SVG Icon (8) - SVG Repo">
+            <a:extLst>
+              <a:ext uri="{FF2B5EF4-FFF2-40B4-BE49-F238E27FC236}">
+                <a16:creationId xmlns:a16="http://schemas.microsoft.com/office/drawing/2014/main" id="{9B8AD49D-20FA-1E9D-3B22-04555690D757}"/>
+              </a:ext>
+            </a:extLst>
+          </p:cNvPr>
+          <p:cNvPicPr>
+            <a:picLocks noChangeAspect="1" noChangeArrowheads="1"/>
+          </p:cNvPicPr>
+          <p:nvPr/>
+        </p:nvPicPr>
+        <p:blipFill>
+          <a:blip r:embed="rId4">
+            <a:extLst>
+              <a:ext uri="{28A0092B-C50C-407E-A947-70E740481C1C}">
+                <a14:useLocalDpi xmlns:a14="http://schemas.microsoft.com/office/drawing/2010/main" val="0"/>
+              </a:ext>
+            </a:extLst>
+          </a:blip>
+          <a:srcRect/>
+          <a:stretch>
+            <a:fillRect/>
+          </a:stretch>
+        </p:blipFill>
+        <p:spPr bwMode="auto">
+          <a:xfrm>
+            <a:off x="8171631" y="1256873"/>
+            <a:ext cx="1159211" cy="1159211"/>
+          </a:xfrm>
+          <a:prstGeom prst="rect">
+            <a:avLst/>
+          </a:prstGeom>
+          <a:noFill/>
+          <a:extLst>
+            <a:ext uri="{909E8E84-426E-40DD-AFC4-6F175D3DCCD1}">
+              <a14:hiddenFill xmlns:a14="http://schemas.microsoft.com/office/drawing/2010/main">
+                <a:solidFill>
+                  <a:srgbClr val="FFFFFF"/>
+                </a:solidFill>
+              </a14:hiddenFill>
+            </a:ext>
+          </a:extLst>
+        </p:spPr>
+      </p:pic>
+      <p:sp>
+        <p:nvSpPr>
+          <p:cNvPr id="6" name="Arrow: Right 5">
+            <a:extLst>
+              <a:ext uri="{FF2B5EF4-FFF2-40B4-BE49-F238E27FC236}">
+                <a16:creationId xmlns:a16="http://schemas.microsoft.com/office/drawing/2014/main" id="{1913A569-6E2F-A1F2-A503-0A972F662E3C}"/>
+              </a:ext>
+            </a:extLst>
+          </p:cNvPr>
+          <p:cNvSpPr/>
+          <p:nvPr/>
+        </p:nvSpPr>
+        <p:spPr>
+          <a:xfrm>
+            <a:off x="6955246" y="1769955"/>
+            <a:ext cx="871640" cy="133046"/>
+          </a:xfrm>
+          <a:prstGeom prst="rightArrow">
+            <a:avLst/>
+          </a:prstGeom>
+        </p:spPr>
+        <p:style>
+          <a:lnRef idx="2">
+            <a:schemeClr val="accent2">
+              <a:shade val="15000"/>
+            </a:schemeClr>
+          </a:lnRef>
+          <a:fillRef idx="1">
+            <a:schemeClr val="accent2"/>
+          </a:fillRef>
+          <a:effectRef idx="0">
+            <a:schemeClr val="accent2"/>
+          </a:effectRef>
+          <a:fontRef idx="minor">
+            <a:schemeClr val="lt1"/>
+          </a:fontRef>
+        </p:style>
+        <p:txBody>
+          <a:bodyPr rtlCol="0" anchor="ctr"/>
+          <a:lstStyle/>
+          <a:p>
+            <a:pPr algn="ctr"/>
+            <a:endParaRPr lang="en-US"/>
+          </a:p>
+        </p:txBody>
+      </p:sp>
+      <p:pic>
+        <p:nvPicPr>
+          <p:cNvPr id="8" name="Picture 12" descr="JMeter - Guides">
+            <a:extLst>
+              <a:ext uri="{FF2B5EF4-FFF2-40B4-BE49-F238E27FC236}">
+                <a16:creationId xmlns:a16="http://schemas.microsoft.com/office/drawing/2014/main" id="{98401C77-3C1E-1074-B738-4DFEFADE29D8}"/>
+              </a:ext>
+            </a:extLst>
+          </p:cNvPr>
+          <p:cNvPicPr>
+            <a:picLocks noChangeAspect="1" noChangeArrowheads="1"/>
+          </p:cNvPicPr>
+          <p:nvPr/>
+        </p:nvPicPr>
+        <p:blipFill rotWithShape="1">
+          <a:blip r:embed="rId5">
+            <a:extLst>
+              <a:ext uri="{28A0092B-C50C-407E-A947-70E740481C1C}">
+                <a14:useLocalDpi xmlns:a14="http://schemas.microsoft.com/office/drawing/2010/main" val="0"/>
+              </a:ext>
+            </a:extLst>
+          </a:blip>
+          <a:srcRect l="13424" r="38828"/>
+          <a:stretch/>
+        </p:blipFill>
+        <p:spPr bwMode="auto">
+          <a:xfrm>
+            <a:off x="2951315" y="1548196"/>
+            <a:ext cx="1795402" cy="576566"/>
+          </a:xfrm>
+          <a:prstGeom prst="rect">
+            <a:avLst/>
+          </a:prstGeom>
+          <a:noFill/>
+          <a:extLst>
+            <a:ext uri="{909E8E84-426E-40DD-AFC4-6F175D3DCCD1}">
+              <a14:hiddenFill xmlns:a14="http://schemas.microsoft.com/office/drawing/2010/main">
+                <a:solidFill>
+                  <a:srgbClr val="FFFFFF"/>
+                </a:solidFill>
+              </a14:hiddenFill>
+            </a:ext>
+          </a:extLst>
+        </p:spPr>
+      </p:pic>
+      <p:sp>
+        <p:nvSpPr>
+          <p:cNvPr id="10" name="Arrow: Right 9">
+            <a:extLst>
+              <a:ext uri="{FF2B5EF4-FFF2-40B4-BE49-F238E27FC236}">
+                <a16:creationId xmlns:a16="http://schemas.microsoft.com/office/drawing/2014/main" id="{9B1E8E0C-0158-E1AD-FCCA-429418913FAA}"/>
+              </a:ext>
+            </a:extLst>
+          </p:cNvPr>
+          <p:cNvSpPr/>
+          <p:nvPr/>
+        </p:nvSpPr>
+        <p:spPr>
+          <a:xfrm rot="10800000">
+            <a:off x="4686832" y="1836478"/>
+            <a:ext cx="871640" cy="133046"/>
+          </a:xfrm>
+          <a:prstGeom prst="rightArrow">
+            <a:avLst/>
+          </a:prstGeom>
+        </p:spPr>
+        <p:style>
+          <a:lnRef idx="2">
+            <a:schemeClr val="accent2">
+              <a:shade val="15000"/>
+            </a:schemeClr>
+          </a:lnRef>
+          <a:fillRef idx="1">
+            <a:schemeClr val="accent2"/>
+          </a:fillRef>
+          <a:effectRef idx="0">
+            <a:schemeClr val="accent2"/>
+          </a:effectRef>
+          <a:fontRef idx="minor">
+            <a:schemeClr val="lt1"/>
+          </a:fontRef>
+        </p:style>
+        <p:txBody>
+          <a:bodyPr rtlCol="0" anchor="ctr"/>
+          <a:lstStyle/>
+          <a:p>
+            <a:pPr algn="ctr"/>
+            <a:endParaRPr lang="en-US"/>
+          </a:p>
+        </p:txBody>
+      </p:sp>
+      <p:pic>
+        <p:nvPicPr>
+          <p:cNvPr id="11" name="Picture 2" descr="Check Docker Hub Limit · GitLab">
+            <a:extLst>
+              <a:ext uri="{FF2B5EF4-FFF2-40B4-BE49-F238E27FC236}">
+                <a16:creationId xmlns:a16="http://schemas.microsoft.com/office/drawing/2014/main" id="{1DA82416-AF1C-6F7C-4094-549595460486}"/>
+              </a:ext>
+            </a:extLst>
+          </p:cNvPr>
+          <p:cNvPicPr>
+            <a:picLocks noChangeAspect="1" noChangeArrowheads="1"/>
+          </p:cNvPicPr>
+          <p:nvPr/>
+        </p:nvPicPr>
+        <p:blipFill>
+          <a:blip r:embed="rId6">
+            <a:extLst>
+              <a:ext uri="{28A0092B-C50C-407E-A947-70E740481C1C}">
+                <a14:useLocalDpi xmlns:a14="http://schemas.microsoft.com/office/drawing/2010/main" val="0"/>
+              </a:ext>
+            </a:extLst>
+          </a:blip>
+          <a:srcRect/>
+          <a:stretch>
+            <a:fillRect/>
+          </a:stretch>
+        </p:blipFill>
+        <p:spPr bwMode="auto">
+          <a:xfrm>
+            <a:off x="10281762" y="1379879"/>
+            <a:ext cx="1236184" cy="985084"/>
+          </a:xfrm>
+          <a:prstGeom prst="rect">
+            <a:avLst/>
+          </a:prstGeom>
+          <a:noFill/>
+          <a:extLst>
+            <a:ext uri="{909E8E84-426E-40DD-AFC4-6F175D3DCCD1}">
+              <a14:hiddenFill xmlns:a14="http://schemas.microsoft.com/office/drawing/2010/main">
+                <a:solidFill>
+                  <a:srgbClr val="FFFFFF"/>
+                </a:solidFill>
+              </a14:hiddenFill>
+            </a:ext>
+          </a:extLst>
+        </p:spPr>
+      </p:pic>
+      <p:sp>
+        <p:nvSpPr>
+          <p:cNvPr id="12" name="Arrow: Right 11">
+            <a:extLst>
+              <a:ext uri="{FF2B5EF4-FFF2-40B4-BE49-F238E27FC236}">
+                <a16:creationId xmlns:a16="http://schemas.microsoft.com/office/drawing/2014/main" id="{F93CFD8F-6A5A-1D0F-B459-DC59A954F6F7}"/>
+              </a:ext>
+            </a:extLst>
+          </p:cNvPr>
+          <p:cNvSpPr/>
+          <p:nvPr/>
+        </p:nvSpPr>
+        <p:spPr>
+          <a:xfrm>
+            <a:off x="9419887" y="1805898"/>
+            <a:ext cx="871640" cy="133046"/>
+          </a:xfrm>
+          <a:prstGeom prst="rightArrow">
+            <a:avLst/>
+          </a:prstGeom>
+        </p:spPr>
+        <p:style>
+          <a:lnRef idx="2">
+            <a:schemeClr val="accent2">
+              <a:shade val="15000"/>
+            </a:schemeClr>
+          </a:lnRef>
+          <a:fillRef idx="1">
+            <a:schemeClr val="accent2"/>
+          </a:fillRef>
+          <a:effectRef idx="0">
+            <a:schemeClr val="accent2"/>
+          </a:effectRef>
+          <a:fontRef idx="minor">
+            <a:schemeClr val="lt1"/>
+          </a:fontRef>
+        </p:style>
+        <p:txBody>
+          <a:bodyPr rtlCol="0" anchor="ctr"/>
+          <a:lstStyle/>
+          <a:p>
+            <a:pPr algn="ctr"/>
+            <a:endParaRPr lang="en-US"/>
+          </a:p>
+        </p:txBody>
+      </p:sp>
+      <p:pic>
+        <p:nvPicPr>
+          <p:cNvPr id="13" name="Picture 4" descr="kind">
+            <a:extLst>
+              <a:ext uri="{FF2B5EF4-FFF2-40B4-BE49-F238E27FC236}">
+                <a16:creationId xmlns:a16="http://schemas.microsoft.com/office/drawing/2014/main" id="{AD39FB81-93DE-BE94-1FB2-6E91F869F0BA}"/>
+              </a:ext>
+            </a:extLst>
+          </p:cNvPr>
+          <p:cNvPicPr>
+            <a:picLocks noChangeAspect="1" noChangeArrowheads="1"/>
+          </p:cNvPicPr>
+          <p:nvPr/>
+        </p:nvPicPr>
+        <p:blipFill>
+          <a:blip r:embed="rId7">
+            <a:extLst>
+              <a:ext uri="{28A0092B-C50C-407E-A947-70E740481C1C}">
+                <a14:useLocalDpi xmlns:a14="http://schemas.microsoft.com/office/drawing/2010/main" val="0"/>
+              </a:ext>
+            </a:extLst>
+          </a:blip>
+          <a:srcRect/>
+          <a:stretch>
+            <a:fillRect/>
+          </a:stretch>
+        </p:blipFill>
+        <p:spPr bwMode="auto">
+          <a:xfrm>
+            <a:off x="9171346" y="3331131"/>
+            <a:ext cx="1683131" cy="1013373"/>
+          </a:xfrm>
+          <a:prstGeom prst="rect">
+            <a:avLst/>
+          </a:prstGeom>
+          <a:noFill/>
+          <a:extLst>
+            <a:ext uri="{909E8E84-426E-40DD-AFC4-6F175D3DCCD1}">
+              <a14:hiddenFill xmlns:a14="http://schemas.microsoft.com/office/drawing/2010/main">
+                <a:solidFill>
+                  <a:srgbClr val="FFFFFF"/>
+                </a:solidFill>
+              </a14:hiddenFill>
+            </a:ext>
+          </a:extLst>
+        </p:spPr>
+      </p:pic>
+      <p:sp>
+        <p:nvSpPr>
+          <p:cNvPr id="14" name="Arrow: Right 13">
+            <a:extLst>
+              <a:ext uri="{FF2B5EF4-FFF2-40B4-BE49-F238E27FC236}">
+                <a16:creationId xmlns:a16="http://schemas.microsoft.com/office/drawing/2014/main" id="{13DEA455-FF02-6399-79F2-46B3ECB00730}"/>
+              </a:ext>
+            </a:extLst>
+          </p:cNvPr>
+          <p:cNvSpPr/>
+          <p:nvPr/>
+        </p:nvSpPr>
+        <p:spPr>
+          <a:xfrm rot="7331614">
+            <a:off x="9793357" y="2702695"/>
+            <a:ext cx="871640" cy="133046"/>
+          </a:xfrm>
+          <a:prstGeom prst="rightArrow">
+            <a:avLst/>
+          </a:prstGeom>
+        </p:spPr>
+        <p:style>
+          <a:lnRef idx="2">
+            <a:schemeClr val="accent2">
+              <a:shade val="15000"/>
+            </a:schemeClr>
+          </a:lnRef>
+          <a:fillRef idx="1">
+            <a:schemeClr val="accent2"/>
+          </a:fillRef>
+          <a:effectRef idx="0">
+            <a:schemeClr val="accent2"/>
+          </a:effectRef>
+          <a:fontRef idx="minor">
+            <a:schemeClr val="lt1"/>
+          </a:fontRef>
+        </p:style>
+        <p:txBody>
+          <a:bodyPr rtlCol="0" anchor="ctr"/>
+          <a:lstStyle/>
+          <a:p>
+            <a:pPr algn="ctr"/>
+            <a:endParaRPr lang="en-US"/>
+          </a:p>
+        </p:txBody>
+      </p:sp>
+      <p:pic>
+        <p:nvPicPr>
+          <p:cNvPr id="5122" name="Picture 2" descr="Helm">
+            <a:extLst>
+              <a:ext uri="{FF2B5EF4-FFF2-40B4-BE49-F238E27FC236}">
+                <a16:creationId xmlns:a16="http://schemas.microsoft.com/office/drawing/2014/main" id="{3F84BFA0-95A1-C5FD-A0FD-37793402D3C1}"/>
+              </a:ext>
+            </a:extLst>
+          </p:cNvPr>
+          <p:cNvPicPr>
+            <a:picLocks noChangeAspect="1" noChangeArrowheads="1"/>
+          </p:cNvPicPr>
+          <p:nvPr/>
+        </p:nvPicPr>
+        <p:blipFill>
+          <a:blip r:embed="rId8">
+            <a:extLst>
+              <a:ext uri="{28A0092B-C50C-407E-A947-70E740481C1C}">
+                <a14:useLocalDpi xmlns:a14="http://schemas.microsoft.com/office/drawing/2010/main" val="0"/>
+              </a:ext>
+            </a:extLst>
+          </a:blip>
+          <a:srcRect/>
+          <a:stretch>
+            <a:fillRect/>
+          </a:stretch>
+        </p:blipFill>
+        <p:spPr bwMode="auto">
+          <a:xfrm>
+            <a:off x="6734411" y="3084760"/>
+            <a:ext cx="1092475" cy="1259744"/>
+          </a:xfrm>
+          <a:prstGeom prst="rect">
+            <a:avLst/>
+          </a:prstGeom>
+          <a:noFill/>
+          <a:extLst>
+            <a:ext uri="{909E8E84-426E-40DD-AFC4-6F175D3DCCD1}">
+              <a14:hiddenFill xmlns:a14="http://schemas.microsoft.com/office/drawing/2010/main">
+                <a:solidFill>
+                  <a:srgbClr val="FFFFFF"/>
+                </a:solidFill>
+              </a14:hiddenFill>
+            </a:ext>
+          </a:extLst>
+        </p:spPr>
+      </p:pic>
+      <p:sp>
+        <p:nvSpPr>
+          <p:cNvPr id="15" name="Arrow: Right 14">
+            <a:extLst>
+              <a:ext uri="{FF2B5EF4-FFF2-40B4-BE49-F238E27FC236}">
+                <a16:creationId xmlns:a16="http://schemas.microsoft.com/office/drawing/2014/main" id="{B055753E-354E-B131-8F98-1FAA68E5DE47}"/>
+              </a:ext>
+            </a:extLst>
+          </p:cNvPr>
+          <p:cNvSpPr/>
+          <p:nvPr/>
+        </p:nvSpPr>
+        <p:spPr>
+          <a:xfrm>
+            <a:off x="8171631" y="3714632"/>
+            <a:ext cx="871640" cy="133046"/>
+          </a:xfrm>
+          <a:prstGeom prst="rightArrow">
+            <a:avLst/>
+          </a:prstGeom>
+        </p:spPr>
+        <p:style>
+          <a:lnRef idx="2">
+            <a:schemeClr val="accent2">
+              <a:shade val="15000"/>
+            </a:schemeClr>
+          </a:lnRef>
+          <a:fillRef idx="1">
+            <a:schemeClr val="accent2"/>
+          </a:fillRef>
+          <a:effectRef idx="0">
+            <a:schemeClr val="accent2"/>
+          </a:effectRef>
+          <a:fontRef idx="minor">
+            <a:schemeClr val="lt1"/>
+          </a:fontRef>
+        </p:style>
+        <p:txBody>
+          <a:bodyPr rtlCol="0" anchor="ctr"/>
+          <a:lstStyle/>
+          <a:p>
+            <a:pPr algn="ctr"/>
+            <a:endParaRPr lang="en-US"/>
+          </a:p>
+        </p:txBody>
+      </p:sp>
+    </p:spTree>
+    <p:extLst>
+      <p:ext uri="{BB962C8B-B14F-4D97-AF65-F5344CB8AC3E}">
+        <p14:creationId xmlns:p14="http://schemas.microsoft.com/office/powerpoint/2010/main" val="3697205138"/>
+      </p:ext>
+    </p:extLst>
+  </p:cSld>
+  <p:clrMapOvr>
+    <a:masterClrMapping/>
+  </p:clrMapOvr>
+  <mc:AlternateContent xmlns:mc="http://schemas.openxmlformats.org/markup-compatibility/2006" xmlns:p14="http://schemas.microsoft.com/office/powerpoint/2010/main">
+    <mc:Choice Requires="p14">
+      <p:transition spd="med" p14:dur="700">
+        <p:fade/>
+      </p:transition>
+    </mc:Choice>
+    <mc:Fallback xmlns="">
+      <p:transition spd="med">
+        <p:fade/>
+      </p:transition>
+    </mc:Fallback>
+  </mc:AlternateContent>
+</p:sld>
+</file>
+
+<file path=ppt/slides/slide7.xml><?xml version="1.0" encoding="utf-8"?>
+<p:sld xmlns:a="http://schemas.openxmlformats.org/drawingml/2006/main" xmlns:r="http://schemas.openxmlformats.org/officeDocument/2006/relationships" xmlns:p="http://schemas.openxmlformats.org/presentationml/2006/main">
+  <p:cSld>
+    <p:spTree>
+      <p:nvGrpSpPr>
+        <p:cNvPr id="1" name="">
+          <a:extLst>
+            <a:ext uri="{FF2B5EF4-FFF2-40B4-BE49-F238E27FC236}">
+              <a16:creationId xmlns:a16="http://schemas.microsoft.com/office/drawing/2014/main" id="{1566CF2F-D45D-521D-889B-CB0D1C9E21AD}"/>
+            </a:ext>
+          </a:extLst>
+        </p:cNvPr>
+        <p:cNvGrpSpPr/>
+        <p:nvPr/>
+      </p:nvGrpSpPr>
+      <p:grpSpPr>
+        <a:xfrm>
+          <a:off x="0" y="0"/>
+          <a:ext cx="0" cy="0"/>
+          <a:chOff x="0" y="0"/>
+          <a:chExt cx="0" cy="0"/>
+        </a:xfrm>
+      </p:grpSpPr>
+      <p:sp>
+        <p:nvSpPr>
+          <p:cNvPr id="3" name="Rectangle 2">
+            <a:extLst>
+              <a:ext uri="{FF2B5EF4-FFF2-40B4-BE49-F238E27FC236}">
+                <a16:creationId xmlns:a16="http://schemas.microsoft.com/office/drawing/2014/main" id="{3176C94D-6FF2-1967-21B7-BB60064DA60B}"/>
+              </a:ext>
+            </a:extLst>
+          </p:cNvPr>
+          <p:cNvSpPr/>
+          <p:nvPr/>
+        </p:nvSpPr>
+        <p:spPr>
+          <a:xfrm>
+            <a:off x="247998" y="687409"/>
+            <a:ext cx="11696003" cy="5534395"/>
+          </a:xfrm>
+          <a:prstGeom prst="rect">
+            <a:avLst/>
+          </a:prstGeom>
+          <a:solidFill>
+            <a:schemeClr val="bg1"/>
+          </a:solidFill>
+        </p:spPr>
+        <p:txBody>
+          <a:bodyPr wrap="square" anchor="t">
+            <a:noAutofit/>
+          </a:bodyPr>
+          <a:lstStyle/>
+          <a:p>
+            <a:pPr marL="514284" marR="0" lvl="0" indent="-342900" algn="just" defTabSz="914049" rtl="0" eaLnBrk="1" fontAlgn="auto" latinLnBrk="0" hangingPunct="1">
+              <a:lnSpc>
+                <a:spcPct val="100000"/>
+              </a:lnSpc>
+              <a:spcBef>
+                <a:spcPts val="0"/>
+              </a:spcBef>
+              <a:spcAft>
+                <a:spcPts val="0"/>
+              </a:spcAft>
+              <a:buClrTx/>
+              <a:buSzTx/>
+              <a:buFont typeface="Wingdings" panose="05000000000000000000" pitchFamily="2" charset="2"/>
+              <a:buChar char="§"/>
+              <a:tabLst/>
+              <a:defRPr/>
+            </a:pPr>
+            <a:endParaRPr kumimoji="0" lang="en-US" sz="2000" b="0" i="0" u="none" strike="noStrike" kern="1200" cap="none" spc="0" normalizeH="0" baseline="0" noProof="0" dirty="0">
+              <a:ln>
+                <a:noFill/>
+              </a:ln>
+              <a:solidFill>
+                <a:prstClr val="black"/>
+              </a:solidFill>
+              <a:effectLst/>
+              <a:uLnTx/>
+              <a:uFillTx/>
+              <a:latin typeface="Aptos" panose="02110004020202020204"/>
+              <a:ea typeface="+mn-ea"/>
+              <a:cs typeface="Segoe UI Semilight" panose="020B0402040204020203" pitchFamily="34" charset="0"/>
+            </a:endParaRPr>
+          </a:p>
+          <a:p>
             <a:pPr marL="628584" lvl="1" algn="just" defTabSz="914049">
               <a:defRPr/>
             </a:pPr>
@@ -10846,51 +12555,595 @@
       </p:sp>
       <p:sp>
         <p:nvSpPr>
-          <p:cNvPr id="2" name="TextBox 1">
+          <p:cNvPr id="5" name="microsoft">
             <a:extLst>
               <a:ext uri="{FF2B5EF4-FFF2-40B4-BE49-F238E27FC236}">
-                <a16:creationId xmlns:a16="http://schemas.microsoft.com/office/drawing/2014/main" id="{F1727843-C872-02A2-8750-D736A0B1871C}"/>
+                <a16:creationId xmlns:a16="http://schemas.microsoft.com/office/drawing/2014/main" id="{45B4D3F7-C060-A528-8BC3-385EC31170B2}"/>
               </a:ext>
             </a:extLst>
           </p:cNvPr>
-          <p:cNvSpPr txBox="1"/>
+          <p:cNvSpPr/>
           <p:nvPr/>
         </p:nvSpPr>
         <p:spPr>
           <a:xfrm>
-            <a:off x="914399" y="2869831"/>
-            <a:ext cx="10363200" cy="584775"/>
+            <a:off x="2015613" y="207278"/>
+            <a:ext cx="8504903" cy="424732"/>
+          </a:xfrm>
+          <a:prstGeom prst="rect">
+            <a:avLst/>
+          </a:prstGeom>
+        </p:spPr>
+        <p:txBody>
+          <a:bodyPr wrap="square" anchor="t">
+            <a:spAutoFit/>
+          </a:bodyPr>
+          <a:lstStyle/>
+          <a:p>
+            <a:pPr algn="ctr" defTabSz="896042" fontAlgn="base">
+              <a:lnSpc>
+                <a:spcPct val="90000"/>
+              </a:lnSpc>
+              <a:spcBef>
+                <a:spcPct val="0"/>
+              </a:spcBef>
+              <a:spcAft>
+                <a:spcPts val="1174"/>
+              </a:spcAft>
+            </a:pPr>
+            <a:r>
+              <a:rPr lang="en-US" sz="2400" kern="0" dirty="0" err="1">
+                <a:ln w="3175">
+                  <a:noFill/>
+                </a:ln>
+                <a:solidFill>
+                  <a:srgbClr val="FFFFFF"/>
+                </a:solidFill>
+                <a:latin typeface="Segoe UI"/>
+                <a:cs typeface="Segoe UI Semilight"/>
+              </a:rPr>
+              <a:t>Diagrama</a:t>
+            </a:r>
+            <a:r>
+              <a:rPr lang="en-US" sz="2400" kern="0" dirty="0">
+                <a:ln w="3175">
+                  <a:noFill/>
+                </a:ln>
+                <a:solidFill>
+                  <a:srgbClr val="FFFFFF"/>
+                </a:solidFill>
+                <a:latin typeface="Segoe UI"/>
+                <a:cs typeface="Segoe UI Semilight"/>
+              </a:rPr>
+              <a:t> </a:t>
+            </a:r>
+            <a:r>
+              <a:rPr lang="en-US" sz="2400" kern="0" dirty="0" err="1">
+                <a:ln w="3175">
+                  <a:noFill/>
+                </a:ln>
+                <a:solidFill>
+                  <a:srgbClr val="FFFFFF"/>
+                </a:solidFill>
+                <a:latin typeface="Segoe UI"/>
+                <a:cs typeface="Segoe UI Semilight"/>
+              </a:rPr>
+              <a:t>aplicatiei</a:t>
+            </a:r>
+            <a:r>
+              <a:rPr lang="en-US" sz="2400" kern="0" dirty="0">
+                <a:ln w="3175">
+                  <a:noFill/>
+                </a:ln>
+                <a:solidFill>
+                  <a:srgbClr val="FFFFFF"/>
+                </a:solidFill>
+                <a:latin typeface="Segoe UI"/>
+                <a:cs typeface="Segoe UI Semilight"/>
+              </a:rPr>
+              <a:t> de </a:t>
+            </a:r>
+            <a:r>
+              <a:rPr lang="en-US" sz="2400" kern="0" dirty="0" err="1">
+                <a:ln w="3175">
+                  <a:noFill/>
+                </a:ln>
+                <a:solidFill>
+                  <a:srgbClr val="FFFFFF"/>
+                </a:solidFill>
+                <a:latin typeface="Segoe UI"/>
+                <a:cs typeface="Segoe UI Semilight"/>
+              </a:rPr>
+              <a:t>testare</a:t>
+            </a:r>
+            <a:r>
+              <a:rPr lang="en-US" sz="2400" kern="0" dirty="0">
+                <a:ln w="3175">
+                  <a:noFill/>
+                </a:ln>
+                <a:solidFill>
+                  <a:srgbClr val="FFFFFF"/>
+                </a:solidFill>
+                <a:latin typeface="Segoe UI"/>
+                <a:cs typeface="Segoe UI Semilight"/>
+              </a:rPr>
+              <a:t> cu </a:t>
+            </a:r>
+            <a:r>
+              <a:rPr lang="en-US" sz="2400" kern="0" dirty="0" err="1">
+                <a:ln w="3175">
+                  <a:noFill/>
+                </a:ln>
+                <a:solidFill>
+                  <a:srgbClr val="FFFFFF"/>
+                </a:solidFill>
+                <a:latin typeface="Segoe UI"/>
+                <a:cs typeface="Segoe UI Semilight"/>
+              </a:rPr>
+              <a:t>numar</a:t>
+            </a:r>
+            <a:r>
+              <a:rPr lang="en-US" sz="2400" kern="0" dirty="0">
+                <a:ln w="3175">
+                  <a:noFill/>
+                </a:ln>
+                <a:solidFill>
+                  <a:srgbClr val="FFFFFF"/>
+                </a:solidFill>
+                <a:latin typeface="Segoe UI"/>
+                <a:cs typeface="Segoe UI Semilight"/>
+              </a:rPr>
+              <a:t> mare de </a:t>
+            </a:r>
+            <a:r>
+              <a:rPr lang="en-US" sz="2400" kern="0" dirty="0" err="1">
+                <a:ln w="3175">
+                  <a:noFill/>
+                </a:ln>
+                <a:solidFill>
+                  <a:srgbClr val="FFFFFF"/>
+                </a:solidFill>
+                <a:latin typeface="Segoe UI"/>
+                <a:cs typeface="Segoe UI Semilight"/>
+              </a:rPr>
+              <a:t>utilizatori</a:t>
+            </a:r>
+            <a:endParaRPr lang="en-US" sz="2400" kern="0" dirty="0">
+              <a:ln w="3175">
+                <a:noFill/>
+              </a:ln>
+              <a:solidFill>
+                <a:srgbClr val="FFFFFF"/>
+              </a:solidFill>
+              <a:latin typeface="Segoe UI"/>
+              <a:cs typeface="Segoe UI Semilight"/>
+            </a:endParaRPr>
+          </a:p>
+        </p:txBody>
+      </p:sp>
+      <p:pic>
+        <p:nvPicPr>
+          <p:cNvPr id="6146" name="Picture 2">
+            <a:extLst>
+              <a:ext uri="{FF2B5EF4-FFF2-40B4-BE49-F238E27FC236}">
+                <a16:creationId xmlns:a16="http://schemas.microsoft.com/office/drawing/2014/main" id="{2C521269-7609-97A0-18F4-536EA72C5344}"/>
+              </a:ext>
+            </a:extLst>
+          </p:cNvPr>
+          <p:cNvPicPr>
+            <a:picLocks noChangeAspect="1" noChangeArrowheads="1"/>
+          </p:cNvPicPr>
+          <p:nvPr/>
+        </p:nvPicPr>
+        <p:blipFill>
+          <a:blip r:embed="rId3">
+            <a:extLst>
+              <a:ext uri="{28A0092B-C50C-407E-A947-70E740481C1C}">
+                <a14:useLocalDpi xmlns:a14="http://schemas.microsoft.com/office/drawing/2010/main" val="0"/>
+              </a:ext>
+            </a:extLst>
+          </a:blip>
+          <a:srcRect/>
+          <a:stretch>
+            <a:fillRect/>
+          </a:stretch>
+        </p:blipFill>
+        <p:spPr bwMode="auto">
+          <a:xfrm>
+            <a:off x="684726" y="781664"/>
+            <a:ext cx="4772558" cy="5294671"/>
           </a:xfrm>
           <a:prstGeom prst="rect">
             <a:avLst/>
           </a:prstGeom>
           <a:noFill/>
+          <a:extLst>
+            <a:ext uri="{909E8E84-426E-40DD-AFC4-6F175D3DCCD1}">
+              <a14:hiddenFill xmlns:a14="http://schemas.microsoft.com/office/drawing/2010/main">
+                <a:solidFill>
+                  <a:srgbClr val="FFFFFF"/>
+                </a:solidFill>
+              </a14:hiddenFill>
+            </a:ext>
+          </a:extLst>
+        </p:spPr>
+      </p:pic>
+      <p:pic>
+        <p:nvPicPr>
+          <p:cNvPr id="6148" name="Picture 4">
+            <a:extLst>
+              <a:ext uri="{FF2B5EF4-FFF2-40B4-BE49-F238E27FC236}">
+                <a16:creationId xmlns:a16="http://schemas.microsoft.com/office/drawing/2014/main" id="{0626C624-199E-A960-CE71-76C0359E91A8}"/>
+              </a:ext>
+            </a:extLst>
+          </p:cNvPr>
+          <p:cNvPicPr>
+            <a:picLocks noChangeAspect="1" noChangeArrowheads="1"/>
+          </p:cNvPicPr>
+          <p:nvPr/>
+        </p:nvPicPr>
+        <p:blipFill>
+          <a:blip r:embed="rId4">
+            <a:extLst>
+              <a:ext uri="{28A0092B-C50C-407E-A947-70E740481C1C}">
+                <a14:useLocalDpi xmlns:a14="http://schemas.microsoft.com/office/drawing/2010/main" val="0"/>
+              </a:ext>
+            </a:extLst>
+          </a:blip>
+          <a:srcRect/>
+          <a:stretch>
+            <a:fillRect/>
+          </a:stretch>
+        </p:blipFill>
+        <p:spPr bwMode="auto">
+          <a:xfrm>
+            <a:off x="6268064" y="1688640"/>
+            <a:ext cx="5181461" cy="3531932"/>
+          </a:xfrm>
+          <a:prstGeom prst="rect">
+            <a:avLst/>
+          </a:prstGeom>
+          <a:noFill/>
+          <a:extLst>
+            <a:ext uri="{909E8E84-426E-40DD-AFC4-6F175D3DCCD1}">
+              <a14:hiddenFill xmlns:a14="http://schemas.microsoft.com/office/drawing/2010/main">
+                <a:solidFill>
+                  <a:srgbClr val="FFFFFF"/>
+                </a:solidFill>
+              </a14:hiddenFill>
+            </a:ext>
+          </a:extLst>
+        </p:spPr>
+      </p:pic>
+    </p:spTree>
+    <p:extLst>
+      <p:ext uri="{BB962C8B-B14F-4D97-AF65-F5344CB8AC3E}">
+        <p14:creationId xmlns:p14="http://schemas.microsoft.com/office/powerpoint/2010/main" val="4021416678"/>
+      </p:ext>
+    </p:extLst>
+  </p:cSld>
+  <p:clrMapOvr>
+    <a:masterClrMapping/>
+  </p:clrMapOvr>
+  <mc:AlternateContent xmlns:mc="http://schemas.openxmlformats.org/markup-compatibility/2006" xmlns:p14="http://schemas.microsoft.com/office/powerpoint/2010/main">
+    <mc:Choice Requires="p14">
+      <p:transition spd="med" p14:dur="700">
+        <p:fade/>
+      </p:transition>
+    </mc:Choice>
+    <mc:Fallback xmlns="">
+      <p:transition spd="med">
+        <p:fade/>
+      </p:transition>
+    </mc:Fallback>
+  </mc:AlternateContent>
+</p:sld>
+</file>
+
+<file path=ppt/slides/slide8.xml><?xml version="1.0" encoding="utf-8"?>
+<p:sld xmlns:a="http://schemas.openxmlformats.org/drawingml/2006/main" xmlns:r="http://schemas.openxmlformats.org/officeDocument/2006/relationships" xmlns:p="http://schemas.openxmlformats.org/presentationml/2006/main">
+  <p:cSld>
+    <p:spTree>
+      <p:nvGrpSpPr>
+        <p:cNvPr id="1" name="">
+          <a:extLst>
+            <a:ext uri="{FF2B5EF4-FFF2-40B4-BE49-F238E27FC236}">
+              <a16:creationId xmlns:a16="http://schemas.microsoft.com/office/drawing/2014/main" id="{EB05FFAC-2998-B466-4CB7-98D356971E6E}"/>
+            </a:ext>
+          </a:extLst>
+        </p:cNvPr>
+        <p:cNvGrpSpPr/>
+        <p:nvPr/>
+      </p:nvGrpSpPr>
+      <p:grpSpPr>
+        <a:xfrm>
+          <a:off x="0" y="0"/>
+          <a:ext cx="0" cy="0"/>
+          <a:chOff x="0" y="0"/>
+          <a:chExt cx="0" cy="0"/>
+        </a:xfrm>
+      </p:grpSpPr>
+      <p:sp>
+        <p:nvSpPr>
+          <p:cNvPr id="3" name="Rectangle 2">
+            <a:extLst>
+              <a:ext uri="{FF2B5EF4-FFF2-40B4-BE49-F238E27FC236}">
+                <a16:creationId xmlns:a16="http://schemas.microsoft.com/office/drawing/2014/main" id="{5C2CC06C-A4A7-E955-F4AB-E6BCAD37AF14}"/>
+              </a:ext>
+            </a:extLst>
+          </p:cNvPr>
+          <p:cNvSpPr/>
+          <p:nvPr/>
+        </p:nvSpPr>
+        <p:spPr>
+          <a:xfrm>
+            <a:off x="247998" y="687409"/>
+            <a:ext cx="11696003" cy="5534395"/>
+          </a:xfrm>
+          <a:prstGeom prst="rect">
+            <a:avLst/>
+          </a:prstGeom>
+          <a:solidFill>
+            <a:schemeClr val="bg1"/>
+          </a:solidFill>
         </p:spPr>
         <p:txBody>
-          <a:bodyPr wrap="square" rtlCol="0">
+          <a:bodyPr wrap="square" anchor="t">
+            <a:noAutofit/>
+          </a:bodyPr>
+          <a:lstStyle/>
+          <a:p>
+            <a:pPr marL="514284" marR="0" lvl="0" indent="-342900" algn="just" defTabSz="914049" rtl="0" eaLnBrk="1" fontAlgn="auto" latinLnBrk="0" hangingPunct="1">
+              <a:lnSpc>
+                <a:spcPct val="100000"/>
+              </a:lnSpc>
+              <a:spcBef>
+                <a:spcPts val="0"/>
+              </a:spcBef>
+              <a:spcAft>
+                <a:spcPts val="0"/>
+              </a:spcAft>
+              <a:buClrTx/>
+              <a:buSzTx/>
+              <a:buFont typeface="Wingdings" panose="05000000000000000000" pitchFamily="2" charset="2"/>
+              <a:buChar char="§"/>
+              <a:tabLst/>
+              <a:defRPr/>
+            </a:pPr>
+            <a:endParaRPr kumimoji="0" lang="en-US" sz="2000" b="0" i="0" u="none" strike="noStrike" kern="1200" cap="none" spc="0" normalizeH="0" baseline="0" noProof="0" dirty="0">
+              <a:ln>
+                <a:noFill/>
+              </a:ln>
+              <a:solidFill>
+                <a:prstClr val="black"/>
+              </a:solidFill>
+              <a:effectLst/>
+              <a:uLnTx/>
+              <a:uFillTx/>
+              <a:latin typeface="Aptos" panose="02110004020202020204"/>
+              <a:ea typeface="+mn-ea"/>
+              <a:cs typeface="Segoe UI Semilight" panose="020B0402040204020203" pitchFamily="34" charset="0"/>
+            </a:endParaRPr>
+          </a:p>
+          <a:p>
+            <a:pPr marL="628584" lvl="1" algn="just" defTabSz="914049">
+              <a:defRPr/>
+            </a:pPr>
+            <a:endParaRPr lang="en-US" sz="2000" dirty="0">
+              <a:solidFill>
+                <a:prstClr val="black"/>
+              </a:solidFill>
+              <a:latin typeface="Aptos" panose="02110004020202020204"/>
+              <a:cs typeface="Segoe UI Semilight" panose="020B0402040204020203" pitchFamily="34" charset="0"/>
+            </a:endParaRPr>
+          </a:p>
+        </p:txBody>
+      </p:sp>
+      <p:sp>
+        <p:nvSpPr>
+          <p:cNvPr id="5" name="microsoft">
+            <a:extLst>
+              <a:ext uri="{FF2B5EF4-FFF2-40B4-BE49-F238E27FC236}">
+                <a16:creationId xmlns:a16="http://schemas.microsoft.com/office/drawing/2014/main" id="{5BA74E97-3ABA-38A6-95DB-868A985DA5C5}"/>
+              </a:ext>
+            </a:extLst>
+          </p:cNvPr>
+          <p:cNvSpPr/>
+          <p:nvPr/>
+        </p:nvSpPr>
+        <p:spPr>
+          <a:xfrm>
+            <a:off x="1720645" y="207278"/>
+            <a:ext cx="9094839" cy="397032"/>
+          </a:xfrm>
+          <a:prstGeom prst="rect">
+            <a:avLst/>
+          </a:prstGeom>
+        </p:spPr>
+        <p:txBody>
+          <a:bodyPr wrap="square" anchor="t">
             <a:spAutoFit/>
           </a:bodyPr>
           <a:lstStyle/>
           <a:p>
-            <a:pPr algn="ctr"/>
-            <a:r>
-              <a:rPr lang="en-US" sz="3200" b="1" dirty="0"/>
-              <a:t>DEMO</a:t>
-            </a:r>
+            <a:pPr algn="ctr" defTabSz="896042" fontAlgn="base">
+              <a:lnSpc>
+                <a:spcPct val="90000"/>
+              </a:lnSpc>
+              <a:spcBef>
+                <a:spcPct val="0"/>
+              </a:spcBef>
+              <a:spcAft>
+                <a:spcPts val="1174"/>
+              </a:spcAft>
+            </a:pPr>
+            <a:r>
+              <a:rPr lang="en-US" sz="2200" kern="0" dirty="0" err="1">
+                <a:ln w="3175">
+                  <a:noFill/>
+                </a:ln>
+                <a:solidFill>
+                  <a:srgbClr val="FFFFFF"/>
+                </a:solidFill>
+                <a:latin typeface="Segoe UI"/>
+                <a:cs typeface="Segoe UI Semilight"/>
+              </a:rPr>
+              <a:t>Diagrama</a:t>
+            </a:r>
+            <a:r>
+              <a:rPr lang="en-US" sz="2200" kern="0" dirty="0">
+                <a:ln w="3175">
+                  <a:noFill/>
+                </a:ln>
+                <a:solidFill>
+                  <a:srgbClr val="FFFFFF"/>
+                </a:solidFill>
+                <a:latin typeface="Segoe UI"/>
+                <a:cs typeface="Segoe UI Semilight"/>
+              </a:rPr>
+              <a:t> </a:t>
+            </a:r>
+            <a:r>
+              <a:rPr lang="en-US" sz="2200" kern="0" dirty="0" err="1">
+                <a:ln w="3175">
+                  <a:noFill/>
+                </a:ln>
+                <a:solidFill>
+                  <a:srgbClr val="FFFFFF"/>
+                </a:solidFill>
+                <a:latin typeface="Segoe UI"/>
+                <a:cs typeface="Segoe UI Semilight"/>
+              </a:rPr>
+              <a:t>unui</a:t>
+            </a:r>
+            <a:r>
+              <a:rPr lang="en-US" sz="2200" kern="0" dirty="0">
+                <a:ln w="3175">
+                  <a:noFill/>
+                </a:ln>
+                <a:solidFill>
+                  <a:srgbClr val="FFFFFF"/>
+                </a:solidFill>
+                <a:latin typeface="Segoe UI"/>
+                <a:cs typeface="Segoe UI Semilight"/>
+              </a:rPr>
+              <a:t> test cu </a:t>
+            </a:r>
+            <a:r>
+              <a:rPr lang="en-US" sz="2200" kern="0" dirty="0" err="1">
+                <a:ln w="3175">
+                  <a:noFill/>
+                </a:ln>
+                <a:solidFill>
+                  <a:srgbClr val="FFFFFF"/>
+                </a:solidFill>
+                <a:latin typeface="Segoe UI"/>
+                <a:cs typeface="Segoe UI Semilight"/>
+              </a:rPr>
+              <a:t>aplicatia</a:t>
+            </a:r>
+            <a:r>
+              <a:rPr lang="en-US" sz="2200" kern="0" dirty="0">
+                <a:ln w="3175">
+                  <a:noFill/>
+                </a:ln>
+                <a:solidFill>
+                  <a:srgbClr val="FFFFFF"/>
+                </a:solidFill>
+                <a:latin typeface="Segoe UI"/>
+                <a:cs typeface="Segoe UI Semilight"/>
+              </a:rPr>
+              <a:t> de </a:t>
+            </a:r>
+            <a:r>
+              <a:rPr lang="en-US" sz="2200" kern="0" dirty="0" err="1">
+                <a:ln w="3175">
+                  <a:noFill/>
+                </a:ln>
+                <a:solidFill>
+                  <a:srgbClr val="FFFFFF"/>
+                </a:solidFill>
+                <a:latin typeface="Segoe UI"/>
+                <a:cs typeface="Segoe UI Semilight"/>
+              </a:rPr>
+              <a:t>testare</a:t>
+            </a:r>
+            <a:r>
+              <a:rPr lang="en-US" sz="2200" kern="0" dirty="0">
+                <a:ln w="3175">
+                  <a:noFill/>
+                </a:ln>
+                <a:solidFill>
+                  <a:srgbClr val="FFFFFF"/>
+                </a:solidFill>
+                <a:latin typeface="Segoe UI"/>
+                <a:cs typeface="Segoe UI Semilight"/>
+              </a:rPr>
+              <a:t> cu </a:t>
+            </a:r>
+            <a:r>
+              <a:rPr lang="en-US" sz="2200" kern="0" dirty="0" err="1">
+                <a:ln w="3175">
+                  <a:noFill/>
+                </a:ln>
+                <a:solidFill>
+                  <a:srgbClr val="FFFFFF"/>
+                </a:solidFill>
+                <a:latin typeface="Segoe UI"/>
+                <a:cs typeface="Segoe UI Semilight"/>
+              </a:rPr>
+              <a:t>numar</a:t>
+            </a:r>
+            <a:r>
+              <a:rPr lang="en-US" sz="2200" kern="0" dirty="0">
+                <a:ln w="3175">
+                  <a:noFill/>
+                </a:ln>
+                <a:solidFill>
+                  <a:srgbClr val="FFFFFF"/>
+                </a:solidFill>
+                <a:latin typeface="Segoe UI"/>
+                <a:cs typeface="Segoe UI Semilight"/>
+              </a:rPr>
+              <a:t> mare de </a:t>
+            </a:r>
+            <a:r>
+              <a:rPr lang="en-US" sz="2200" kern="0" dirty="0" err="1">
+                <a:ln w="3175">
+                  <a:noFill/>
+                </a:ln>
+                <a:solidFill>
+                  <a:srgbClr val="FFFFFF"/>
+                </a:solidFill>
+                <a:latin typeface="Segoe UI"/>
+                <a:cs typeface="Segoe UI Semilight"/>
+              </a:rPr>
+              <a:t>utilizatori</a:t>
+            </a:r>
+            <a:endParaRPr lang="en-US" sz="2200" kern="0" dirty="0">
+              <a:ln w="3175">
+                <a:noFill/>
+              </a:ln>
+              <a:solidFill>
+                <a:srgbClr val="FFFFFF"/>
+              </a:solidFill>
+              <a:latin typeface="Segoe UI"/>
+              <a:cs typeface="Segoe UI Semilight"/>
+            </a:endParaRPr>
           </a:p>
         </p:txBody>
       </p:sp>
       <p:pic>
         <p:nvPicPr>
-          <p:cNvPr id="6" name="Picture 5">
+          <p:cNvPr id="8194" name="Picture 2">
             <a:extLst>
               <a:ext uri="{FF2B5EF4-FFF2-40B4-BE49-F238E27FC236}">
-                <a16:creationId xmlns:a16="http://schemas.microsoft.com/office/drawing/2014/main" id="{B9F8040B-1E39-823F-E36D-A4D26D3108AE}"/>
+                <a16:creationId xmlns:a16="http://schemas.microsoft.com/office/drawing/2014/main" id="{86C4FBE5-EAFB-F8C9-F9C0-3F3BFFAACA93}"/>
               </a:ext>
             </a:extLst>
           </p:cNvPr>
           <p:cNvPicPr>
-            <a:picLocks noChangeAspect="1"/>
+            <a:picLocks noChangeAspect="1" noChangeArrowheads="1"/>
           </p:cNvPicPr>
           <p:nvPr/>
         </p:nvPicPr>
@@ -10902,31 +13155,839 @@
               </a:ext>
             </a:extLst>
           </a:blip>
+          <a:srcRect/>
           <a:stretch>
             <a:fillRect/>
           </a:stretch>
         </p:blipFill>
+        <p:spPr bwMode="auto">
+          <a:xfrm>
+            <a:off x="3667432" y="959246"/>
+            <a:ext cx="4627358" cy="4939507"/>
+          </a:xfrm>
+          <a:prstGeom prst="rect">
+            <a:avLst/>
+          </a:prstGeom>
+          <a:noFill/>
+          <a:extLst>
+            <a:ext uri="{909E8E84-426E-40DD-AFC4-6F175D3DCCD1}">
+              <a14:hiddenFill xmlns:a14="http://schemas.microsoft.com/office/drawing/2010/main">
+                <a:solidFill>
+                  <a:srgbClr val="FFFFFF"/>
+                </a:solidFill>
+              </a14:hiddenFill>
+            </a:ext>
+          </a:extLst>
+        </p:spPr>
+      </p:pic>
+    </p:spTree>
+    <p:extLst>
+      <p:ext uri="{BB962C8B-B14F-4D97-AF65-F5344CB8AC3E}">
+        <p14:creationId xmlns:p14="http://schemas.microsoft.com/office/powerpoint/2010/main" val="3105146324"/>
+      </p:ext>
+    </p:extLst>
+  </p:cSld>
+  <p:clrMapOvr>
+    <a:masterClrMapping/>
+  </p:clrMapOvr>
+  <mc:AlternateContent xmlns:mc="http://schemas.openxmlformats.org/markup-compatibility/2006" xmlns:p14="http://schemas.microsoft.com/office/powerpoint/2010/main">
+    <mc:Choice Requires="p14">
+      <p:transition spd="med" p14:dur="700">
+        <p:fade/>
+      </p:transition>
+    </mc:Choice>
+    <mc:Fallback xmlns="">
+      <p:transition spd="med">
+        <p:fade/>
+      </p:transition>
+    </mc:Fallback>
+  </mc:AlternateContent>
+</p:sld>
+</file>
+
+<file path=ppt/slides/slide9.xml><?xml version="1.0" encoding="utf-8"?>
+<p:sld xmlns:a="http://schemas.openxmlformats.org/drawingml/2006/main" xmlns:r="http://schemas.openxmlformats.org/officeDocument/2006/relationships" xmlns:p="http://schemas.openxmlformats.org/presentationml/2006/main">
+  <p:cSld>
+    <p:spTree>
+      <p:nvGrpSpPr>
+        <p:cNvPr id="1" name="">
+          <a:extLst>
+            <a:ext uri="{FF2B5EF4-FFF2-40B4-BE49-F238E27FC236}">
+              <a16:creationId xmlns:a16="http://schemas.microsoft.com/office/drawing/2014/main" id="{BBB05E91-0FA6-A293-0698-2085A12FA30F}"/>
+            </a:ext>
+          </a:extLst>
+        </p:cNvPr>
+        <p:cNvGrpSpPr/>
+        <p:nvPr/>
+      </p:nvGrpSpPr>
+      <p:grpSpPr>
+        <a:xfrm>
+          <a:off x="0" y="0"/>
+          <a:ext cx="0" cy="0"/>
+          <a:chOff x="0" y="0"/>
+          <a:chExt cx="0" cy="0"/>
+        </a:xfrm>
+      </p:grpSpPr>
+      <p:sp>
+        <p:nvSpPr>
+          <p:cNvPr id="3" name="Rectangle 2">
+            <a:extLst>
+              <a:ext uri="{FF2B5EF4-FFF2-40B4-BE49-F238E27FC236}">
+                <a16:creationId xmlns:a16="http://schemas.microsoft.com/office/drawing/2014/main" id="{902CD2F8-94BB-F802-7268-5D051B5B9A94}"/>
+              </a:ext>
+            </a:extLst>
+          </p:cNvPr>
+          <p:cNvSpPr/>
+          <p:nvPr/>
+        </p:nvSpPr>
         <p:spPr>
           <a:xfrm>
-            <a:off x="333984" y="894735"/>
-            <a:ext cx="3103063" cy="3279058"/>
+            <a:off x="247998" y="687409"/>
+            <a:ext cx="11696003" cy="5534395"/>
+          </a:xfrm>
+          <a:prstGeom prst="rect">
+            <a:avLst/>
+          </a:prstGeom>
+          <a:solidFill>
+            <a:schemeClr val="bg1"/>
+          </a:solidFill>
+        </p:spPr>
+        <p:txBody>
+          <a:bodyPr wrap="square" anchor="t">
+            <a:noAutofit/>
+          </a:bodyPr>
+          <a:lstStyle/>
+          <a:p>
+            <a:pPr marL="514284" marR="0" lvl="0" indent="-342900" algn="just" defTabSz="914049" rtl="0" eaLnBrk="1" fontAlgn="auto" latinLnBrk="0" hangingPunct="1">
+              <a:lnSpc>
+                <a:spcPct val="100000"/>
+              </a:lnSpc>
+              <a:spcBef>
+                <a:spcPts val="0"/>
+              </a:spcBef>
+              <a:spcAft>
+                <a:spcPts val="0"/>
+              </a:spcAft>
+              <a:buClrTx/>
+              <a:buSzTx/>
+              <a:buFont typeface="Wingdings" panose="05000000000000000000" pitchFamily="2" charset="2"/>
+              <a:buChar char="§"/>
+              <a:tabLst/>
+              <a:defRPr/>
+            </a:pPr>
+            <a:endParaRPr kumimoji="0" lang="en-US" sz="2000" b="0" i="0" u="none" strike="noStrike" kern="1200" cap="none" spc="0" normalizeH="0" baseline="0" noProof="0" dirty="0">
+              <a:ln>
+                <a:noFill/>
+              </a:ln>
+              <a:solidFill>
+                <a:prstClr val="black"/>
+              </a:solidFill>
+              <a:effectLst/>
+              <a:uLnTx/>
+              <a:uFillTx/>
+              <a:latin typeface="Aptos" panose="02110004020202020204"/>
+              <a:ea typeface="+mn-ea"/>
+              <a:cs typeface="Segoe UI Semilight" panose="020B0402040204020203" pitchFamily="34" charset="0"/>
+            </a:endParaRPr>
+          </a:p>
+          <a:p>
+            <a:pPr marL="514284" marR="0" lvl="0" indent="-342900" algn="just" defTabSz="914049" rtl="0" eaLnBrk="1" fontAlgn="auto" latinLnBrk="0" hangingPunct="1">
+              <a:lnSpc>
+                <a:spcPct val="100000"/>
+              </a:lnSpc>
+              <a:spcBef>
+                <a:spcPts val="0"/>
+              </a:spcBef>
+              <a:spcAft>
+                <a:spcPts val="0"/>
+              </a:spcAft>
+              <a:buClrTx/>
+              <a:buSzTx/>
+              <a:buFont typeface="Wingdings" panose="05000000000000000000" pitchFamily="2" charset="2"/>
+              <a:buChar char="§"/>
+              <a:tabLst/>
+              <a:defRPr/>
+            </a:pPr>
+            <a:r>
+              <a:rPr kumimoji="0" lang="en-US" sz="2000" b="0" i="0" u="none" strike="noStrike" kern="1200" cap="none" spc="0" normalizeH="0" baseline="0" noProof="0" dirty="0">
+                <a:ln>
+                  <a:noFill/>
+                </a:ln>
+                <a:solidFill>
+                  <a:prstClr val="black"/>
+                </a:solidFill>
+                <a:effectLst/>
+                <a:uLnTx/>
+                <a:uFillTx/>
+                <a:latin typeface="Aptos" panose="02110004020202020204"/>
+                <a:ea typeface="+mn-ea"/>
+                <a:cs typeface="Segoe UI Semilight" panose="020B0402040204020203" pitchFamily="34" charset="0"/>
+              </a:rPr>
+              <a:t> </a:t>
+            </a:r>
+            <a:r>
+              <a:rPr lang="en-US" sz="2000" dirty="0">
+                <a:solidFill>
+                  <a:prstClr val="black"/>
+                </a:solidFill>
+                <a:latin typeface="Aptos" panose="02110004020202020204"/>
+                <a:cs typeface="Segoe UI Semilight" panose="020B0402040204020203" pitchFamily="34" charset="0"/>
+              </a:rPr>
+              <a:t>Numar de pod-</a:t>
+            </a:r>
+            <a:r>
+              <a:rPr lang="en-US" sz="2000" dirty="0" err="1">
+                <a:solidFill>
+                  <a:prstClr val="black"/>
+                </a:solidFill>
+                <a:latin typeface="Aptos" panose="02110004020202020204"/>
+                <a:cs typeface="Segoe UI Semilight" panose="020B0402040204020203" pitchFamily="34" charset="0"/>
+              </a:rPr>
+              <a:t>uri</a:t>
+            </a:r>
+            <a:r>
+              <a:rPr lang="en-US" sz="2000" dirty="0">
+                <a:solidFill>
+                  <a:prstClr val="black"/>
+                </a:solidFill>
+                <a:latin typeface="Aptos" panose="02110004020202020204"/>
+                <a:cs typeface="Segoe UI Semilight" panose="020B0402040204020203" pitchFamily="34" charset="0"/>
+              </a:rPr>
+              <a:t> egal cu </a:t>
+            </a:r>
+            <a:r>
+              <a:rPr lang="en-US" sz="2000" dirty="0" err="1">
+                <a:solidFill>
+                  <a:prstClr val="black"/>
+                </a:solidFill>
+                <a:latin typeface="Aptos" panose="02110004020202020204"/>
+                <a:cs typeface="Segoe UI Semilight" panose="020B0402040204020203" pitchFamily="34" charset="0"/>
+              </a:rPr>
+              <a:t>numarul</a:t>
+            </a:r>
+            <a:r>
+              <a:rPr lang="en-US" sz="2000" dirty="0">
+                <a:solidFill>
+                  <a:prstClr val="black"/>
+                </a:solidFill>
+                <a:latin typeface="Aptos" panose="02110004020202020204"/>
+                <a:cs typeface="Segoe UI Semilight" panose="020B0402040204020203" pitchFamily="34" charset="0"/>
+              </a:rPr>
+              <a:t> de </a:t>
+            </a:r>
+            <a:r>
+              <a:rPr lang="en-US" sz="2000" dirty="0" err="1">
+                <a:solidFill>
+                  <a:prstClr val="black"/>
+                </a:solidFill>
+                <a:latin typeface="Aptos" panose="02110004020202020204"/>
+                <a:cs typeface="Segoe UI Semilight" panose="020B0402040204020203" pitchFamily="34" charset="0"/>
+              </a:rPr>
+              <a:t>noduri</a:t>
+            </a:r>
+            <a:endParaRPr lang="en-US" sz="2000" dirty="0">
+              <a:solidFill>
+                <a:prstClr val="black"/>
+              </a:solidFill>
+              <a:latin typeface="Aptos" panose="02110004020202020204"/>
+              <a:cs typeface="Segoe UI Semilight" panose="020B0402040204020203" pitchFamily="34" charset="0"/>
+            </a:endParaRPr>
+          </a:p>
+          <a:p>
+            <a:pPr marL="514284" marR="0" lvl="0" indent="-342900" algn="just" defTabSz="914049" rtl="0" eaLnBrk="1" fontAlgn="auto" latinLnBrk="0" hangingPunct="1">
+              <a:lnSpc>
+                <a:spcPct val="100000"/>
+              </a:lnSpc>
+              <a:spcBef>
+                <a:spcPts val="0"/>
+              </a:spcBef>
+              <a:spcAft>
+                <a:spcPts val="0"/>
+              </a:spcAft>
+              <a:buClrTx/>
+              <a:buSzTx/>
+              <a:buFont typeface="Wingdings" panose="05000000000000000000" pitchFamily="2" charset="2"/>
+              <a:buChar char="§"/>
+              <a:tabLst/>
+              <a:defRPr/>
+            </a:pPr>
+            <a:endParaRPr lang="en-US" sz="2000" dirty="0">
+              <a:solidFill>
+                <a:prstClr val="black"/>
+              </a:solidFill>
+              <a:latin typeface="Aptos" panose="02110004020202020204"/>
+              <a:cs typeface="Segoe UI Semilight" panose="020B0402040204020203" pitchFamily="34" charset="0"/>
+            </a:endParaRPr>
+          </a:p>
+          <a:p>
+            <a:pPr marL="514284" marR="0" lvl="0" indent="-342900" algn="just" defTabSz="914049" rtl="0" eaLnBrk="1" fontAlgn="auto" latinLnBrk="0" hangingPunct="1">
+              <a:lnSpc>
+                <a:spcPct val="100000"/>
+              </a:lnSpc>
+              <a:spcBef>
+                <a:spcPts val="0"/>
+              </a:spcBef>
+              <a:spcAft>
+                <a:spcPts val="0"/>
+              </a:spcAft>
+              <a:buClrTx/>
+              <a:buSzTx/>
+              <a:buFont typeface="Wingdings" panose="05000000000000000000" pitchFamily="2" charset="2"/>
+              <a:buChar char="§"/>
+              <a:tabLst/>
+              <a:defRPr/>
+            </a:pPr>
+            <a:r>
+              <a:rPr lang="en-US" sz="2000" dirty="0" err="1">
+                <a:solidFill>
+                  <a:prstClr val="black"/>
+                </a:solidFill>
+                <a:latin typeface="Aptos" panose="02110004020202020204"/>
+                <a:cs typeface="Segoe UI Semilight" panose="020B0402040204020203" pitchFamily="34" charset="0"/>
+              </a:rPr>
+              <a:t>Concatenarea</a:t>
+            </a:r>
+            <a:r>
+              <a:rPr lang="en-US" sz="2000" dirty="0">
+                <a:solidFill>
+                  <a:prstClr val="black"/>
+                </a:solidFill>
+                <a:latin typeface="Aptos" panose="02110004020202020204"/>
+                <a:cs typeface="Segoe UI Semilight" panose="020B0402040204020203" pitchFamily="34" charset="0"/>
+              </a:rPr>
+              <a:t> </a:t>
+            </a:r>
+            <a:r>
+              <a:rPr lang="en-US" sz="2000" dirty="0" err="1">
+                <a:solidFill>
+                  <a:prstClr val="black"/>
+                </a:solidFill>
+                <a:latin typeface="Aptos" panose="02110004020202020204"/>
+                <a:cs typeface="Segoe UI Semilight" panose="020B0402040204020203" pitchFamily="34" charset="0"/>
+              </a:rPr>
+              <a:t>metricilor</a:t>
+            </a:r>
+            <a:r>
+              <a:rPr lang="en-US" sz="2000" dirty="0">
+                <a:solidFill>
+                  <a:prstClr val="black"/>
+                </a:solidFill>
+                <a:latin typeface="Aptos" panose="02110004020202020204"/>
+                <a:cs typeface="Segoe UI Semilight" panose="020B0402040204020203" pitchFamily="34" charset="0"/>
+              </a:rPr>
+              <a:t> de pe </a:t>
+            </a:r>
+            <a:r>
+              <a:rPr lang="en-US" sz="2000" dirty="0" err="1">
+                <a:solidFill>
+                  <a:prstClr val="black"/>
+                </a:solidFill>
+                <a:latin typeface="Aptos" panose="02110004020202020204"/>
+                <a:cs typeface="Segoe UI Semilight" panose="020B0402040204020203" pitchFamily="34" charset="0"/>
+              </a:rPr>
+              <a:t>masinile</a:t>
+            </a:r>
+            <a:r>
+              <a:rPr lang="en-US" sz="2000" dirty="0">
+                <a:solidFill>
+                  <a:prstClr val="black"/>
+                </a:solidFill>
+                <a:latin typeface="Aptos" panose="02110004020202020204"/>
+                <a:cs typeface="Segoe UI Semilight" panose="020B0402040204020203" pitchFamily="34" charset="0"/>
+              </a:rPr>
+              <a:t> care </a:t>
+            </a:r>
+            <a:r>
+              <a:rPr lang="en-US" sz="2000" dirty="0" err="1">
+                <a:solidFill>
+                  <a:prstClr val="black"/>
+                </a:solidFill>
+                <a:latin typeface="Aptos" panose="02110004020202020204"/>
+                <a:cs typeface="Segoe UI Semilight" panose="020B0402040204020203" pitchFamily="34" charset="0"/>
+              </a:rPr>
+              <a:t>ruleaza</a:t>
+            </a:r>
+            <a:r>
+              <a:rPr lang="en-US" sz="2000" dirty="0">
+                <a:solidFill>
+                  <a:prstClr val="black"/>
+                </a:solidFill>
+                <a:latin typeface="Aptos" panose="02110004020202020204"/>
+                <a:cs typeface="Segoe UI Semilight" panose="020B0402040204020203" pitchFamily="34" charset="0"/>
+              </a:rPr>
+              <a:t> teste</a:t>
+            </a:r>
+          </a:p>
+          <a:p>
+            <a:pPr marL="514284" marR="0" lvl="0" indent="-342900" algn="just" defTabSz="914049" rtl="0" eaLnBrk="1" fontAlgn="auto" latinLnBrk="0" hangingPunct="1">
+              <a:lnSpc>
+                <a:spcPct val="100000"/>
+              </a:lnSpc>
+              <a:spcBef>
+                <a:spcPts val="0"/>
+              </a:spcBef>
+              <a:spcAft>
+                <a:spcPts val="0"/>
+              </a:spcAft>
+              <a:buClrTx/>
+              <a:buSzTx/>
+              <a:buFont typeface="Wingdings" panose="05000000000000000000" pitchFamily="2" charset="2"/>
+              <a:buChar char="§"/>
+              <a:tabLst/>
+              <a:defRPr/>
+            </a:pPr>
+            <a:endParaRPr lang="en-US" sz="2000" dirty="0">
+              <a:solidFill>
+                <a:prstClr val="black"/>
+              </a:solidFill>
+              <a:latin typeface="Aptos" panose="02110004020202020204"/>
+              <a:cs typeface="Segoe UI Semilight" panose="020B0402040204020203" pitchFamily="34" charset="0"/>
+            </a:endParaRPr>
+          </a:p>
+          <a:p>
+            <a:pPr marL="514284" marR="0" lvl="0" indent="-342900" algn="just" defTabSz="914049" rtl="0" eaLnBrk="1" fontAlgn="auto" latinLnBrk="0" hangingPunct="1">
+              <a:lnSpc>
+                <a:spcPct val="100000"/>
+              </a:lnSpc>
+              <a:spcBef>
+                <a:spcPts val="0"/>
+              </a:spcBef>
+              <a:spcAft>
+                <a:spcPts val="0"/>
+              </a:spcAft>
+              <a:buClrTx/>
+              <a:buSzTx/>
+              <a:buFont typeface="Wingdings" panose="05000000000000000000" pitchFamily="2" charset="2"/>
+              <a:buChar char="§"/>
+              <a:tabLst/>
+              <a:defRPr/>
+            </a:pPr>
+            <a:r>
+              <a:rPr lang="en-US" sz="2000" dirty="0" err="1">
+                <a:solidFill>
+                  <a:prstClr val="black"/>
+                </a:solidFill>
+                <a:latin typeface="Aptos" panose="02110004020202020204"/>
+                <a:cs typeface="Segoe UI Semilight" panose="020B0402040204020203" pitchFamily="34" charset="0"/>
+              </a:rPr>
+              <a:t>Interfata</a:t>
+            </a:r>
+            <a:r>
+              <a:rPr lang="en-US" sz="2000" dirty="0">
+                <a:solidFill>
+                  <a:prstClr val="black"/>
+                </a:solidFill>
+                <a:latin typeface="Aptos" panose="02110004020202020204"/>
+                <a:cs typeface="Segoe UI Semilight" panose="020B0402040204020203" pitchFamily="34" charset="0"/>
+              </a:rPr>
+              <a:t> </a:t>
+            </a:r>
+            <a:r>
+              <a:rPr lang="en-US" sz="2000" dirty="0" err="1">
+                <a:solidFill>
+                  <a:prstClr val="black"/>
+                </a:solidFill>
+                <a:latin typeface="Aptos" panose="02110004020202020204"/>
+                <a:cs typeface="Segoe UI Semilight" panose="020B0402040204020203" pitchFamily="34" charset="0"/>
+              </a:rPr>
+              <a:t>intuitiva</a:t>
+            </a:r>
+            <a:endParaRPr lang="en-US" sz="2000" dirty="0">
+              <a:solidFill>
+                <a:prstClr val="black"/>
+              </a:solidFill>
+              <a:latin typeface="Aptos" panose="02110004020202020204"/>
+              <a:cs typeface="Segoe UI Semilight" panose="020B0402040204020203" pitchFamily="34" charset="0"/>
+            </a:endParaRPr>
+          </a:p>
+          <a:p>
+            <a:pPr marL="514284" marR="0" lvl="0" indent="-342900" algn="just" defTabSz="914049" rtl="0" eaLnBrk="1" fontAlgn="auto" latinLnBrk="0" hangingPunct="1">
+              <a:lnSpc>
+                <a:spcPct val="100000"/>
+              </a:lnSpc>
+              <a:spcBef>
+                <a:spcPts val="0"/>
+              </a:spcBef>
+              <a:spcAft>
+                <a:spcPts val="0"/>
+              </a:spcAft>
+              <a:buClrTx/>
+              <a:buSzTx/>
+              <a:buFont typeface="Wingdings" panose="05000000000000000000" pitchFamily="2" charset="2"/>
+              <a:buChar char="§"/>
+              <a:tabLst/>
+              <a:defRPr/>
+            </a:pPr>
+            <a:endParaRPr lang="en-US" sz="2000" dirty="0">
+              <a:solidFill>
+                <a:prstClr val="black"/>
+              </a:solidFill>
+              <a:latin typeface="Aptos" panose="02110004020202020204"/>
+              <a:cs typeface="Segoe UI Semilight" panose="020B0402040204020203" pitchFamily="34" charset="0"/>
+            </a:endParaRPr>
+          </a:p>
+          <a:p>
+            <a:pPr marL="514284" marR="0" lvl="0" indent="-342900" algn="just" defTabSz="914049" rtl="0" eaLnBrk="1" fontAlgn="auto" latinLnBrk="0" hangingPunct="1">
+              <a:lnSpc>
+                <a:spcPct val="100000"/>
+              </a:lnSpc>
+              <a:spcBef>
+                <a:spcPts val="0"/>
+              </a:spcBef>
+              <a:spcAft>
+                <a:spcPts val="0"/>
+              </a:spcAft>
+              <a:buClrTx/>
+              <a:buSzTx/>
+              <a:buFont typeface="Wingdings" panose="05000000000000000000" pitchFamily="2" charset="2"/>
+              <a:buChar char="§"/>
+              <a:tabLst/>
+              <a:defRPr/>
+            </a:pPr>
+            <a:r>
+              <a:rPr lang="en-US" sz="2000" dirty="0">
+                <a:solidFill>
+                  <a:prstClr val="black"/>
+                </a:solidFill>
+                <a:latin typeface="Aptos" panose="02110004020202020204"/>
+                <a:cs typeface="Segoe UI Semilight" panose="020B0402040204020203" pitchFamily="34" charset="0"/>
+              </a:rPr>
+              <a:t>Tool-</a:t>
+            </a:r>
+            <a:r>
+              <a:rPr lang="en-US" sz="2000" dirty="0" err="1">
+                <a:solidFill>
+                  <a:prstClr val="black"/>
+                </a:solidFill>
+                <a:latin typeface="Aptos" panose="02110004020202020204"/>
+                <a:cs typeface="Segoe UI Semilight" panose="020B0402040204020203" pitchFamily="34" charset="0"/>
+              </a:rPr>
+              <a:t>uri</a:t>
+            </a:r>
+            <a:r>
+              <a:rPr lang="en-US" sz="2000" dirty="0">
+                <a:solidFill>
+                  <a:prstClr val="black"/>
+                </a:solidFill>
+                <a:latin typeface="Aptos" panose="02110004020202020204"/>
+                <a:cs typeface="Segoe UI Semilight" panose="020B0402040204020203" pitchFamily="34" charset="0"/>
+              </a:rPr>
+              <a:t> AI </a:t>
+            </a:r>
+            <a:r>
+              <a:rPr lang="en-US" sz="2000" dirty="0" err="1">
+                <a:solidFill>
+                  <a:prstClr val="black"/>
+                </a:solidFill>
+                <a:latin typeface="Aptos" panose="02110004020202020204"/>
+                <a:cs typeface="Segoe UI Semilight" panose="020B0402040204020203" pitchFamily="34" charset="0"/>
+              </a:rPr>
+              <a:t>pentru</a:t>
+            </a:r>
+            <a:r>
+              <a:rPr lang="en-US" sz="2000" dirty="0">
+                <a:solidFill>
+                  <a:prstClr val="black"/>
+                </a:solidFill>
+                <a:latin typeface="Aptos" panose="02110004020202020204"/>
+                <a:cs typeface="Segoe UI Semilight" panose="020B0402040204020203" pitchFamily="34" charset="0"/>
+              </a:rPr>
+              <a:t> </a:t>
+            </a:r>
+            <a:r>
+              <a:rPr lang="en-US" sz="2000" dirty="0" err="1">
+                <a:solidFill>
+                  <a:prstClr val="black"/>
+                </a:solidFill>
+                <a:latin typeface="Aptos" panose="02110004020202020204"/>
+                <a:cs typeface="Segoe UI Semilight" panose="020B0402040204020203" pitchFamily="34" charset="0"/>
+              </a:rPr>
+              <a:t>documentare</a:t>
+            </a:r>
+            <a:r>
+              <a:rPr lang="en-US" sz="2000" dirty="0">
+                <a:solidFill>
+                  <a:prstClr val="black"/>
+                </a:solidFill>
+                <a:latin typeface="Aptos" panose="02110004020202020204"/>
+                <a:cs typeface="Segoe UI Semilight" panose="020B0402040204020203" pitchFamily="34" charset="0"/>
+              </a:rPr>
+              <a:t> </a:t>
+            </a:r>
+            <a:r>
+              <a:rPr lang="en-US" sz="2000" dirty="0" err="1">
+                <a:solidFill>
+                  <a:prstClr val="black"/>
+                </a:solidFill>
+                <a:latin typeface="Aptos" panose="02110004020202020204"/>
+                <a:cs typeface="Segoe UI Semilight" panose="020B0402040204020203" pitchFamily="34" charset="0"/>
+              </a:rPr>
+              <a:t>si</a:t>
+            </a:r>
+            <a:r>
+              <a:rPr lang="en-US" sz="2000" dirty="0">
+                <a:solidFill>
+                  <a:prstClr val="black"/>
+                </a:solidFill>
+                <a:latin typeface="Aptos" panose="02110004020202020204"/>
+                <a:cs typeface="Segoe UI Semilight" panose="020B0402040204020203" pitchFamily="34" charset="0"/>
+              </a:rPr>
+              <a:t> </a:t>
+            </a:r>
+            <a:r>
+              <a:rPr lang="en-US" sz="2000" dirty="0" err="1">
+                <a:solidFill>
+                  <a:prstClr val="black"/>
+                </a:solidFill>
+                <a:latin typeface="Aptos" panose="02110004020202020204"/>
+                <a:cs typeface="Segoe UI Semilight" panose="020B0402040204020203" pitchFamily="34" charset="0"/>
+              </a:rPr>
+              <a:t>validarea</a:t>
+            </a:r>
+            <a:r>
+              <a:rPr lang="en-US" sz="2000" dirty="0">
+                <a:solidFill>
+                  <a:prstClr val="black"/>
+                </a:solidFill>
+                <a:latin typeface="Aptos" panose="02110004020202020204"/>
+                <a:cs typeface="Segoe UI Semilight" panose="020B0402040204020203" pitchFamily="34" charset="0"/>
+              </a:rPr>
+              <a:t> </a:t>
+            </a:r>
+            <a:r>
+              <a:rPr lang="en-US" sz="2000" dirty="0" err="1">
+                <a:solidFill>
+                  <a:prstClr val="black"/>
+                </a:solidFill>
+                <a:latin typeface="Aptos" panose="02110004020202020204"/>
+                <a:cs typeface="Segoe UI Semilight" panose="020B0402040204020203" pitchFamily="34" charset="0"/>
+              </a:rPr>
+              <a:t>codului</a:t>
+            </a:r>
+            <a:endParaRPr lang="en-US" sz="2000" dirty="0">
+              <a:solidFill>
+                <a:prstClr val="black"/>
+              </a:solidFill>
+              <a:latin typeface="Aptos" panose="02110004020202020204"/>
+              <a:cs typeface="Segoe UI Semilight" panose="020B0402040204020203" pitchFamily="34" charset="0"/>
+            </a:endParaRPr>
+          </a:p>
+          <a:p>
+            <a:pPr marL="514284" marR="0" lvl="0" indent="-342900" algn="just" defTabSz="914049" rtl="0" eaLnBrk="1" fontAlgn="auto" latinLnBrk="0" hangingPunct="1">
+              <a:lnSpc>
+                <a:spcPct val="100000"/>
+              </a:lnSpc>
+              <a:spcBef>
+                <a:spcPts val="0"/>
+              </a:spcBef>
+              <a:spcAft>
+                <a:spcPts val="0"/>
+              </a:spcAft>
+              <a:buClrTx/>
+              <a:buSzTx/>
+              <a:buFont typeface="Wingdings" panose="05000000000000000000" pitchFamily="2" charset="2"/>
+              <a:buChar char="§"/>
+              <a:tabLst/>
+              <a:defRPr/>
+            </a:pPr>
+            <a:endParaRPr kumimoji="0" lang="en-US" sz="2000" b="0" i="0" u="none" strike="noStrike" kern="1200" cap="none" spc="0" normalizeH="0" baseline="0" noProof="0" dirty="0">
+              <a:ln>
+                <a:noFill/>
+              </a:ln>
+              <a:solidFill>
+                <a:prstClr val="black"/>
+              </a:solidFill>
+              <a:effectLst/>
+              <a:uLnTx/>
+              <a:uFillTx/>
+              <a:latin typeface="Aptos" panose="02110004020202020204"/>
+              <a:ea typeface="+mn-ea"/>
+              <a:cs typeface="Segoe UI Semilight" panose="020B0402040204020203" pitchFamily="34" charset="0"/>
+            </a:endParaRPr>
+          </a:p>
+          <a:p>
+            <a:pPr marL="514284" marR="0" lvl="0" indent="-342900" algn="just" defTabSz="914049" rtl="0" eaLnBrk="1" fontAlgn="auto" latinLnBrk="0" hangingPunct="1">
+              <a:lnSpc>
+                <a:spcPct val="100000"/>
+              </a:lnSpc>
+              <a:spcBef>
+                <a:spcPts val="0"/>
+              </a:spcBef>
+              <a:spcAft>
+                <a:spcPts val="0"/>
+              </a:spcAft>
+              <a:buClrTx/>
+              <a:buSzTx/>
+              <a:buFont typeface="Wingdings" panose="05000000000000000000" pitchFamily="2" charset="2"/>
+              <a:buChar char="§"/>
+              <a:tabLst/>
+              <a:defRPr/>
+            </a:pPr>
+            <a:endParaRPr kumimoji="0" lang="en-US" sz="2000" b="0" i="0" u="none" strike="noStrike" kern="1200" cap="none" spc="0" normalizeH="0" baseline="0" noProof="0" dirty="0">
+              <a:ln>
+                <a:noFill/>
+              </a:ln>
+              <a:solidFill>
+                <a:prstClr val="black"/>
+              </a:solidFill>
+              <a:effectLst/>
+              <a:uLnTx/>
+              <a:uFillTx/>
+              <a:latin typeface="Aptos" panose="02110004020202020204"/>
+              <a:ea typeface="+mn-ea"/>
+              <a:cs typeface="Segoe UI Semilight" panose="020B0402040204020203" pitchFamily="34" charset="0"/>
+            </a:endParaRPr>
+          </a:p>
+        </p:txBody>
+      </p:sp>
+      <p:sp>
+        <p:nvSpPr>
+          <p:cNvPr id="5" name="microsoft">
+            <a:extLst>
+              <a:ext uri="{FF2B5EF4-FFF2-40B4-BE49-F238E27FC236}">
+                <a16:creationId xmlns:a16="http://schemas.microsoft.com/office/drawing/2014/main" id="{ED9F7531-ABCF-E9EE-A95A-125FFD5ED9BA}"/>
+              </a:ext>
+            </a:extLst>
+          </p:cNvPr>
+          <p:cNvSpPr/>
+          <p:nvPr/>
+        </p:nvSpPr>
+        <p:spPr>
+          <a:xfrm>
+            <a:off x="2877186" y="199588"/>
+            <a:ext cx="6174104" cy="487821"/>
           </a:xfrm>
           <a:prstGeom prst="rect">
             <a:avLst/>
           </a:prstGeom>
         </p:spPr>
+        <p:txBody>
+          <a:bodyPr wrap="square" anchor="t">
+            <a:spAutoFit/>
+          </a:bodyPr>
+          <a:lstStyle/>
+          <a:p>
+            <a:pPr algn="ctr" defTabSz="896042" fontAlgn="base">
+              <a:lnSpc>
+                <a:spcPct val="90000"/>
+              </a:lnSpc>
+              <a:spcBef>
+                <a:spcPct val="0"/>
+              </a:spcBef>
+              <a:spcAft>
+                <a:spcPts val="1174"/>
+              </a:spcAft>
+            </a:pPr>
+            <a:r>
+              <a:rPr lang="en-US" sz="2800" kern="0" dirty="0" err="1">
+                <a:ln w="3175">
+                  <a:noFill/>
+                </a:ln>
+                <a:solidFill>
+                  <a:srgbClr val="FFFFFF"/>
+                </a:solidFill>
+                <a:latin typeface="Segoe UI"/>
+                <a:cs typeface="Segoe UI Semilight"/>
+              </a:rPr>
+              <a:t>Concluzii</a:t>
+            </a:r>
+            <a:r>
+              <a:rPr lang="en-US" sz="2800" kern="0" dirty="0">
+                <a:ln w="3175">
+                  <a:noFill/>
+                </a:ln>
+                <a:solidFill>
+                  <a:srgbClr val="FFFFFF"/>
+                </a:solidFill>
+                <a:latin typeface="Segoe UI"/>
+                <a:cs typeface="Segoe UI Semilight"/>
+              </a:rPr>
+              <a:t> </a:t>
+            </a:r>
+            <a:r>
+              <a:rPr lang="en-US" sz="2800" kern="0" dirty="0" err="1">
+                <a:ln w="3175">
+                  <a:noFill/>
+                </a:ln>
+                <a:solidFill>
+                  <a:srgbClr val="FFFFFF"/>
+                </a:solidFill>
+                <a:latin typeface="Segoe UI"/>
+                <a:cs typeface="Segoe UI Semilight"/>
+              </a:rPr>
+              <a:t>tehnice</a:t>
+            </a:r>
+            <a:endParaRPr lang="en-US" sz="2800" kern="0" dirty="0">
+              <a:ln w="3175">
+                <a:noFill/>
+              </a:ln>
+              <a:solidFill>
+                <a:srgbClr val="FFFFFF"/>
+              </a:solidFill>
+              <a:latin typeface="Segoe UI"/>
+              <a:cs typeface="Segoe UI Semilight"/>
+            </a:endParaRPr>
+          </a:p>
+        </p:txBody>
+      </p:sp>
+      <p:pic>
+        <p:nvPicPr>
+          <p:cNvPr id="7170" name="Picture 2" descr="Azure has a new logo, but where do you ...">
+            <a:extLst>
+              <a:ext uri="{FF2B5EF4-FFF2-40B4-BE49-F238E27FC236}">
+                <a16:creationId xmlns:a16="http://schemas.microsoft.com/office/drawing/2014/main" id="{447F1317-F275-6C84-E5A4-E37E9A96A43B}"/>
+              </a:ext>
+            </a:extLst>
+          </p:cNvPr>
+          <p:cNvPicPr>
+            <a:picLocks noChangeAspect="1" noChangeArrowheads="1"/>
+          </p:cNvPicPr>
+          <p:nvPr/>
+        </p:nvPicPr>
+        <p:blipFill>
+          <a:blip r:embed="rId3">
+            <a:extLst>
+              <a:ext uri="{28A0092B-C50C-407E-A947-70E740481C1C}">
+                <a14:useLocalDpi xmlns:a14="http://schemas.microsoft.com/office/drawing/2010/main" val="0"/>
+              </a:ext>
+            </a:extLst>
+          </a:blip>
+          <a:srcRect/>
+          <a:stretch>
+            <a:fillRect/>
+          </a:stretch>
+        </p:blipFill>
+        <p:spPr bwMode="auto">
+          <a:xfrm>
+            <a:off x="10107716" y="835742"/>
+            <a:ext cx="1351903" cy="1351903"/>
+          </a:xfrm>
+          <a:prstGeom prst="rect">
+            <a:avLst/>
+          </a:prstGeom>
+          <a:noFill/>
+          <a:extLst>
+            <a:ext uri="{909E8E84-426E-40DD-AFC4-6F175D3DCCD1}">
+              <a14:hiddenFill xmlns:a14="http://schemas.microsoft.com/office/drawing/2010/main">
+                <a:solidFill>
+                  <a:srgbClr val="FFFFFF"/>
+                </a:solidFill>
+              </a14:hiddenFill>
+            </a:ext>
+          </a:extLst>
+        </p:spPr>
       </p:pic>
       <p:pic>
         <p:nvPicPr>
-          <p:cNvPr id="10" name="Picture 9">
+          <p:cNvPr id="7174" name="Picture 6">
             <a:extLst>
               <a:ext uri="{FF2B5EF4-FFF2-40B4-BE49-F238E27FC236}">
-                <a16:creationId xmlns:a16="http://schemas.microsoft.com/office/drawing/2014/main" id="{2B700EB0-0480-54A4-A528-C74909E4F4A4}"/>
+                <a16:creationId xmlns:a16="http://schemas.microsoft.com/office/drawing/2014/main" id="{F2663D2B-14F2-8C21-E5C7-6DA0A2540175}"/>
               </a:ext>
             </a:extLst>
           </p:cNvPr>
           <p:cNvPicPr>
-            <a:picLocks noChangeAspect="1"/>
+            <a:picLocks noChangeAspect="1" noChangeArrowheads="1"/>
           </p:cNvPicPr>
           <p:nvPr/>
         </p:nvPicPr>
@@ -10938,31 +13999,42 @@
               </a:ext>
             </a:extLst>
           </a:blip>
+          <a:srcRect/>
           <a:stretch>
             <a:fillRect/>
           </a:stretch>
         </p:blipFill>
-        <p:spPr>
+        <p:spPr bwMode="auto">
           <a:xfrm>
-            <a:off x="3430894" y="687409"/>
-            <a:ext cx="2617619" cy="2006841"/>
+            <a:off x="7915122" y="1828800"/>
+            <a:ext cx="1454263" cy="1447800"/>
           </a:xfrm>
           <a:prstGeom prst="rect">
             <a:avLst/>
           </a:prstGeom>
+          <a:noFill/>
+          <a:extLst>
+            <a:ext uri="{909E8E84-426E-40DD-AFC4-6F175D3DCCD1}">
+              <a14:hiddenFill xmlns:a14="http://schemas.microsoft.com/office/drawing/2010/main">
+                <a:solidFill>
+                  <a:srgbClr val="FFFFFF"/>
+                </a:solidFill>
+              </a14:hiddenFill>
+            </a:ext>
+          </a:extLst>
         </p:spPr>
       </p:pic>
       <p:pic>
         <p:nvPicPr>
-          <p:cNvPr id="12" name="Picture 11">
+          <p:cNvPr id="7176" name="Picture 8" descr="ChatGPT Logo - Chat gpt Icon on White ...">
             <a:extLst>
               <a:ext uri="{FF2B5EF4-FFF2-40B4-BE49-F238E27FC236}">
-                <a16:creationId xmlns:a16="http://schemas.microsoft.com/office/drawing/2014/main" id="{B1F1688C-E91A-CC24-E4E9-AEC5C836F310}"/>
+                <a16:creationId xmlns:a16="http://schemas.microsoft.com/office/drawing/2014/main" id="{3F19041B-A29B-7CAA-655A-4A1CD19978B2}"/>
               </a:ext>
             </a:extLst>
           </p:cNvPr>
           <p:cNvPicPr>
-            <a:picLocks noChangeAspect="1"/>
+            <a:picLocks noChangeAspect="1" noChangeArrowheads="1"/>
           </p:cNvPicPr>
           <p:nvPr/>
         </p:nvPicPr>
@@ -10974,31 +14046,42 @@
               </a:ext>
             </a:extLst>
           </a:blip>
+          <a:srcRect/>
           <a:stretch>
             <a:fillRect/>
           </a:stretch>
         </p:blipFill>
-        <p:spPr>
+        <p:spPr bwMode="auto">
           <a:xfrm>
-            <a:off x="6048513" y="636196"/>
-            <a:ext cx="4228382" cy="946982"/>
+            <a:off x="10107716" y="3454606"/>
+            <a:ext cx="1455019" cy="1455019"/>
           </a:xfrm>
           <a:prstGeom prst="rect">
             <a:avLst/>
           </a:prstGeom>
+          <a:noFill/>
+          <a:extLst>
+            <a:ext uri="{909E8E84-426E-40DD-AFC4-6F175D3DCCD1}">
+              <a14:hiddenFill xmlns:a14="http://schemas.microsoft.com/office/drawing/2010/main">
+                <a:solidFill>
+                  <a:srgbClr val="FFFFFF"/>
+                </a:solidFill>
+              </a14:hiddenFill>
+            </a:ext>
+          </a:extLst>
         </p:spPr>
       </p:pic>
       <p:pic>
         <p:nvPicPr>
-          <p:cNvPr id="14" name="Picture 13">
+          <p:cNvPr id="7178" name="Picture 10" descr="Github Copilot icon SVG Vector &amp; PNG ...">
             <a:extLst>
               <a:ext uri="{FF2B5EF4-FFF2-40B4-BE49-F238E27FC236}">
-                <a16:creationId xmlns:a16="http://schemas.microsoft.com/office/drawing/2014/main" id="{F3F6EA31-463B-1B70-BE7B-C669B67FEDA6}"/>
+                <a16:creationId xmlns:a16="http://schemas.microsoft.com/office/drawing/2014/main" id="{F64506BB-7AAC-F97D-B8A5-569F56533092}"/>
               </a:ext>
             </a:extLst>
           </p:cNvPr>
           <p:cNvPicPr>
-            <a:picLocks noChangeAspect="1"/>
+            <a:picLocks noChangeAspect="1" noChangeArrowheads="1"/>
           </p:cNvPicPr>
           <p:nvPr/>
         </p:nvPicPr>
@@ -11010,31 +14093,42 @@
               </a:ext>
             </a:extLst>
           </a:blip>
+          <a:srcRect/>
           <a:stretch>
             <a:fillRect/>
           </a:stretch>
         </p:blipFill>
-        <p:spPr>
+        <p:spPr bwMode="auto">
           <a:xfrm>
-            <a:off x="7438954" y="1583178"/>
-            <a:ext cx="3989498" cy="3226602"/>
+            <a:off x="7915122" y="4182115"/>
+            <a:ext cx="1563027" cy="1563027"/>
           </a:xfrm>
           <a:prstGeom prst="rect">
             <a:avLst/>
           </a:prstGeom>
+          <a:noFill/>
+          <a:extLst>
+            <a:ext uri="{909E8E84-426E-40DD-AFC4-6F175D3DCCD1}">
+              <a14:hiddenFill xmlns:a14="http://schemas.microsoft.com/office/drawing/2010/main">
+                <a:solidFill>
+                  <a:srgbClr val="FFFFFF"/>
+                </a:solidFill>
+              </a14:hiddenFill>
+            </a:ext>
+          </a:extLst>
         </p:spPr>
       </p:pic>
       <p:pic>
         <p:nvPicPr>
-          <p:cNvPr id="16" name="Picture 15">
+          <p:cNvPr id="7180" name="Picture 12">
             <a:extLst>
               <a:ext uri="{FF2B5EF4-FFF2-40B4-BE49-F238E27FC236}">
-                <a16:creationId xmlns:a16="http://schemas.microsoft.com/office/drawing/2014/main" id="{50FEE4D0-9998-090A-28F6-CF8E586E8D3C}"/>
+                <a16:creationId xmlns:a16="http://schemas.microsoft.com/office/drawing/2014/main" id="{00B5F7C9-4123-E912-9961-429CF9025FED}"/>
               </a:ext>
             </a:extLst>
           </p:cNvPr>
           <p:cNvPicPr>
-            <a:picLocks noChangeAspect="1"/>
+            <a:picLocks noChangeAspect="1" noChangeArrowheads="1"/>
           </p:cNvPicPr>
           <p:nvPr/>
         </p:nvPicPr>
@@ -11046,96 +14140,35 @@
               </a:ext>
             </a:extLst>
           </a:blip>
+          <a:srcRect/>
           <a:stretch>
             <a:fillRect/>
           </a:stretch>
         </p:blipFill>
-        <p:spPr>
+        <p:spPr bwMode="auto">
           <a:xfrm>
-            <a:off x="333984" y="4124393"/>
-            <a:ext cx="5351855" cy="685387"/>
+            <a:off x="462784" y="3633173"/>
+            <a:ext cx="7237552" cy="1097884"/>
           </a:xfrm>
           <a:prstGeom prst="rect">
             <a:avLst/>
           </a:prstGeom>
-        </p:spPr>
-      </p:pic>
-      <p:pic>
-        <p:nvPicPr>
-          <p:cNvPr id="18" name="Picture 17">
-            <a:extLst>
-              <a:ext uri="{FF2B5EF4-FFF2-40B4-BE49-F238E27FC236}">
-                <a16:creationId xmlns:a16="http://schemas.microsoft.com/office/drawing/2014/main" id="{41EBD638-DFC3-A41B-50BE-7AA02A78B301}"/>
-              </a:ext>
-            </a:extLst>
-          </p:cNvPr>
-          <p:cNvPicPr>
-            <a:picLocks noChangeAspect="1"/>
-          </p:cNvPicPr>
-          <p:nvPr/>
-        </p:nvPicPr>
-        <p:blipFill>
-          <a:blip r:embed="rId8">
-            <a:extLst>
-              <a:ext uri="{28A0092B-C50C-407E-A947-70E740481C1C}">
-                <a14:useLocalDpi xmlns:a14="http://schemas.microsoft.com/office/drawing/2010/main" val="0"/>
-              </a:ext>
-            </a:extLst>
-          </a:blip>
-          <a:stretch>
-            <a:fillRect/>
-          </a:stretch>
-        </p:blipFill>
-        <p:spPr>
-          <a:xfrm>
-            <a:off x="3997149" y="4795986"/>
-            <a:ext cx="4102727" cy="1439612"/>
-          </a:xfrm>
-          <a:prstGeom prst="rect">
-            <a:avLst/>
-          </a:prstGeom>
-        </p:spPr>
-      </p:pic>
-      <p:pic>
-        <p:nvPicPr>
-          <p:cNvPr id="20" name="Picture 19">
-            <a:extLst>
-              <a:ext uri="{FF2B5EF4-FFF2-40B4-BE49-F238E27FC236}">
-                <a16:creationId xmlns:a16="http://schemas.microsoft.com/office/drawing/2014/main" id="{DE5B4ABF-6891-C98B-442E-0712615C8586}"/>
-              </a:ext>
-            </a:extLst>
-          </p:cNvPr>
-          <p:cNvPicPr>
-            <a:picLocks noChangeAspect="1"/>
-          </p:cNvPicPr>
-          <p:nvPr/>
-        </p:nvPicPr>
-        <p:blipFill>
-          <a:blip r:embed="rId9">
-            <a:extLst>
-              <a:ext uri="{28A0092B-C50C-407E-A947-70E740481C1C}">
-                <a14:useLocalDpi xmlns:a14="http://schemas.microsoft.com/office/drawing/2010/main" val="0"/>
-              </a:ext>
-            </a:extLst>
-          </a:blip>
-          <a:stretch>
-            <a:fillRect/>
-          </a:stretch>
-        </p:blipFill>
-        <p:spPr>
-          <a:xfrm>
-            <a:off x="1163426" y="4814813"/>
-            <a:ext cx="1444177" cy="1385121"/>
-          </a:xfrm>
-          <a:prstGeom prst="rect">
-            <a:avLst/>
-          </a:prstGeom>
+          <a:noFill/>
+          <a:extLst>
+            <a:ext uri="{909E8E84-426E-40DD-AFC4-6F175D3DCCD1}">
+              <a14:hiddenFill xmlns:a14="http://schemas.microsoft.com/office/drawing/2010/main">
+                <a:solidFill>
+                  <a:srgbClr val="FFFFFF"/>
+                </a:solidFill>
+              </a14:hiddenFill>
+            </a:ext>
+          </a:extLst>
         </p:spPr>
       </p:pic>
     </p:spTree>
     <p:extLst>
       <p:ext uri="{BB962C8B-B14F-4D97-AF65-F5344CB8AC3E}">
-        <p14:creationId xmlns:p14="http://schemas.microsoft.com/office/powerpoint/2010/main" val="559693397"/>
+        <p14:creationId xmlns:p14="http://schemas.microsoft.com/office/powerpoint/2010/main" val="1509104872"/>
       </p:ext>
     </p:extLst>
   </p:cSld>
